--- a/report_slide/OTTO_WebMining.pptx
+++ b/report_slide/OTTO_WebMining.pptx
@@ -2,40 +2,51 @@
 <file path=ppt/presentation.xml><?xml version="1.0" encoding="utf-8"?>
 <p:presentation xmlns:a="http://schemas.openxmlformats.org/drawingml/2006/main" xmlns:r="http://schemas.openxmlformats.org/officeDocument/2006/relationships" xmlns:mc="http://schemas.openxmlformats.org/markup-compatibility/2006" xmlns:mv="urn:schemas-microsoft-com:mac:vml" xmlns:p="http://schemas.openxmlformats.org/presentationml/2006/main" xmlns:c="http://schemas.openxmlformats.org/drawingml/2006/chart" xmlns:dgm="http://schemas.openxmlformats.org/drawingml/2006/diagram" xmlns:o="urn:schemas-microsoft-com:office:office" xmlns:v="urn:schemas-microsoft-com:vml" xmlns:pvml="urn:schemas-microsoft-com:office:powerpoint" xmlns:com="http://schemas.openxmlformats.org/drawingml/2006/compatibility" xmlns:p14="http://schemas.microsoft.com/office/powerpoint/2010/main" xmlns:p15="http://schemas.microsoft.com/office/powerpoint/2012/main" xmlns:ahyp="http://schemas.microsoft.com/office/drawing/2018/hyperlinkcolor" autoCompressPictures="0" embedTrueTypeFonts="1" strictFirstAndLastChars="0" saveSubsetFonts="1">
   <p:sldMasterIdLst>
-    <p:sldMasterId id="2147483648" r:id="rId3"/>
+    <p:sldMasterId id="2147483648" r:id="rId4"/>
   </p:sldMasterIdLst>
   <p:notesMasterIdLst>
-    <p:notesMasterId r:id="rId4"/>
+    <p:notesMasterId r:id="rId5"/>
   </p:notesMasterIdLst>
   <p:sldIdLst>
-    <p:sldId id="256" r:id="rId5"/>
-    <p:sldId id="257" r:id="rId6"/>
-    <p:sldId id="258" r:id="rId7"/>
-    <p:sldId id="259" r:id="rId8"/>
-    <p:sldId id="260" r:id="rId9"/>
-    <p:sldId id="261" r:id="rId10"/>
-    <p:sldId id="262" r:id="rId11"/>
-    <p:sldId id="263" r:id="rId12"/>
-    <p:sldId id="264" r:id="rId13"/>
-    <p:sldId id="265" r:id="rId14"/>
-    <p:sldId id="266" r:id="rId15"/>
-    <p:sldId id="267" r:id="rId16"/>
-    <p:sldId id="268" r:id="rId17"/>
-    <p:sldId id="269" r:id="rId18"/>
-    <p:sldId id="270" r:id="rId19"/>
-    <p:sldId id="271" r:id="rId20"/>
-    <p:sldId id="272" r:id="rId21"/>
-    <p:sldId id="273" r:id="rId22"/>
+    <p:sldId id="256" r:id="rId6"/>
+    <p:sldId id="257" r:id="rId7"/>
+    <p:sldId id="258" r:id="rId8"/>
+    <p:sldId id="259" r:id="rId9"/>
+    <p:sldId id="260" r:id="rId10"/>
+    <p:sldId id="261" r:id="rId11"/>
+    <p:sldId id="262" r:id="rId12"/>
+    <p:sldId id="263" r:id="rId13"/>
+    <p:sldId id="264" r:id="rId14"/>
+    <p:sldId id="265" r:id="rId15"/>
+    <p:sldId id="266" r:id="rId16"/>
+    <p:sldId id="267" r:id="rId17"/>
+    <p:sldId id="268" r:id="rId18"/>
+    <p:sldId id="269" r:id="rId19"/>
+    <p:sldId id="270" r:id="rId20"/>
+    <p:sldId id="271" r:id="rId21"/>
+    <p:sldId id="272" r:id="rId22"/>
+    <p:sldId id="273" r:id="rId23"/>
+    <p:sldId id="274" r:id="rId24"/>
+    <p:sldId id="275" r:id="rId25"/>
+    <p:sldId id="276" r:id="rId26"/>
+    <p:sldId id="277" r:id="rId27"/>
+    <p:sldId id="278" r:id="rId28"/>
+    <p:sldId id="279" r:id="rId29"/>
+    <p:sldId id="280" r:id="rId30"/>
+    <p:sldId id="281" r:id="rId31"/>
+    <p:sldId id="282" r:id="rId32"/>
+    <p:sldId id="283" r:id="rId33"/>
+    <p:sldId id="284" r:id="rId34"/>
   </p:sldIdLst>
   <p:sldSz cy="6858000" cx="12192000"/>
   <p:notesSz cx="6858000" cy="9144000"/>
   <p:embeddedFontLst>
     <p:embeddedFont>
       <p:font typeface="Lato"/>
-      <p:regular r:id="rId23"/>
-      <p:bold r:id="rId24"/>
-      <p:italic r:id="rId25"/>
-      <p:boldItalic r:id="rId26"/>
+      <p:regular r:id="rId35"/>
+      <p:bold r:id="rId36"/>
+      <p:italic r:id="rId37"/>
+      <p:boldItalic r:id="rId38"/>
     </p:embeddedFont>
   </p:embeddedFontLst>
   <p:defaultTextStyle>
@@ -269,7 +280,7 @@
   </p:defaultTextStyle>
   <p:extLst>
     <p:ext uri="GoogleSlidesCustomDataVersion2">
-      <go:slidesCustomData xmlns:go="http://customooxmlschemas.google.com/" r:id="rId27" roundtripDataSignature="AMtx7mj0ncF1zi75eUO9A4Kg5OOmgv3ptQ=="/>
+      <go:slidesCustomData xmlns:go="http://customooxmlschemas.google.com/" r:id="rId39" roundtripDataSignature="AMtx7mgCtUhhCaZb7WKRYmWXW9Ni9WAEYQ=="/>
     </p:ext>
   </p:extLst>
 </p:presentation>
@@ -1547,7 +1558,7 @@
   <p:cSld>
     <p:spTree>
       <p:nvGrpSpPr>
-        <p:cNvPr id="142" name="Shape 142"/>
+        <p:cNvPr id="148" name="Shape 148"/>
         <p:cNvGrpSpPr/>
         <p:nvPr/>
       </p:nvGrpSpPr>
@@ -1561,7 +1572,7 @@
       </p:grpSpPr>
       <p:sp>
         <p:nvSpPr>
-          <p:cNvPr id="143" name="Google Shape;143;g326235a0562_0_47:notes"/>
+          <p:cNvPr id="149" name="Google Shape;149;p9:notes"/>
           <p:cNvSpPr txBox="1"/>
           <p:nvPr>
             <p:ph idx="1" type="body"/>
@@ -1570,7 +1581,7 @@
         <p:spPr>
           <a:xfrm>
             <a:off x="685800" y="4400550"/>
-            <a:ext cx="5486400" cy="3600600"/>
+            <a:ext cx="5486400" cy="3600450"/>
           </a:xfrm>
           <a:prstGeom prst="rect">
             <a:avLst/>
@@ -1600,7 +1611,7 @@
       </p:sp>
       <p:sp>
         <p:nvSpPr>
-          <p:cNvPr id="144" name="Google Shape;144;g326235a0562_0_47:notes"/>
+          <p:cNvPr id="150" name="Google Shape;150;p9:notes"/>
           <p:cNvSpPr/>
           <p:nvPr>
             <p:ph idx="2" type="sldImg"/>
@@ -1646,7 +1657,7 @@
   <p:cSld>
     <p:spTree>
       <p:nvGrpSpPr>
-        <p:cNvPr id="151" name="Shape 151"/>
+        <p:cNvPr id="153" name="Shape 153"/>
         <p:cNvGrpSpPr/>
         <p:nvPr/>
       </p:nvGrpSpPr>
@@ -1660,7 +1671,7 @@
       </p:grpSpPr>
       <p:sp>
         <p:nvSpPr>
-          <p:cNvPr id="152" name="Google Shape;152;g326235a0562_0_43:notes"/>
+          <p:cNvPr id="154" name="Google Shape;154;g326235a0562_0_33:notes"/>
           <p:cNvSpPr txBox="1"/>
           <p:nvPr>
             <p:ph idx="1" type="body"/>
@@ -1699,7 +1710,7 @@
       </p:sp>
       <p:sp>
         <p:nvSpPr>
-          <p:cNvPr id="153" name="Google Shape;153;g326235a0562_0_43:notes"/>
+          <p:cNvPr id="155" name="Google Shape;155;g326235a0562_0_33:notes"/>
           <p:cNvSpPr/>
           <p:nvPr>
             <p:ph idx="2" type="sldImg"/>
@@ -1745,7 +1756,7 @@
   <p:cSld>
     <p:spTree>
       <p:nvGrpSpPr>
-        <p:cNvPr id="156" name="Shape 156"/>
+        <p:cNvPr id="161" name="Shape 161"/>
         <p:cNvGrpSpPr/>
         <p:nvPr/>
       </p:nvGrpSpPr>
@@ -1759,7 +1770,7 @@
       </p:grpSpPr>
       <p:sp>
         <p:nvSpPr>
-          <p:cNvPr id="157" name="Google Shape;157;g326235a0562_0_57:notes"/>
+          <p:cNvPr id="162" name="Google Shape;162;g32627264e13_0_89:notes"/>
           <p:cNvSpPr txBox="1"/>
           <p:nvPr>
             <p:ph idx="1" type="body"/>
@@ -1798,7 +1809,7 @@
       </p:sp>
       <p:sp>
         <p:nvSpPr>
-          <p:cNvPr id="158" name="Google Shape;158;g326235a0562_0_57:notes"/>
+          <p:cNvPr id="163" name="Google Shape;163;g32627264e13_0_89:notes"/>
           <p:cNvSpPr/>
           <p:nvPr>
             <p:ph idx="2" type="sldImg"/>
@@ -1844,7 +1855,7 @@
   <p:cSld>
     <p:spTree>
       <p:nvGrpSpPr>
-        <p:cNvPr id="163" name="Shape 163"/>
+        <p:cNvPr id="169" name="Shape 169"/>
         <p:cNvGrpSpPr/>
         <p:nvPr/>
       </p:nvGrpSpPr>
@@ -1858,7 +1869,7 @@
       </p:grpSpPr>
       <p:sp>
         <p:nvSpPr>
-          <p:cNvPr id="164" name="Google Shape;164;g326235a0562_0_66:notes"/>
+          <p:cNvPr id="170" name="Google Shape;170;g32627264e13_0_100:notes"/>
           <p:cNvSpPr txBox="1"/>
           <p:nvPr>
             <p:ph idx="1" type="body"/>
@@ -1897,7 +1908,7 @@
       </p:sp>
       <p:sp>
         <p:nvSpPr>
-          <p:cNvPr id="165" name="Google Shape;165;g326235a0562_0_66:notes"/>
+          <p:cNvPr id="171" name="Google Shape;171;g32627264e13_0_100:notes"/>
           <p:cNvSpPr/>
           <p:nvPr>
             <p:ph idx="2" type="sldImg"/>
@@ -1943,7 +1954,7 @@
   <p:cSld>
     <p:spTree>
       <p:nvGrpSpPr>
-        <p:cNvPr id="168" name="Shape 168"/>
+        <p:cNvPr id="178" name="Shape 178"/>
         <p:cNvGrpSpPr/>
         <p:nvPr/>
       </p:nvGrpSpPr>
@@ -1957,7 +1968,7 @@
       </p:grpSpPr>
       <p:sp>
         <p:nvSpPr>
-          <p:cNvPr id="169" name="Google Shape;169;g326235a0562_0_70:notes"/>
+          <p:cNvPr id="179" name="Google Shape;179;g32627264e13_0_40:notes"/>
           <p:cNvSpPr txBox="1"/>
           <p:nvPr>
             <p:ph idx="1" type="body"/>
@@ -1996,7 +2007,7 @@
       </p:sp>
       <p:sp>
         <p:nvSpPr>
-          <p:cNvPr id="170" name="Google Shape;170;g326235a0562_0_70:notes"/>
+          <p:cNvPr id="180" name="Google Shape;180;g32627264e13_0_40:notes"/>
           <p:cNvSpPr/>
           <p:nvPr>
             <p:ph idx="2" type="sldImg"/>
@@ -2042,7 +2053,7 @@
   <p:cSld>
     <p:spTree>
       <p:nvGrpSpPr>
-        <p:cNvPr id="175" name="Shape 175"/>
+        <p:cNvPr id="187" name="Shape 187"/>
         <p:cNvGrpSpPr/>
         <p:nvPr/>
       </p:nvGrpSpPr>
@@ -2056,7 +2067,7 @@
       </p:grpSpPr>
       <p:sp>
         <p:nvSpPr>
-          <p:cNvPr id="176" name="Google Shape;176;p63:notes"/>
+          <p:cNvPr id="188" name="Google Shape;188;g32627264e13_0_80:notes"/>
           <p:cNvSpPr txBox="1"/>
           <p:nvPr>
             <p:ph idx="1" type="body"/>
@@ -2095,7 +2106,7 @@
       </p:sp>
       <p:sp>
         <p:nvSpPr>
-          <p:cNvPr id="177" name="Google Shape;177;p63:notes"/>
+          <p:cNvPr id="189" name="Google Shape;189;g32627264e13_0_80:notes"/>
           <p:cNvSpPr/>
           <p:nvPr>
             <p:ph idx="2" type="sldImg"/>
@@ -2141,7 +2152,7 @@
   <p:cSld>
     <p:spTree>
       <p:nvGrpSpPr>
-        <p:cNvPr id="179" name="Shape 179"/>
+        <p:cNvPr id="195" name="Shape 195"/>
         <p:cNvGrpSpPr/>
         <p:nvPr/>
       </p:nvGrpSpPr>
@@ -2155,7 +2166,7 @@
       </p:grpSpPr>
       <p:sp>
         <p:nvSpPr>
-          <p:cNvPr id="180" name="Google Shape;180;p64:notes"/>
+          <p:cNvPr id="196" name="Google Shape;196;g326235a0562_0_22:notes"/>
           <p:cNvSpPr txBox="1"/>
           <p:nvPr>
             <p:ph idx="1" type="body"/>
@@ -2164,7 +2175,7 @@
         <p:spPr>
           <a:xfrm>
             <a:off x="685800" y="4400550"/>
-            <a:ext cx="5486400" cy="3600450"/>
+            <a:ext cx="5486400" cy="3600600"/>
           </a:xfrm>
           <a:prstGeom prst="rect">
             <a:avLst/>
@@ -2194,7 +2205,7 @@
       </p:sp>
       <p:sp>
         <p:nvSpPr>
-          <p:cNvPr id="181" name="Google Shape;181;p64:notes"/>
+          <p:cNvPr id="197" name="Google Shape;197;g326235a0562_0_22:notes"/>
           <p:cNvSpPr/>
           <p:nvPr>
             <p:ph idx="2" type="sldImg"/>
@@ -2240,7 +2251,7 @@
   <p:cSld>
     <p:spTree>
       <p:nvGrpSpPr>
-        <p:cNvPr id="186" name="Shape 186"/>
+        <p:cNvPr id="203" name="Shape 203"/>
         <p:cNvGrpSpPr/>
         <p:nvPr/>
       </p:nvGrpSpPr>
@@ -2254,7 +2265,7 @@
       </p:grpSpPr>
       <p:sp>
         <p:nvSpPr>
-          <p:cNvPr id="187" name="Google Shape;187;p65:notes"/>
+          <p:cNvPr id="204" name="Google Shape;204;g32627264e13_0_54:notes"/>
           <p:cNvSpPr txBox="1"/>
           <p:nvPr>
             <p:ph idx="1" type="body"/>
@@ -2263,7 +2274,7 @@
         <p:spPr>
           <a:xfrm>
             <a:off x="685800" y="4400550"/>
-            <a:ext cx="5486400" cy="3600450"/>
+            <a:ext cx="5486400" cy="3600600"/>
           </a:xfrm>
           <a:prstGeom prst="rect">
             <a:avLst/>
@@ -2293,7 +2304,7 @@
       </p:sp>
       <p:sp>
         <p:nvSpPr>
-          <p:cNvPr id="188" name="Google Shape;188;p65:notes"/>
+          <p:cNvPr id="205" name="Google Shape;205;g32627264e13_0_54:notes"/>
           <p:cNvSpPr/>
           <p:nvPr>
             <p:ph idx="2" type="sldImg"/>
@@ -2339,7 +2350,7 @@
   <p:cSld>
     <p:spTree>
       <p:nvGrpSpPr>
-        <p:cNvPr id="193" name="Shape 193"/>
+        <p:cNvPr id="210" name="Shape 210"/>
         <p:cNvGrpSpPr/>
         <p:nvPr/>
       </p:nvGrpSpPr>
@@ -2353,7 +2364,7 @@
       </p:grpSpPr>
       <p:sp>
         <p:nvSpPr>
-          <p:cNvPr id="194" name="Google Shape;194;p66:notes"/>
+          <p:cNvPr id="211" name="Google Shape;211;g3219663a931_1_3:notes"/>
           <p:cNvSpPr txBox="1"/>
           <p:nvPr>
             <p:ph idx="1" type="body"/>
@@ -2362,7 +2373,7 @@
         <p:spPr>
           <a:xfrm>
             <a:off x="685800" y="4400550"/>
-            <a:ext cx="5486400" cy="3600450"/>
+            <a:ext cx="5486400" cy="3600600"/>
           </a:xfrm>
           <a:prstGeom prst="rect">
             <a:avLst/>
@@ -2392,7 +2403,106 @@
       </p:sp>
       <p:sp>
         <p:nvSpPr>
-          <p:cNvPr id="195" name="Google Shape;195;p66:notes"/>
+          <p:cNvPr id="212" name="Google Shape;212;g3219663a931_1_3:notes"/>
+          <p:cNvSpPr/>
+          <p:nvPr>
+            <p:ph idx="2" type="sldImg"/>
+          </p:nvPr>
+        </p:nvSpPr>
+        <p:spPr>
+          <a:xfrm>
+            <a:off x="685800" y="1143000"/>
+            <a:ext cx="5486400" cy="3086100"/>
+          </a:xfrm>
+          <a:custGeom>
+            <a:rect b="b" l="l" r="r" t="t"/>
+            <a:pathLst>
+              <a:path extrusionOk="0" h="120000" w="120000">
+                <a:moveTo>
+                  <a:pt x="0" y="0"/>
+                </a:moveTo>
+                <a:lnTo>
+                  <a:pt x="120000" y="0"/>
+                </a:lnTo>
+                <a:lnTo>
+                  <a:pt x="120000" y="120000"/>
+                </a:lnTo>
+                <a:lnTo>
+                  <a:pt x="0" y="120000"/>
+                </a:lnTo>
+                <a:close/>
+              </a:path>
+            </a:pathLst>
+          </a:custGeom>
+        </p:spPr>
+      </p:sp>
+    </p:spTree>
+  </p:cSld>
+  <p:clrMapOvr>
+    <a:masterClrMapping/>
+  </p:clrMapOvr>
+</p:notes>
+</file>
+
+<file path=ppt/notesSlides/notesSlide19.xml><?xml version="1.0" encoding="utf-8"?>
+<p:notes xmlns:a="http://schemas.openxmlformats.org/drawingml/2006/main" xmlns:r="http://schemas.openxmlformats.org/officeDocument/2006/relationships" xmlns:mc="http://schemas.openxmlformats.org/markup-compatibility/2006" xmlns:mv="urn:schemas-microsoft-com:mac:vml" xmlns:p="http://schemas.openxmlformats.org/presentationml/2006/main" xmlns:c="http://schemas.openxmlformats.org/drawingml/2006/chart" xmlns:dgm="http://schemas.openxmlformats.org/drawingml/2006/diagram" xmlns:o="urn:schemas-microsoft-com:office:office" xmlns:v="urn:schemas-microsoft-com:vml" xmlns:pvml="urn:schemas-microsoft-com:office:powerpoint" xmlns:com="http://schemas.openxmlformats.org/drawingml/2006/compatibility" xmlns:p14="http://schemas.microsoft.com/office/powerpoint/2010/main" xmlns:p15="http://schemas.microsoft.com/office/powerpoint/2012/main" xmlns:ahyp="http://schemas.microsoft.com/office/drawing/2018/hyperlinkcolor" showMasterPhAnim="0" showMasterSp="0">
+  <p:cSld>
+    <p:spTree>
+      <p:nvGrpSpPr>
+        <p:cNvPr id="218" name="Shape 218"/>
+        <p:cNvGrpSpPr/>
+        <p:nvPr/>
+      </p:nvGrpSpPr>
+      <p:grpSpPr>
+        <a:xfrm>
+          <a:off x="0" y="0"/>
+          <a:ext cx="0" cy="0"/>
+          <a:chOff x="0" y="0"/>
+          <a:chExt cx="0" cy="0"/>
+        </a:xfrm>
+      </p:grpSpPr>
+      <p:sp>
+        <p:nvSpPr>
+          <p:cNvPr id="219" name="Google Shape;219;g326235a0562_0_43:notes"/>
+          <p:cNvSpPr txBox="1"/>
+          <p:nvPr>
+            <p:ph idx="1" type="body"/>
+          </p:nvPr>
+        </p:nvSpPr>
+        <p:spPr>
+          <a:xfrm>
+            <a:off x="685800" y="4400550"/>
+            <a:ext cx="5486400" cy="3600600"/>
+          </a:xfrm>
+          <a:prstGeom prst="rect">
+            <a:avLst/>
+          </a:prstGeom>
+        </p:spPr>
+        <p:txBody>
+          <a:bodyPr anchorCtr="0" anchor="t" bIns="45700" lIns="91425" spcFirstLastPara="1" rIns="91425" wrap="square" tIns="45700">
+            <a:noAutofit/>
+          </a:bodyPr>
+          <a:lstStyle/>
+          <a:p>
+            <a:pPr indent="0" lvl="0" marL="0" rtl="0" algn="l">
+              <a:spcBef>
+                <a:spcPts val="0"/>
+              </a:spcBef>
+              <a:spcAft>
+                <a:spcPts val="0"/>
+              </a:spcAft>
+              <a:buNone/>
+            </a:pPr>
+            <a:r>
+              <a:t/>
+            </a:r>
+            <a:endParaRPr/>
+          </a:p>
+        </p:txBody>
+      </p:sp>
+      <p:sp>
+        <p:nvSpPr>
+          <p:cNvPr id="220" name="Google Shape;220;g326235a0562_0_43:notes"/>
           <p:cNvSpPr/>
           <p:nvPr>
             <p:ph idx="2" type="sldImg"/>
@@ -2532,12 +2642,12 @@
 </p:notes>
 </file>
 
-<file path=ppt/notesSlides/notesSlide3.xml><?xml version="1.0" encoding="utf-8"?>
+<file path=ppt/notesSlides/notesSlide20.xml><?xml version="1.0" encoding="utf-8"?>
 <p:notes xmlns:a="http://schemas.openxmlformats.org/drawingml/2006/main" xmlns:r="http://schemas.openxmlformats.org/officeDocument/2006/relationships" xmlns:mc="http://schemas.openxmlformats.org/markup-compatibility/2006" xmlns:mv="urn:schemas-microsoft-com:mac:vml" xmlns:p="http://schemas.openxmlformats.org/presentationml/2006/main" xmlns:c="http://schemas.openxmlformats.org/drawingml/2006/chart" xmlns:dgm="http://schemas.openxmlformats.org/drawingml/2006/diagram" xmlns:o="urn:schemas-microsoft-com:office:office" xmlns:v="urn:schemas-microsoft-com:vml" xmlns:pvml="urn:schemas-microsoft-com:office:powerpoint" xmlns:com="http://schemas.openxmlformats.org/drawingml/2006/compatibility" xmlns:p14="http://schemas.microsoft.com/office/powerpoint/2010/main" xmlns:p15="http://schemas.microsoft.com/office/powerpoint/2012/main" xmlns:ahyp="http://schemas.microsoft.com/office/drawing/2018/hyperlinkcolor" showMasterPhAnim="0" showMasterSp="0">
   <p:cSld>
     <p:spTree>
       <p:nvGrpSpPr>
-        <p:cNvPr id="94" name="Shape 94"/>
+        <p:cNvPr id="223" name="Shape 223"/>
         <p:cNvGrpSpPr/>
         <p:nvPr/>
       </p:nvGrpSpPr>
@@ -2551,7 +2661,799 @@
       </p:grpSpPr>
       <p:sp>
         <p:nvSpPr>
-          <p:cNvPr id="95" name="Google Shape;95;p3:notes"/>
+          <p:cNvPr id="224" name="Google Shape;224;g326235a0562_0_47:notes"/>
+          <p:cNvSpPr txBox="1"/>
+          <p:nvPr>
+            <p:ph idx="1" type="body"/>
+          </p:nvPr>
+        </p:nvSpPr>
+        <p:spPr>
+          <a:xfrm>
+            <a:off x="685800" y="4400550"/>
+            <a:ext cx="5486400" cy="3600600"/>
+          </a:xfrm>
+          <a:prstGeom prst="rect">
+            <a:avLst/>
+          </a:prstGeom>
+        </p:spPr>
+        <p:txBody>
+          <a:bodyPr anchorCtr="0" anchor="t" bIns="45700" lIns="91425" spcFirstLastPara="1" rIns="91425" wrap="square" tIns="45700">
+            <a:noAutofit/>
+          </a:bodyPr>
+          <a:lstStyle/>
+          <a:p>
+            <a:pPr indent="0" lvl="0" marL="0" rtl="0" algn="l">
+              <a:spcBef>
+                <a:spcPts val="0"/>
+              </a:spcBef>
+              <a:spcAft>
+                <a:spcPts val="0"/>
+              </a:spcAft>
+              <a:buNone/>
+            </a:pPr>
+            <a:r>
+              <a:t/>
+            </a:r>
+            <a:endParaRPr/>
+          </a:p>
+        </p:txBody>
+      </p:sp>
+      <p:sp>
+        <p:nvSpPr>
+          <p:cNvPr id="225" name="Google Shape;225;g326235a0562_0_47:notes"/>
+          <p:cNvSpPr/>
+          <p:nvPr>
+            <p:ph idx="2" type="sldImg"/>
+          </p:nvPr>
+        </p:nvSpPr>
+        <p:spPr>
+          <a:xfrm>
+            <a:off x="685800" y="1143000"/>
+            <a:ext cx="5486400" cy="3086100"/>
+          </a:xfrm>
+          <a:custGeom>
+            <a:rect b="b" l="l" r="r" t="t"/>
+            <a:pathLst>
+              <a:path extrusionOk="0" h="120000" w="120000">
+                <a:moveTo>
+                  <a:pt x="0" y="0"/>
+                </a:moveTo>
+                <a:lnTo>
+                  <a:pt x="120000" y="0"/>
+                </a:lnTo>
+                <a:lnTo>
+                  <a:pt x="120000" y="120000"/>
+                </a:lnTo>
+                <a:lnTo>
+                  <a:pt x="0" y="120000"/>
+                </a:lnTo>
+                <a:close/>
+              </a:path>
+            </a:pathLst>
+          </a:custGeom>
+        </p:spPr>
+      </p:sp>
+    </p:spTree>
+  </p:cSld>
+  <p:clrMapOvr>
+    <a:masterClrMapping/>
+  </p:clrMapOvr>
+</p:notes>
+</file>
+
+<file path=ppt/notesSlides/notesSlide21.xml><?xml version="1.0" encoding="utf-8"?>
+<p:notes xmlns:a="http://schemas.openxmlformats.org/drawingml/2006/main" xmlns:r="http://schemas.openxmlformats.org/officeDocument/2006/relationships" xmlns:mc="http://schemas.openxmlformats.org/markup-compatibility/2006" xmlns:mv="urn:schemas-microsoft-com:mac:vml" xmlns:p="http://schemas.openxmlformats.org/presentationml/2006/main" xmlns:c="http://schemas.openxmlformats.org/drawingml/2006/chart" xmlns:dgm="http://schemas.openxmlformats.org/drawingml/2006/diagram" xmlns:o="urn:schemas-microsoft-com:office:office" xmlns:v="urn:schemas-microsoft-com:vml" xmlns:pvml="urn:schemas-microsoft-com:office:powerpoint" xmlns:com="http://schemas.openxmlformats.org/drawingml/2006/compatibility" xmlns:p14="http://schemas.microsoft.com/office/powerpoint/2010/main" xmlns:p15="http://schemas.microsoft.com/office/powerpoint/2012/main" xmlns:ahyp="http://schemas.microsoft.com/office/drawing/2018/hyperlinkcolor" showMasterPhAnim="0" showMasterSp="0">
+  <p:cSld>
+    <p:spTree>
+      <p:nvGrpSpPr>
+        <p:cNvPr id="232" name="Shape 232"/>
+        <p:cNvGrpSpPr/>
+        <p:nvPr/>
+      </p:nvGrpSpPr>
+      <p:grpSpPr>
+        <a:xfrm>
+          <a:off x="0" y="0"/>
+          <a:ext cx="0" cy="0"/>
+          <a:chOff x="0" y="0"/>
+          <a:chExt cx="0" cy="0"/>
+        </a:xfrm>
+      </p:grpSpPr>
+      <p:sp>
+        <p:nvSpPr>
+          <p:cNvPr id="233" name="Google Shape;233;g326235a0562_0_57:notes"/>
+          <p:cNvSpPr txBox="1"/>
+          <p:nvPr>
+            <p:ph idx="1" type="body"/>
+          </p:nvPr>
+        </p:nvSpPr>
+        <p:spPr>
+          <a:xfrm>
+            <a:off x="685800" y="4400550"/>
+            <a:ext cx="5486400" cy="3600600"/>
+          </a:xfrm>
+          <a:prstGeom prst="rect">
+            <a:avLst/>
+          </a:prstGeom>
+        </p:spPr>
+        <p:txBody>
+          <a:bodyPr anchorCtr="0" anchor="t" bIns="45700" lIns="91425" spcFirstLastPara="1" rIns="91425" wrap="square" tIns="45700">
+            <a:noAutofit/>
+          </a:bodyPr>
+          <a:lstStyle/>
+          <a:p>
+            <a:pPr indent="0" lvl="0" marL="0" rtl="0" algn="l">
+              <a:spcBef>
+                <a:spcPts val="0"/>
+              </a:spcBef>
+              <a:spcAft>
+                <a:spcPts val="0"/>
+              </a:spcAft>
+              <a:buNone/>
+            </a:pPr>
+            <a:r>
+              <a:t/>
+            </a:r>
+            <a:endParaRPr/>
+          </a:p>
+        </p:txBody>
+      </p:sp>
+      <p:sp>
+        <p:nvSpPr>
+          <p:cNvPr id="234" name="Google Shape;234;g326235a0562_0_57:notes"/>
+          <p:cNvSpPr/>
+          <p:nvPr>
+            <p:ph idx="2" type="sldImg"/>
+          </p:nvPr>
+        </p:nvSpPr>
+        <p:spPr>
+          <a:xfrm>
+            <a:off x="685800" y="1143000"/>
+            <a:ext cx="5486400" cy="3086100"/>
+          </a:xfrm>
+          <a:custGeom>
+            <a:rect b="b" l="l" r="r" t="t"/>
+            <a:pathLst>
+              <a:path extrusionOk="0" h="120000" w="120000">
+                <a:moveTo>
+                  <a:pt x="0" y="0"/>
+                </a:moveTo>
+                <a:lnTo>
+                  <a:pt x="120000" y="0"/>
+                </a:lnTo>
+                <a:lnTo>
+                  <a:pt x="120000" y="120000"/>
+                </a:lnTo>
+                <a:lnTo>
+                  <a:pt x="0" y="120000"/>
+                </a:lnTo>
+                <a:close/>
+              </a:path>
+            </a:pathLst>
+          </a:custGeom>
+        </p:spPr>
+      </p:sp>
+    </p:spTree>
+  </p:cSld>
+  <p:clrMapOvr>
+    <a:masterClrMapping/>
+  </p:clrMapOvr>
+</p:notes>
+</file>
+
+<file path=ppt/notesSlides/notesSlide22.xml><?xml version="1.0" encoding="utf-8"?>
+<p:notes xmlns:a="http://schemas.openxmlformats.org/drawingml/2006/main" xmlns:r="http://schemas.openxmlformats.org/officeDocument/2006/relationships" xmlns:mc="http://schemas.openxmlformats.org/markup-compatibility/2006" xmlns:mv="urn:schemas-microsoft-com:mac:vml" xmlns:p="http://schemas.openxmlformats.org/presentationml/2006/main" xmlns:c="http://schemas.openxmlformats.org/drawingml/2006/chart" xmlns:dgm="http://schemas.openxmlformats.org/drawingml/2006/diagram" xmlns:o="urn:schemas-microsoft-com:office:office" xmlns:v="urn:schemas-microsoft-com:vml" xmlns:pvml="urn:schemas-microsoft-com:office:powerpoint" xmlns:com="http://schemas.openxmlformats.org/drawingml/2006/compatibility" xmlns:p14="http://schemas.microsoft.com/office/powerpoint/2010/main" xmlns:p15="http://schemas.microsoft.com/office/powerpoint/2012/main" xmlns:ahyp="http://schemas.microsoft.com/office/drawing/2018/hyperlinkcolor" showMasterPhAnim="0" showMasterSp="0">
+  <p:cSld>
+    <p:spTree>
+      <p:nvGrpSpPr>
+        <p:cNvPr id="239" name="Shape 239"/>
+        <p:cNvGrpSpPr/>
+        <p:nvPr/>
+      </p:nvGrpSpPr>
+      <p:grpSpPr>
+        <a:xfrm>
+          <a:off x="0" y="0"/>
+          <a:ext cx="0" cy="0"/>
+          <a:chOff x="0" y="0"/>
+          <a:chExt cx="0" cy="0"/>
+        </a:xfrm>
+      </p:grpSpPr>
+      <p:sp>
+        <p:nvSpPr>
+          <p:cNvPr id="240" name="Google Shape;240;g32627264e13_0_67:notes"/>
+          <p:cNvSpPr txBox="1"/>
+          <p:nvPr>
+            <p:ph idx="1" type="body"/>
+          </p:nvPr>
+        </p:nvSpPr>
+        <p:spPr>
+          <a:xfrm>
+            <a:off x="685800" y="4400550"/>
+            <a:ext cx="5486400" cy="3600600"/>
+          </a:xfrm>
+          <a:prstGeom prst="rect">
+            <a:avLst/>
+          </a:prstGeom>
+        </p:spPr>
+        <p:txBody>
+          <a:bodyPr anchorCtr="0" anchor="t" bIns="45700" lIns="91425" spcFirstLastPara="1" rIns="91425" wrap="square" tIns="45700">
+            <a:noAutofit/>
+          </a:bodyPr>
+          <a:lstStyle/>
+          <a:p>
+            <a:pPr indent="0" lvl="0" marL="0" rtl="0" algn="l">
+              <a:spcBef>
+                <a:spcPts val="0"/>
+              </a:spcBef>
+              <a:spcAft>
+                <a:spcPts val="0"/>
+              </a:spcAft>
+              <a:buNone/>
+            </a:pPr>
+            <a:r>
+              <a:t/>
+            </a:r>
+            <a:endParaRPr/>
+          </a:p>
+        </p:txBody>
+      </p:sp>
+      <p:sp>
+        <p:nvSpPr>
+          <p:cNvPr id="241" name="Google Shape;241;g32627264e13_0_67:notes"/>
+          <p:cNvSpPr/>
+          <p:nvPr>
+            <p:ph idx="2" type="sldImg"/>
+          </p:nvPr>
+        </p:nvSpPr>
+        <p:spPr>
+          <a:xfrm>
+            <a:off x="685800" y="1143000"/>
+            <a:ext cx="5486400" cy="3086100"/>
+          </a:xfrm>
+          <a:custGeom>
+            <a:rect b="b" l="l" r="r" t="t"/>
+            <a:pathLst>
+              <a:path extrusionOk="0" h="120000" w="120000">
+                <a:moveTo>
+                  <a:pt x="0" y="0"/>
+                </a:moveTo>
+                <a:lnTo>
+                  <a:pt x="120000" y="0"/>
+                </a:lnTo>
+                <a:lnTo>
+                  <a:pt x="120000" y="120000"/>
+                </a:lnTo>
+                <a:lnTo>
+                  <a:pt x="0" y="120000"/>
+                </a:lnTo>
+                <a:close/>
+              </a:path>
+            </a:pathLst>
+          </a:custGeom>
+        </p:spPr>
+      </p:sp>
+    </p:spTree>
+  </p:cSld>
+  <p:clrMapOvr>
+    <a:masterClrMapping/>
+  </p:clrMapOvr>
+</p:notes>
+</file>
+
+<file path=ppt/notesSlides/notesSlide23.xml><?xml version="1.0" encoding="utf-8"?>
+<p:notes xmlns:a="http://schemas.openxmlformats.org/drawingml/2006/main" xmlns:r="http://schemas.openxmlformats.org/officeDocument/2006/relationships" xmlns:mc="http://schemas.openxmlformats.org/markup-compatibility/2006" xmlns:mv="urn:schemas-microsoft-com:mac:vml" xmlns:p="http://schemas.openxmlformats.org/presentationml/2006/main" xmlns:c="http://schemas.openxmlformats.org/drawingml/2006/chart" xmlns:dgm="http://schemas.openxmlformats.org/drawingml/2006/diagram" xmlns:o="urn:schemas-microsoft-com:office:office" xmlns:v="urn:schemas-microsoft-com:vml" xmlns:pvml="urn:schemas-microsoft-com:office:powerpoint" xmlns:com="http://schemas.openxmlformats.org/drawingml/2006/compatibility" xmlns:p14="http://schemas.microsoft.com/office/powerpoint/2010/main" xmlns:p15="http://schemas.microsoft.com/office/powerpoint/2012/main" xmlns:ahyp="http://schemas.microsoft.com/office/drawing/2018/hyperlinkcolor" showMasterPhAnim="0" showMasterSp="0">
+  <p:cSld>
+    <p:spTree>
+      <p:nvGrpSpPr>
+        <p:cNvPr id="244" name="Shape 244"/>
+        <p:cNvGrpSpPr/>
+        <p:nvPr/>
+      </p:nvGrpSpPr>
+      <p:grpSpPr>
+        <a:xfrm>
+          <a:off x="0" y="0"/>
+          <a:ext cx="0" cy="0"/>
+          <a:chOff x="0" y="0"/>
+          <a:chExt cx="0" cy="0"/>
+        </a:xfrm>
+      </p:grpSpPr>
+      <p:sp>
+        <p:nvSpPr>
+          <p:cNvPr id="245" name="Google Shape;245;g32627264e13_0_71:notes"/>
+          <p:cNvSpPr txBox="1"/>
+          <p:nvPr>
+            <p:ph idx="1" type="body"/>
+          </p:nvPr>
+        </p:nvSpPr>
+        <p:spPr>
+          <a:xfrm>
+            <a:off x="685800" y="4400550"/>
+            <a:ext cx="5486400" cy="3600600"/>
+          </a:xfrm>
+          <a:prstGeom prst="rect">
+            <a:avLst/>
+          </a:prstGeom>
+        </p:spPr>
+        <p:txBody>
+          <a:bodyPr anchorCtr="0" anchor="t" bIns="45700" lIns="91425" spcFirstLastPara="1" rIns="91425" wrap="square" tIns="45700">
+            <a:noAutofit/>
+          </a:bodyPr>
+          <a:lstStyle/>
+          <a:p>
+            <a:pPr indent="0" lvl="0" marL="0" rtl="0" algn="l">
+              <a:spcBef>
+                <a:spcPts val="0"/>
+              </a:spcBef>
+              <a:spcAft>
+                <a:spcPts val="0"/>
+              </a:spcAft>
+              <a:buNone/>
+            </a:pPr>
+            <a:r>
+              <a:t/>
+            </a:r>
+            <a:endParaRPr/>
+          </a:p>
+        </p:txBody>
+      </p:sp>
+      <p:sp>
+        <p:nvSpPr>
+          <p:cNvPr id="246" name="Google Shape;246;g32627264e13_0_71:notes"/>
+          <p:cNvSpPr/>
+          <p:nvPr>
+            <p:ph idx="2" type="sldImg"/>
+          </p:nvPr>
+        </p:nvSpPr>
+        <p:spPr>
+          <a:xfrm>
+            <a:off x="685800" y="1143000"/>
+            <a:ext cx="5486400" cy="3086100"/>
+          </a:xfrm>
+          <a:custGeom>
+            <a:rect b="b" l="l" r="r" t="t"/>
+            <a:pathLst>
+              <a:path extrusionOk="0" h="120000" w="120000">
+                <a:moveTo>
+                  <a:pt x="0" y="0"/>
+                </a:moveTo>
+                <a:lnTo>
+                  <a:pt x="120000" y="0"/>
+                </a:lnTo>
+                <a:lnTo>
+                  <a:pt x="120000" y="120000"/>
+                </a:lnTo>
+                <a:lnTo>
+                  <a:pt x="0" y="120000"/>
+                </a:lnTo>
+                <a:close/>
+              </a:path>
+            </a:pathLst>
+          </a:custGeom>
+        </p:spPr>
+      </p:sp>
+    </p:spTree>
+  </p:cSld>
+  <p:clrMapOvr>
+    <a:masterClrMapping/>
+  </p:clrMapOvr>
+</p:notes>
+</file>
+
+<file path=ppt/notesSlides/notesSlide24.xml><?xml version="1.0" encoding="utf-8"?>
+<p:notes xmlns:a="http://schemas.openxmlformats.org/drawingml/2006/main" xmlns:r="http://schemas.openxmlformats.org/officeDocument/2006/relationships" xmlns:mc="http://schemas.openxmlformats.org/markup-compatibility/2006" xmlns:mv="urn:schemas-microsoft-com:mac:vml" xmlns:p="http://schemas.openxmlformats.org/presentationml/2006/main" xmlns:c="http://schemas.openxmlformats.org/drawingml/2006/chart" xmlns:dgm="http://schemas.openxmlformats.org/drawingml/2006/diagram" xmlns:o="urn:schemas-microsoft-com:office:office" xmlns:v="urn:schemas-microsoft-com:vml" xmlns:pvml="urn:schemas-microsoft-com:office:powerpoint" xmlns:com="http://schemas.openxmlformats.org/drawingml/2006/compatibility" xmlns:p14="http://schemas.microsoft.com/office/powerpoint/2010/main" xmlns:p15="http://schemas.microsoft.com/office/powerpoint/2012/main" xmlns:ahyp="http://schemas.microsoft.com/office/drawing/2018/hyperlinkcolor" showMasterPhAnim="0" showMasterSp="0">
+  <p:cSld>
+    <p:spTree>
+      <p:nvGrpSpPr>
+        <p:cNvPr id="253" name="Shape 253"/>
+        <p:cNvGrpSpPr/>
+        <p:nvPr/>
+      </p:nvGrpSpPr>
+      <p:grpSpPr>
+        <a:xfrm>
+          <a:off x="0" y="0"/>
+          <a:ext cx="0" cy="0"/>
+          <a:chOff x="0" y="0"/>
+          <a:chExt cx="0" cy="0"/>
+        </a:xfrm>
+      </p:grpSpPr>
+      <p:sp>
+        <p:nvSpPr>
+          <p:cNvPr id="254" name="Google Shape;254;g326235a0562_0_66:notes"/>
+          <p:cNvSpPr txBox="1"/>
+          <p:nvPr>
+            <p:ph idx="1" type="body"/>
+          </p:nvPr>
+        </p:nvSpPr>
+        <p:spPr>
+          <a:xfrm>
+            <a:off x="685800" y="4400550"/>
+            <a:ext cx="5486400" cy="3600600"/>
+          </a:xfrm>
+          <a:prstGeom prst="rect">
+            <a:avLst/>
+          </a:prstGeom>
+        </p:spPr>
+        <p:txBody>
+          <a:bodyPr anchorCtr="0" anchor="t" bIns="45700" lIns="91425" spcFirstLastPara="1" rIns="91425" wrap="square" tIns="45700">
+            <a:noAutofit/>
+          </a:bodyPr>
+          <a:lstStyle/>
+          <a:p>
+            <a:pPr indent="0" lvl="0" marL="0" rtl="0" algn="l">
+              <a:spcBef>
+                <a:spcPts val="0"/>
+              </a:spcBef>
+              <a:spcAft>
+                <a:spcPts val="0"/>
+              </a:spcAft>
+              <a:buNone/>
+            </a:pPr>
+            <a:r>
+              <a:t/>
+            </a:r>
+            <a:endParaRPr/>
+          </a:p>
+        </p:txBody>
+      </p:sp>
+      <p:sp>
+        <p:nvSpPr>
+          <p:cNvPr id="255" name="Google Shape;255;g326235a0562_0_66:notes"/>
+          <p:cNvSpPr/>
+          <p:nvPr>
+            <p:ph idx="2" type="sldImg"/>
+          </p:nvPr>
+        </p:nvSpPr>
+        <p:spPr>
+          <a:xfrm>
+            <a:off x="685800" y="1143000"/>
+            <a:ext cx="5486400" cy="3086100"/>
+          </a:xfrm>
+          <a:custGeom>
+            <a:rect b="b" l="l" r="r" t="t"/>
+            <a:pathLst>
+              <a:path extrusionOk="0" h="120000" w="120000">
+                <a:moveTo>
+                  <a:pt x="0" y="0"/>
+                </a:moveTo>
+                <a:lnTo>
+                  <a:pt x="120000" y="0"/>
+                </a:lnTo>
+                <a:lnTo>
+                  <a:pt x="120000" y="120000"/>
+                </a:lnTo>
+                <a:lnTo>
+                  <a:pt x="0" y="120000"/>
+                </a:lnTo>
+                <a:close/>
+              </a:path>
+            </a:pathLst>
+          </a:custGeom>
+        </p:spPr>
+      </p:sp>
+    </p:spTree>
+  </p:cSld>
+  <p:clrMapOvr>
+    <a:masterClrMapping/>
+  </p:clrMapOvr>
+</p:notes>
+</file>
+
+<file path=ppt/notesSlides/notesSlide25.xml><?xml version="1.0" encoding="utf-8"?>
+<p:notes xmlns:a="http://schemas.openxmlformats.org/drawingml/2006/main" xmlns:r="http://schemas.openxmlformats.org/officeDocument/2006/relationships" xmlns:mc="http://schemas.openxmlformats.org/markup-compatibility/2006" xmlns:mv="urn:schemas-microsoft-com:mac:vml" xmlns:p="http://schemas.openxmlformats.org/presentationml/2006/main" xmlns:c="http://schemas.openxmlformats.org/drawingml/2006/chart" xmlns:dgm="http://schemas.openxmlformats.org/drawingml/2006/diagram" xmlns:o="urn:schemas-microsoft-com:office:office" xmlns:v="urn:schemas-microsoft-com:vml" xmlns:pvml="urn:schemas-microsoft-com:office:powerpoint" xmlns:com="http://schemas.openxmlformats.org/drawingml/2006/compatibility" xmlns:p14="http://schemas.microsoft.com/office/powerpoint/2010/main" xmlns:p15="http://schemas.microsoft.com/office/powerpoint/2012/main" xmlns:ahyp="http://schemas.microsoft.com/office/drawing/2018/hyperlinkcolor" showMasterPhAnim="0" showMasterSp="0">
+  <p:cSld>
+    <p:spTree>
+      <p:nvGrpSpPr>
+        <p:cNvPr id="258" name="Shape 258"/>
+        <p:cNvGrpSpPr/>
+        <p:nvPr/>
+      </p:nvGrpSpPr>
+      <p:grpSpPr>
+        <a:xfrm>
+          <a:off x="0" y="0"/>
+          <a:ext cx="0" cy="0"/>
+          <a:chOff x="0" y="0"/>
+          <a:chExt cx="0" cy="0"/>
+        </a:xfrm>
+      </p:grpSpPr>
+      <p:sp>
+        <p:nvSpPr>
+          <p:cNvPr id="259" name="Google Shape;259;g326235a0562_0_70:notes"/>
+          <p:cNvSpPr txBox="1"/>
+          <p:nvPr>
+            <p:ph idx="1" type="body"/>
+          </p:nvPr>
+        </p:nvSpPr>
+        <p:spPr>
+          <a:xfrm>
+            <a:off x="685800" y="4400550"/>
+            <a:ext cx="5486400" cy="3600600"/>
+          </a:xfrm>
+          <a:prstGeom prst="rect">
+            <a:avLst/>
+          </a:prstGeom>
+        </p:spPr>
+        <p:txBody>
+          <a:bodyPr anchorCtr="0" anchor="t" bIns="45700" lIns="91425" spcFirstLastPara="1" rIns="91425" wrap="square" tIns="45700">
+            <a:noAutofit/>
+          </a:bodyPr>
+          <a:lstStyle/>
+          <a:p>
+            <a:pPr indent="0" lvl="0" marL="0" rtl="0" algn="l">
+              <a:spcBef>
+                <a:spcPts val="0"/>
+              </a:spcBef>
+              <a:spcAft>
+                <a:spcPts val="0"/>
+              </a:spcAft>
+              <a:buNone/>
+            </a:pPr>
+            <a:r>
+              <a:t/>
+            </a:r>
+            <a:endParaRPr/>
+          </a:p>
+        </p:txBody>
+      </p:sp>
+      <p:sp>
+        <p:nvSpPr>
+          <p:cNvPr id="260" name="Google Shape;260;g326235a0562_0_70:notes"/>
+          <p:cNvSpPr/>
+          <p:nvPr>
+            <p:ph idx="2" type="sldImg"/>
+          </p:nvPr>
+        </p:nvSpPr>
+        <p:spPr>
+          <a:xfrm>
+            <a:off x="685800" y="1143000"/>
+            <a:ext cx="5486400" cy="3086100"/>
+          </a:xfrm>
+          <a:custGeom>
+            <a:rect b="b" l="l" r="r" t="t"/>
+            <a:pathLst>
+              <a:path extrusionOk="0" h="120000" w="120000">
+                <a:moveTo>
+                  <a:pt x="0" y="0"/>
+                </a:moveTo>
+                <a:lnTo>
+                  <a:pt x="120000" y="0"/>
+                </a:lnTo>
+                <a:lnTo>
+                  <a:pt x="120000" y="120000"/>
+                </a:lnTo>
+                <a:lnTo>
+                  <a:pt x="0" y="120000"/>
+                </a:lnTo>
+                <a:close/>
+              </a:path>
+            </a:pathLst>
+          </a:custGeom>
+        </p:spPr>
+      </p:sp>
+    </p:spTree>
+  </p:cSld>
+  <p:clrMapOvr>
+    <a:masterClrMapping/>
+  </p:clrMapOvr>
+</p:notes>
+</file>
+
+<file path=ppt/notesSlides/notesSlide26.xml><?xml version="1.0" encoding="utf-8"?>
+<p:notes xmlns:a="http://schemas.openxmlformats.org/drawingml/2006/main" xmlns:r="http://schemas.openxmlformats.org/officeDocument/2006/relationships" xmlns:mc="http://schemas.openxmlformats.org/markup-compatibility/2006" xmlns:mv="urn:schemas-microsoft-com:mac:vml" xmlns:p="http://schemas.openxmlformats.org/presentationml/2006/main" xmlns:c="http://schemas.openxmlformats.org/drawingml/2006/chart" xmlns:dgm="http://schemas.openxmlformats.org/drawingml/2006/diagram" xmlns:o="urn:schemas-microsoft-com:office:office" xmlns:v="urn:schemas-microsoft-com:vml" xmlns:pvml="urn:schemas-microsoft-com:office:powerpoint" xmlns:com="http://schemas.openxmlformats.org/drawingml/2006/compatibility" xmlns:p14="http://schemas.microsoft.com/office/powerpoint/2010/main" xmlns:p15="http://schemas.microsoft.com/office/powerpoint/2012/main" xmlns:ahyp="http://schemas.microsoft.com/office/drawing/2018/hyperlinkcolor" showMasterPhAnim="0" showMasterSp="0">
+  <p:cSld>
+    <p:spTree>
+      <p:nvGrpSpPr>
+        <p:cNvPr id="265" name="Shape 265"/>
+        <p:cNvGrpSpPr/>
+        <p:nvPr/>
+      </p:nvGrpSpPr>
+      <p:grpSpPr>
+        <a:xfrm>
+          <a:off x="0" y="0"/>
+          <a:ext cx="0" cy="0"/>
+          <a:chOff x="0" y="0"/>
+          <a:chExt cx="0" cy="0"/>
+        </a:xfrm>
+      </p:grpSpPr>
+      <p:sp>
+        <p:nvSpPr>
+          <p:cNvPr id="266" name="Google Shape;266;g32627264e13_0_127:notes"/>
+          <p:cNvSpPr txBox="1"/>
+          <p:nvPr>
+            <p:ph idx="1" type="body"/>
+          </p:nvPr>
+        </p:nvSpPr>
+        <p:spPr>
+          <a:xfrm>
+            <a:off x="685800" y="4400550"/>
+            <a:ext cx="5486400" cy="3600600"/>
+          </a:xfrm>
+          <a:prstGeom prst="rect">
+            <a:avLst/>
+          </a:prstGeom>
+        </p:spPr>
+        <p:txBody>
+          <a:bodyPr anchorCtr="0" anchor="t" bIns="45700" lIns="91425" spcFirstLastPara="1" rIns="91425" wrap="square" tIns="45700">
+            <a:noAutofit/>
+          </a:bodyPr>
+          <a:lstStyle/>
+          <a:p>
+            <a:pPr indent="0" lvl="0" marL="0" rtl="0" algn="l">
+              <a:spcBef>
+                <a:spcPts val="0"/>
+              </a:spcBef>
+              <a:spcAft>
+                <a:spcPts val="0"/>
+              </a:spcAft>
+              <a:buNone/>
+            </a:pPr>
+            <a:r>
+              <a:t/>
+            </a:r>
+            <a:endParaRPr/>
+          </a:p>
+        </p:txBody>
+      </p:sp>
+      <p:sp>
+        <p:nvSpPr>
+          <p:cNvPr id="267" name="Google Shape;267;g32627264e13_0_127:notes"/>
+          <p:cNvSpPr/>
+          <p:nvPr>
+            <p:ph idx="2" type="sldImg"/>
+          </p:nvPr>
+        </p:nvSpPr>
+        <p:spPr>
+          <a:xfrm>
+            <a:off x="685800" y="1143000"/>
+            <a:ext cx="5486400" cy="3086100"/>
+          </a:xfrm>
+          <a:custGeom>
+            <a:rect b="b" l="l" r="r" t="t"/>
+            <a:pathLst>
+              <a:path extrusionOk="0" h="120000" w="120000">
+                <a:moveTo>
+                  <a:pt x="0" y="0"/>
+                </a:moveTo>
+                <a:lnTo>
+                  <a:pt x="120000" y="0"/>
+                </a:lnTo>
+                <a:lnTo>
+                  <a:pt x="120000" y="120000"/>
+                </a:lnTo>
+                <a:lnTo>
+                  <a:pt x="0" y="120000"/>
+                </a:lnTo>
+                <a:close/>
+              </a:path>
+            </a:pathLst>
+          </a:custGeom>
+        </p:spPr>
+      </p:sp>
+    </p:spTree>
+  </p:cSld>
+  <p:clrMapOvr>
+    <a:masterClrMapping/>
+  </p:clrMapOvr>
+</p:notes>
+</file>
+
+<file path=ppt/notesSlides/notesSlide27.xml><?xml version="1.0" encoding="utf-8"?>
+<p:notes xmlns:a="http://schemas.openxmlformats.org/drawingml/2006/main" xmlns:r="http://schemas.openxmlformats.org/officeDocument/2006/relationships" xmlns:mc="http://schemas.openxmlformats.org/markup-compatibility/2006" xmlns:mv="urn:schemas-microsoft-com:mac:vml" xmlns:p="http://schemas.openxmlformats.org/presentationml/2006/main" xmlns:c="http://schemas.openxmlformats.org/drawingml/2006/chart" xmlns:dgm="http://schemas.openxmlformats.org/drawingml/2006/diagram" xmlns:o="urn:schemas-microsoft-com:office:office" xmlns:v="urn:schemas-microsoft-com:vml" xmlns:pvml="urn:schemas-microsoft-com:office:powerpoint" xmlns:com="http://schemas.openxmlformats.org/drawingml/2006/compatibility" xmlns:p14="http://schemas.microsoft.com/office/powerpoint/2010/main" xmlns:p15="http://schemas.microsoft.com/office/powerpoint/2012/main" xmlns:ahyp="http://schemas.microsoft.com/office/drawing/2018/hyperlinkcolor" showMasterPhAnim="0" showMasterSp="0">
+  <p:cSld>
+    <p:spTree>
+      <p:nvGrpSpPr>
+        <p:cNvPr id="270" name="Shape 270"/>
+        <p:cNvGrpSpPr/>
+        <p:nvPr/>
+      </p:nvGrpSpPr>
+      <p:grpSpPr>
+        <a:xfrm>
+          <a:off x="0" y="0"/>
+          <a:ext cx="0" cy="0"/>
+          <a:chOff x="0" y="0"/>
+          <a:chExt cx="0" cy="0"/>
+        </a:xfrm>
+      </p:grpSpPr>
+      <p:sp>
+        <p:nvSpPr>
+          <p:cNvPr id="271" name="Google Shape;271;g32627264e13_0_131:notes"/>
+          <p:cNvSpPr txBox="1"/>
+          <p:nvPr>
+            <p:ph idx="1" type="body"/>
+          </p:nvPr>
+        </p:nvSpPr>
+        <p:spPr>
+          <a:xfrm>
+            <a:off x="685800" y="4400550"/>
+            <a:ext cx="5486400" cy="3600600"/>
+          </a:xfrm>
+          <a:prstGeom prst="rect">
+            <a:avLst/>
+          </a:prstGeom>
+        </p:spPr>
+        <p:txBody>
+          <a:bodyPr anchorCtr="0" anchor="t" bIns="45700" lIns="91425" spcFirstLastPara="1" rIns="91425" wrap="square" tIns="45700">
+            <a:noAutofit/>
+          </a:bodyPr>
+          <a:lstStyle/>
+          <a:p>
+            <a:pPr indent="0" lvl="0" marL="0" rtl="0" algn="l">
+              <a:spcBef>
+                <a:spcPts val="0"/>
+              </a:spcBef>
+              <a:spcAft>
+                <a:spcPts val="0"/>
+              </a:spcAft>
+              <a:buNone/>
+            </a:pPr>
+            <a:r>
+              <a:t/>
+            </a:r>
+            <a:endParaRPr/>
+          </a:p>
+        </p:txBody>
+      </p:sp>
+      <p:sp>
+        <p:nvSpPr>
+          <p:cNvPr id="272" name="Google Shape;272;g32627264e13_0_131:notes"/>
+          <p:cNvSpPr/>
+          <p:nvPr>
+            <p:ph idx="2" type="sldImg"/>
+          </p:nvPr>
+        </p:nvSpPr>
+        <p:spPr>
+          <a:xfrm>
+            <a:off x="685800" y="1143000"/>
+            <a:ext cx="5486400" cy="3086100"/>
+          </a:xfrm>
+          <a:custGeom>
+            <a:rect b="b" l="l" r="r" t="t"/>
+            <a:pathLst>
+              <a:path extrusionOk="0" h="120000" w="120000">
+                <a:moveTo>
+                  <a:pt x="0" y="0"/>
+                </a:moveTo>
+                <a:lnTo>
+                  <a:pt x="120000" y="0"/>
+                </a:lnTo>
+                <a:lnTo>
+                  <a:pt x="120000" y="120000"/>
+                </a:lnTo>
+                <a:lnTo>
+                  <a:pt x="0" y="120000"/>
+                </a:lnTo>
+                <a:close/>
+              </a:path>
+            </a:pathLst>
+          </a:custGeom>
+        </p:spPr>
+      </p:sp>
+    </p:spTree>
+  </p:cSld>
+  <p:clrMapOvr>
+    <a:masterClrMapping/>
+  </p:clrMapOvr>
+</p:notes>
+</file>
+
+<file path=ppt/notesSlides/notesSlide28.xml><?xml version="1.0" encoding="utf-8"?>
+<p:notes xmlns:a="http://schemas.openxmlformats.org/drawingml/2006/main" xmlns:r="http://schemas.openxmlformats.org/officeDocument/2006/relationships" xmlns:mc="http://schemas.openxmlformats.org/markup-compatibility/2006" xmlns:mv="urn:schemas-microsoft-com:mac:vml" xmlns:p="http://schemas.openxmlformats.org/presentationml/2006/main" xmlns:c="http://schemas.openxmlformats.org/drawingml/2006/chart" xmlns:dgm="http://schemas.openxmlformats.org/drawingml/2006/diagram" xmlns:o="urn:schemas-microsoft-com:office:office" xmlns:v="urn:schemas-microsoft-com:vml" xmlns:pvml="urn:schemas-microsoft-com:office:powerpoint" xmlns:com="http://schemas.openxmlformats.org/drawingml/2006/compatibility" xmlns:p14="http://schemas.microsoft.com/office/powerpoint/2010/main" xmlns:p15="http://schemas.microsoft.com/office/powerpoint/2012/main" xmlns:ahyp="http://schemas.microsoft.com/office/drawing/2018/hyperlinkcolor" showMasterPhAnim="0" showMasterSp="0">
+  <p:cSld>
+    <p:spTree>
+      <p:nvGrpSpPr>
+        <p:cNvPr id="277" name="Shape 277"/>
+        <p:cNvGrpSpPr/>
+        <p:nvPr/>
+      </p:nvGrpSpPr>
+      <p:grpSpPr>
+        <a:xfrm>
+          <a:off x="0" y="0"/>
+          <a:ext cx="0" cy="0"/>
+          <a:chOff x="0" y="0"/>
+          <a:chExt cx="0" cy="0"/>
+        </a:xfrm>
+      </p:grpSpPr>
+      <p:sp>
+        <p:nvSpPr>
+          <p:cNvPr id="278" name="Google Shape;278;p64:notes"/>
           <p:cNvSpPr txBox="1"/>
           <p:nvPr>
             <p:ph idx="1" type="body"/>
@@ -2590,7 +3492,205 @@
       </p:sp>
       <p:sp>
         <p:nvSpPr>
+          <p:cNvPr id="279" name="Google Shape;279;p64:notes"/>
+          <p:cNvSpPr/>
+          <p:nvPr>
+            <p:ph idx="2" type="sldImg"/>
+          </p:nvPr>
+        </p:nvSpPr>
+        <p:spPr>
+          <a:xfrm>
+            <a:off x="685800" y="1143000"/>
+            <a:ext cx="5486400" cy="3086100"/>
+          </a:xfrm>
+          <a:custGeom>
+            <a:rect b="b" l="l" r="r" t="t"/>
+            <a:pathLst>
+              <a:path extrusionOk="0" h="120000" w="120000">
+                <a:moveTo>
+                  <a:pt x="0" y="0"/>
+                </a:moveTo>
+                <a:lnTo>
+                  <a:pt x="120000" y="0"/>
+                </a:lnTo>
+                <a:lnTo>
+                  <a:pt x="120000" y="120000"/>
+                </a:lnTo>
+                <a:lnTo>
+                  <a:pt x="0" y="120000"/>
+                </a:lnTo>
+                <a:close/>
+              </a:path>
+            </a:pathLst>
+          </a:custGeom>
+        </p:spPr>
+      </p:sp>
+    </p:spTree>
+  </p:cSld>
+  <p:clrMapOvr>
+    <a:masterClrMapping/>
+  </p:clrMapOvr>
+</p:notes>
+</file>
+
+<file path=ppt/notesSlides/notesSlide29.xml><?xml version="1.0" encoding="utf-8"?>
+<p:notes xmlns:a="http://schemas.openxmlformats.org/drawingml/2006/main" xmlns:r="http://schemas.openxmlformats.org/officeDocument/2006/relationships" xmlns:mc="http://schemas.openxmlformats.org/markup-compatibility/2006" xmlns:mv="urn:schemas-microsoft-com:mac:vml" xmlns:p="http://schemas.openxmlformats.org/presentationml/2006/main" xmlns:c="http://schemas.openxmlformats.org/drawingml/2006/chart" xmlns:dgm="http://schemas.openxmlformats.org/drawingml/2006/diagram" xmlns:o="urn:schemas-microsoft-com:office:office" xmlns:v="urn:schemas-microsoft-com:vml" xmlns:pvml="urn:schemas-microsoft-com:office:powerpoint" xmlns:com="http://schemas.openxmlformats.org/drawingml/2006/compatibility" xmlns:p14="http://schemas.microsoft.com/office/powerpoint/2010/main" xmlns:p15="http://schemas.microsoft.com/office/powerpoint/2012/main" xmlns:ahyp="http://schemas.microsoft.com/office/drawing/2018/hyperlinkcolor" showMasterPhAnim="0" showMasterSp="0">
+  <p:cSld>
+    <p:spTree>
+      <p:nvGrpSpPr>
+        <p:cNvPr id="284" name="Shape 284"/>
+        <p:cNvGrpSpPr/>
+        <p:nvPr/>
+      </p:nvGrpSpPr>
+      <p:grpSpPr>
+        <a:xfrm>
+          <a:off x="0" y="0"/>
+          <a:ext cx="0" cy="0"/>
+          <a:chOff x="0" y="0"/>
+          <a:chExt cx="0" cy="0"/>
+        </a:xfrm>
+      </p:grpSpPr>
+      <p:sp>
+        <p:nvSpPr>
+          <p:cNvPr id="285" name="Google Shape;285;p66:notes"/>
+          <p:cNvSpPr txBox="1"/>
+          <p:nvPr>
+            <p:ph idx="1" type="body"/>
+          </p:nvPr>
+        </p:nvSpPr>
+        <p:spPr>
+          <a:xfrm>
+            <a:off x="685800" y="4400550"/>
+            <a:ext cx="5486400" cy="3600450"/>
+          </a:xfrm>
+          <a:prstGeom prst="rect">
+            <a:avLst/>
+          </a:prstGeom>
+        </p:spPr>
+        <p:txBody>
+          <a:bodyPr anchorCtr="0" anchor="t" bIns="45700" lIns="91425" spcFirstLastPara="1" rIns="91425" wrap="square" tIns="45700">
+            <a:noAutofit/>
+          </a:bodyPr>
+          <a:lstStyle/>
+          <a:p>
+            <a:pPr indent="0" lvl="0" marL="0" rtl="0" algn="l">
+              <a:spcBef>
+                <a:spcPts val="0"/>
+              </a:spcBef>
+              <a:spcAft>
+                <a:spcPts val="0"/>
+              </a:spcAft>
+              <a:buNone/>
+            </a:pPr>
+            <a:r>
+              <a:t/>
+            </a:r>
+            <a:endParaRPr/>
+          </a:p>
+        </p:txBody>
+      </p:sp>
+      <p:sp>
+        <p:nvSpPr>
+          <p:cNvPr id="286" name="Google Shape;286;p66:notes"/>
+          <p:cNvSpPr/>
+          <p:nvPr>
+            <p:ph idx="2" type="sldImg"/>
+          </p:nvPr>
+        </p:nvSpPr>
+        <p:spPr>
+          <a:xfrm>
+            <a:off x="685800" y="1143000"/>
+            <a:ext cx="5486400" cy="3086100"/>
+          </a:xfrm>
+          <a:custGeom>
+            <a:rect b="b" l="l" r="r" t="t"/>
+            <a:pathLst>
+              <a:path extrusionOk="0" h="120000" w="120000">
+                <a:moveTo>
+                  <a:pt x="0" y="0"/>
+                </a:moveTo>
+                <a:lnTo>
+                  <a:pt x="120000" y="0"/>
+                </a:lnTo>
+                <a:lnTo>
+                  <a:pt x="120000" y="120000"/>
+                </a:lnTo>
+                <a:lnTo>
+                  <a:pt x="0" y="120000"/>
+                </a:lnTo>
+                <a:close/>
+              </a:path>
+            </a:pathLst>
+          </a:custGeom>
+        </p:spPr>
+      </p:sp>
+    </p:spTree>
+  </p:cSld>
+  <p:clrMapOvr>
+    <a:masterClrMapping/>
+  </p:clrMapOvr>
+</p:notes>
+</file>
+
+<file path=ppt/notesSlides/notesSlide3.xml><?xml version="1.0" encoding="utf-8"?>
+<p:notes xmlns:a="http://schemas.openxmlformats.org/drawingml/2006/main" xmlns:r="http://schemas.openxmlformats.org/officeDocument/2006/relationships" xmlns:mc="http://schemas.openxmlformats.org/markup-compatibility/2006" xmlns:mv="urn:schemas-microsoft-com:mac:vml" xmlns:p="http://schemas.openxmlformats.org/presentationml/2006/main" xmlns:c="http://schemas.openxmlformats.org/drawingml/2006/chart" xmlns:dgm="http://schemas.openxmlformats.org/drawingml/2006/diagram" xmlns:o="urn:schemas-microsoft-com:office:office" xmlns:v="urn:schemas-microsoft-com:vml" xmlns:pvml="urn:schemas-microsoft-com:office:powerpoint" xmlns:com="http://schemas.openxmlformats.org/drawingml/2006/compatibility" xmlns:p14="http://schemas.microsoft.com/office/powerpoint/2010/main" xmlns:p15="http://schemas.microsoft.com/office/powerpoint/2012/main" xmlns:ahyp="http://schemas.microsoft.com/office/drawing/2018/hyperlinkcolor" showMasterPhAnim="0" showMasterSp="0">
+  <p:cSld>
+    <p:spTree>
+      <p:nvGrpSpPr>
+        <p:cNvPr id="95" name="Shape 95"/>
+        <p:cNvGrpSpPr/>
+        <p:nvPr/>
+      </p:nvGrpSpPr>
+      <p:grpSpPr>
+        <a:xfrm>
+          <a:off x="0" y="0"/>
+          <a:ext cx="0" cy="0"/>
+          <a:chOff x="0" y="0"/>
+          <a:chExt cx="0" cy="0"/>
+        </a:xfrm>
+      </p:grpSpPr>
+      <p:sp>
+        <p:nvSpPr>
           <p:cNvPr id="96" name="Google Shape;96;p3:notes"/>
+          <p:cNvSpPr txBox="1"/>
+          <p:nvPr>
+            <p:ph idx="1" type="body"/>
+          </p:nvPr>
+        </p:nvSpPr>
+        <p:spPr>
+          <a:xfrm>
+            <a:off x="685800" y="4400550"/>
+            <a:ext cx="5486400" cy="3600450"/>
+          </a:xfrm>
+          <a:prstGeom prst="rect">
+            <a:avLst/>
+          </a:prstGeom>
+        </p:spPr>
+        <p:txBody>
+          <a:bodyPr anchorCtr="0" anchor="t" bIns="45700" lIns="91425" spcFirstLastPara="1" rIns="91425" wrap="square" tIns="45700">
+            <a:noAutofit/>
+          </a:bodyPr>
+          <a:lstStyle/>
+          <a:p>
+            <a:pPr indent="0" lvl="0" marL="0" rtl="0" algn="l">
+              <a:spcBef>
+                <a:spcPts val="0"/>
+              </a:spcBef>
+              <a:spcAft>
+                <a:spcPts val="0"/>
+              </a:spcAft>
+              <a:buNone/>
+            </a:pPr>
+            <a:r>
+              <a:t/>
+            </a:r>
+            <a:endParaRPr/>
+          </a:p>
+        </p:txBody>
+      </p:sp>
+      <p:sp>
+        <p:nvSpPr>
+          <p:cNvPr id="97" name="Google Shape;97;p3:notes"/>
           <p:cNvSpPr/>
           <p:nvPr>
             <p:ph idx="2" type="sldImg"/>
@@ -2636,7 +3736,7 @@
   <p:cSld>
     <p:spTree>
       <p:nvGrpSpPr>
-        <p:cNvPr id="99" name="Shape 99"/>
+        <p:cNvPr id="100" name="Shape 100"/>
         <p:cNvGrpSpPr/>
         <p:nvPr/>
       </p:nvGrpSpPr>
@@ -2650,7 +3750,7 @@
       </p:grpSpPr>
       <p:sp>
         <p:nvSpPr>
-          <p:cNvPr id="100" name="Google Shape;100;p4:notes"/>
+          <p:cNvPr id="101" name="Google Shape;101;p4:notes"/>
           <p:cNvSpPr txBox="1"/>
           <p:nvPr>
             <p:ph idx="1" type="body"/>
@@ -2689,7 +3789,7 @@
       </p:sp>
       <p:sp>
         <p:nvSpPr>
-          <p:cNvPr id="101" name="Google Shape;101;p4:notes"/>
+          <p:cNvPr id="102" name="Google Shape;102;p4:notes"/>
           <p:cNvSpPr/>
           <p:nvPr>
             <p:ph idx="2" type="sldImg"/>
@@ -2735,7 +3835,7 @@
   <p:cSld>
     <p:spTree>
       <p:nvGrpSpPr>
-        <p:cNvPr id="106" name="Shape 106"/>
+        <p:cNvPr id="107" name="Shape 107"/>
         <p:cNvGrpSpPr/>
         <p:nvPr/>
       </p:nvGrpSpPr>
@@ -2749,7 +3849,7 @@
       </p:grpSpPr>
       <p:sp>
         <p:nvSpPr>
-          <p:cNvPr id="107" name="Google Shape;107;g326235a0562_0_3:notes"/>
+          <p:cNvPr id="108" name="Google Shape;108;g326235a0562_0_3:notes"/>
           <p:cNvSpPr txBox="1"/>
           <p:nvPr>
             <p:ph idx="1" type="body"/>
@@ -2788,7 +3888,7 @@
       </p:sp>
       <p:sp>
         <p:nvSpPr>
-          <p:cNvPr id="108" name="Google Shape;108;g326235a0562_0_3:notes"/>
+          <p:cNvPr id="109" name="Google Shape;109;g326235a0562_0_3:notes"/>
           <p:cNvSpPr/>
           <p:nvPr>
             <p:ph idx="2" type="sldImg"/>
@@ -2834,7 +3934,7 @@
   <p:cSld>
     <p:spTree>
       <p:nvGrpSpPr>
-        <p:cNvPr id="111" name="Shape 111"/>
+        <p:cNvPr id="112" name="Shape 112"/>
         <p:cNvGrpSpPr/>
         <p:nvPr/>
       </p:nvGrpSpPr>
@@ -2848,7 +3948,7 @@
       </p:grpSpPr>
       <p:sp>
         <p:nvSpPr>
-          <p:cNvPr id="112" name="Google Shape;112;g326235a0562_0_7:notes"/>
+          <p:cNvPr id="113" name="Google Shape;113;g326235a0562_0_7:notes"/>
           <p:cNvSpPr txBox="1"/>
           <p:nvPr>
             <p:ph idx="1" type="body"/>
@@ -2887,7 +3987,7 @@
       </p:sp>
       <p:sp>
         <p:nvSpPr>
-          <p:cNvPr id="113" name="Google Shape;113;g326235a0562_0_7:notes"/>
+          <p:cNvPr id="114" name="Google Shape;114;g326235a0562_0_7:notes"/>
           <p:cNvSpPr/>
           <p:nvPr>
             <p:ph idx="2" type="sldImg"/>
@@ -2933,7 +4033,7 @@
   <p:cSld>
     <p:spTree>
       <p:nvGrpSpPr>
-        <p:cNvPr id="121" name="Shape 121"/>
+        <p:cNvPr id="122" name="Shape 122"/>
         <p:cNvGrpSpPr/>
         <p:nvPr/>
       </p:nvGrpSpPr>
@@ -2947,7 +4047,7 @@
       </p:grpSpPr>
       <p:sp>
         <p:nvSpPr>
-          <p:cNvPr id="122" name="Google Shape;122;p9:notes"/>
+          <p:cNvPr id="123" name="Google Shape;123;g32627264e13_0_0:notes"/>
           <p:cNvSpPr txBox="1"/>
           <p:nvPr>
             <p:ph idx="1" type="body"/>
@@ -2956,7 +4056,7 @@
         <p:spPr>
           <a:xfrm>
             <a:off x="685800" y="4400550"/>
-            <a:ext cx="5486400" cy="3600450"/>
+            <a:ext cx="5486400" cy="3600600"/>
           </a:xfrm>
           <a:prstGeom prst="rect">
             <a:avLst/>
@@ -2986,7 +4086,7 @@
       </p:sp>
       <p:sp>
         <p:nvSpPr>
-          <p:cNvPr id="123" name="Google Shape;123;p9:notes"/>
+          <p:cNvPr id="124" name="Google Shape;124;g32627264e13_0_0:notes"/>
           <p:cNvSpPr/>
           <p:nvPr>
             <p:ph idx="2" type="sldImg"/>
@@ -3032,7 +4132,7 @@
   <p:cSld>
     <p:spTree>
       <p:nvGrpSpPr>
-        <p:cNvPr id="126" name="Shape 126"/>
+        <p:cNvPr id="130" name="Shape 130"/>
         <p:cNvGrpSpPr/>
         <p:nvPr/>
       </p:nvGrpSpPr>
@@ -3046,7 +4146,7 @@
       </p:grpSpPr>
       <p:sp>
         <p:nvSpPr>
-          <p:cNvPr id="127" name="Google Shape;127;g326235a0562_0_33:notes"/>
+          <p:cNvPr id="131" name="Google Shape;131;g32627264e13_0_11:notes"/>
           <p:cNvSpPr txBox="1"/>
           <p:nvPr>
             <p:ph idx="1" type="body"/>
@@ -3085,7 +4185,7 @@
       </p:sp>
       <p:sp>
         <p:nvSpPr>
-          <p:cNvPr id="128" name="Google Shape;128;g326235a0562_0_33:notes"/>
+          <p:cNvPr id="132" name="Google Shape;132;g32627264e13_0_11:notes"/>
           <p:cNvSpPr/>
           <p:nvPr>
             <p:ph idx="2" type="sldImg"/>
@@ -3131,7 +4231,7 @@
   <p:cSld>
     <p:spTree>
       <p:nvGrpSpPr>
-        <p:cNvPr id="134" name="Shape 134"/>
+        <p:cNvPr id="139" name="Shape 139"/>
         <p:cNvGrpSpPr/>
         <p:nvPr/>
       </p:nvGrpSpPr>
@@ -3145,7 +4245,7 @@
       </p:grpSpPr>
       <p:sp>
         <p:nvSpPr>
-          <p:cNvPr id="135" name="Google Shape;135;g326235a0562_0_22:notes"/>
+          <p:cNvPr id="140" name="Google Shape;140;g32627264e13_0_116:notes"/>
           <p:cNvSpPr txBox="1"/>
           <p:nvPr>
             <p:ph idx="1" type="body"/>
@@ -3184,7 +4284,7 @@
       </p:sp>
       <p:sp>
         <p:nvSpPr>
-          <p:cNvPr id="136" name="Google Shape;136;g326235a0562_0_22:notes"/>
+          <p:cNvPr id="141" name="Google Shape;141;g32627264e13_0_116:notes"/>
           <p:cNvSpPr/>
           <p:nvPr>
             <p:ph idx="2" type="sldImg"/>
@@ -14929,7 +16029,7 @@
   <p:cSld>
     <p:spTree>
       <p:nvGrpSpPr>
-        <p:cNvPr id="145" name="Shape 145"/>
+        <p:cNvPr id="151" name="Shape 151"/>
         <p:cNvGrpSpPr/>
         <p:nvPr/>
       </p:nvGrpSpPr>
@@ -14943,7 +16043,84 @@
       </p:grpSpPr>
       <p:sp>
         <p:nvSpPr>
-          <p:cNvPr id="146" name="Google Shape;146;g326235a0562_0_47"/>
+          <p:cNvPr id="152" name="Google Shape;152;p9"/>
+          <p:cNvSpPr txBox="1"/>
+          <p:nvPr>
+            <p:ph type="title"/>
+          </p:nvPr>
+        </p:nvSpPr>
+        <p:spPr>
+          <a:xfrm>
+            <a:off x="4362370" y="2948220"/>
+            <a:ext cx="3467260" cy="961559"/>
+          </a:xfrm>
+          <a:prstGeom prst="rect">
+            <a:avLst/>
+          </a:prstGeom>
+          <a:noFill/>
+          <a:ln>
+            <a:noFill/>
+          </a:ln>
+        </p:spPr>
+        <p:txBody>
+          <a:bodyPr anchorCtr="0" anchor="t" bIns="45700" lIns="91425" spcFirstLastPara="1" rIns="91425" wrap="square" tIns="45700">
+            <a:noAutofit/>
+          </a:bodyPr>
+          <a:lstStyle/>
+          <a:p>
+            <a:pPr indent="0" lvl="0" marL="0" rtl="0" algn="ctr">
+              <a:lnSpc>
+                <a:spcPct val="90000"/>
+              </a:lnSpc>
+              <a:spcBef>
+                <a:spcPts val="0"/>
+              </a:spcBef>
+              <a:spcAft>
+                <a:spcPts val="0"/>
+              </a:spcAft>
+              <a:buClr>
+                <a:schemeClr val="lt1"/>
+              </a:buClr>
+              <a:buSzPts val="7200"/>
+              <a:buFont typeface="Lato"/>
+              <a:buNone/>
+            </a:pPr>
+            <a:r>
+              <a:rPr lang="en-US" sz="7200"/>
+              <a:t>Method</a:t>
+            </a:r>
+            <a:endParaRPr sz="7200"/>
+          </a:p>
+        </p:txBody>
+      </p:sp>
+    </p:spTree>
+  </p:cSld>
+  <p:clrMapOvr>
+    <a:masterClrMapping/>
+  </p:clrMapOvr>
+</p:sld>
+</file>
+
+<file path=ppt/slides/slide11.xml><?xml version="1.0" encoding="utf-8"?>
+<p:sld xmlns:a="http://schemas.openxmlformats.org/drawingml/2006/main" xmlns:r="http://schemas.openxmlformats.org/officeDocument/2006/relationships" xmlns:mc="http://schemas.openxmlformats.org/markup-compatibility/2006" xmlns:mv="urn:schemas-microsoft-com:mac:vml" xmlns:p="http://schemas.openxmlformats.org/presentationml/2006/main" xmlns:c="http://schemas.openxmlformats.org/drawingml/2006/chart" xmlns:dgm="http://schemas.openxmlformats.org/drawingml/2006/diagram" xmlns:o="urn:schemas-microsoft-com:office:office" xmlns:v="urn:schemas-microsoft-com:vml" xmlns:pvml="urn:schemas-microsoft-com:office:powerpoint" xmlns:com="http://schemas.openxmlformats.org/drawingml/2006/compatibility" xmlns:p14="http://schemas.microsoft.com/office/powerpoint/2010/main" xmlns:p15="http://schemas.microsoft.com/office/powerpoint/2012/main" xmlns:ahyp="http://schemas.microsoft.com/office/drawing/2018/hyperlinkcolor">
+  <p:cSld>
+    <p:spTree>
+      <p:nvGrpSpPr>
+        <p:cNvPr id="156" name="Shape 156"/>
+        <p:cNvGrpSpPr/>
+        <p:nvPr/>
+      </p:nvGrpSpPr>
+      <p:grpSpPr>
+        <a:xfrm>
+          <a:off x="0" y="0"/>
+          <a:ext cx="0" cy="0"/>
+          <a:chOff x="0" y="0"/>
+          <a:chExt cx="0" cy="0"/>
+        </a:xfrm>
+      </p:grpSpPr>
+      <p:sp>
+        <p:nvSpPr>
+          <p:cNvPr id="157" name="Google Shape;157;g326235a0562_0_33"/>
           <p:cNvSpPr txBox="1"/>
           <p:nvPr>
             <p:ph type="title"/>
@@ -14987,7 +16164,7 @@
             </a:pPr>
             <a:r>
               <a:rPr lang="en-US" sz="3600"/>
-              <a:t>Method</a:t>
+              <a:t>Method 1</a:t>
             </a:r>
             <a:endParaRPr sz="3600"/>
           </a:p>
@@ -14995,7 +16172,395 @@
       </p:sp>
       <p:sp>
         <p:nvSpPr>
-          <p:cNvPr id="147" name="Google Shape;147;g326235a0562_0_47"/>
+          <p:cNvPr id="158" name="Google Shape;158;g326235a0562_0_33"/>
+          <p:cNvSpPr txBox="1"/>
+          <p:nvPr>
+            <p:ph idx="12" type="sldNum"/>
+          </p:nvPr>
+        </p:nvSpPr>
+        <p:spPr>
+          <a:xfrm>
+            <a:off x="9156511" y="6492875"/>
+            <a:ext cx="2743200" cy="365100"/>
+          </a:xfrm>
+          <a:prstGeom prst="rect">
+            <a:avLst/>
+          </a:prstGeom>
+          <a:noFill/>
+          <a:ln>
+            <a:noFill/>
+          </a:ln>
+        </p:spPr>
+        <p:txBody>
+          <a:bodyPr anchorCtr="0" anchor="t" bIns="45700" lIns="91425" spcFirstLastPara="1" rIns="91425" wrap="square" tIns="45700">
+            <a:noAutofit/>
+          </a:bodyPr>
+          <a:lstStyle/>
+          <a:p>
+            <a:pPr indent="0" lvl="0" marL="0" rtl="0" algn="r">
+              <a:spcBef>
+                <a:spcPts val="0"/>
+              </a:spcBef>
+              <a:spcAft>
+                <a:spcPts val="0"/>
+              </a:spcAft>
+              <a:buNone/>
+            </a:pPr>
+            <a:fld id="{00000000-1234-1234-1234-123412341234}" type="slidenum">
+              <a:rPr lang="en-US"/>
+              <a:t>‹#›</a:t>
+            </a:fld>
+            <a:endParaRPr/>
+          </a:p>
+        </p:txBody>
+      </p:sp>
+      <p:sp>
+        <p:nvSpPr>
+          <p:cNvPr id="159" name="Google Shape;159;g326235a0562_0_33"/>
+          <p:cNvSpPr txBox="1"/>
+          <p:nvPr/>
+        </p:nvSpPr>
+        <p:spPr>
+          <a:xfrm>
+            <a:off x="402525" y="1043250"/>
+            <a:ext cx="4615500" cy="5160900"/>
+          </a:xfrm>
+          <a:prstGeom prst="rect">
+            <a:avLst/>
+          </a:prstGeom>
+          <a:noFill/>
+          <a:ln>
+            <a:noFill/>
+          </a:ln>
+        </p:spPr>
+        <p:txBody>
+          <a:bodyPr anchorCtr="0" anchor="t" bIns="45700" lIns="91425" spcFirstLastPara="1" rIns="91425" wrap="square" tIns="45700">
+            <a:spAutoFit/>
+          </a:bodyPr>
+          <a:lstStyle/>
+          <a:p>
+            <a:pPr indent="0" lvl="0" marL="0" rtl="0" algn="l">
+              <a:lnSpc>
+                <a:spcPct val="115000"/>
+              </a:lnSpc>
+              <a:spcBef>
+                <a:spcPts val="1200"/>
+              </a:spcBef>
+              <a:spcAft>
+                <a:spcPts val="0"/>
+              </a:spcAft>
+              <a:buClr>
+                <a:schemeClr val="dk1"/>
+              </a:buClr>
+              <a:buSzPts val="1100"/>
+              <a:buFont typeface="Arial"/>
+              <a:buNone/>
+            </a:pPr>
+            <a:r>
+              <a:rPr b="1" lang="en-US" sz="2200">
+                <a:solidFill>
+                  <a:schemeClr val="dk1"/>
+                </a:solidFill>
+              </a:rPr>
+              <a:t>Method 1: Classical Pipeline</a:t>
+            </a:r>
+            <a:endParaRPr b="1" sz="2200">
+              <a:solidFill>
+                <a:schemeClr val="dk1"/>
+              </a:solidFill>
+            </a:endParaRPr>
+          </a:p>
+          <a:p>
+            <a:pPr indent="-368300" lvl="0" marL="457200" rtl="0" algn="l">
+              <a:lnSpc>
+                <a:spcPct val="115000"/>
+              </a:lnSpc>
+              <a:spcBef>
+                <a:spcPts val="1200"/>
+              </a:spcBef>
+              <a:spcAft>
+                <a:spcPts val="0"/>
+              </a:spcAft>
+              <a:buClr>
+                <a:schemeClr val="dk1"/>
+              </a:buClr>
+              <a:buSzPts val="2200"/>
+              <a:buAutoNum type="arabicPeriod"/>
+            </a:pPr>
+            <a:r>
+              <a:rPr b="1" lang="en-US" sz="2200">
+                <a:solidFill>
+                  <a:schemeClr val="dk1"/>
+                </a:solidFill>
+              </a:rPr>
+              <a:t>Candidate Generation</a:t>
+            </a:r>
+            <a:r>
+              <a:rPr lang="en-US" sz="2200">
+                <a:solidFill>
+                  <a:schemeClr val="dk1"/>
+                </a:solidFill>
+              </a:rPr>
+              <a:t>: Use co-visitation matrices (e.g., click-to-click, cart-to-order).</a:t>
+            </a:r>
+            <a:endParaRPr sz="2200">
+              <a:solidFill>
+                <a:schemeClr val="dk1"/>
+              </a:solidFill>
+            </a:endParaRPr>
+          </a:p>
+          <a:p>
+            <a:pPr indent="-368300" lvl="0" marL="457200" rtl="0" algn="l">
+              <a:lnSpc>
+                <a:spcPct val="115000"/>
+              </a:lnSpc>
+              <a:spcBef>
+                <a:spcPts val="0"/>
+              </a:spcBef>
+              <a:spcAft>
+                <a:spcPts val="0"/>
+              </a:spcAft>
+              <a:buClr>
+                <a:schemeClr val="dk1"/>
+              </a:buClr>
+              <a:buSzPts val="2200"/>
+              <a:buAutoNum type="arabicPeriod"/>
+            </a:pPr>
+            <a:r>
+              <a:rPr b="1" lang="en-US" sz="2200">
+                <a:solidFill>
+                  <a:schemeClr val="dk1"/>
+                </a:solidFill>
+              </a:rPr>
+              <a:t>Feature Engineering</a:t>
+            </a:r>
+            <a:r>
+              <a:rPr lang="en-US" sz="2200">
+                <a:solidFill>
+                  <a:schemeClr val="dk1"/>
+                </a:solidFill>
+              </a:rPr>
+              <a:t>: Extract 200+ features (co-visitation, embeddings, session-level, item-level, temporal).</a:t>
+            </a:r>
+            <a:endParaRPr sz="2200">
+              <a:solidFill>
+                <a:schemeClr val="dk1"/>
+              </a:solidFill>
+            </a:endParaRPr>
+          </a:p>
+          <a:p>
+            <a:pPr indent="-368300" lvl="0" marL="457200" rtl="0" algn="l">
+              <a:lnSpc>
+                <a:spcPct val="115000"/>
+              </a:lnSpc>
+              <a:spcBef>
+                <a:spcPts val="0"/>
+              </a:spcBef>
+              <a:spcAft>
+                <a:spcPts val="0"/>
+              </a:spcAft>
+              <a:buClr>
+                <a:schemeClr val="dk1"/>
+              </a:buClr>
+              <a:buSzPts val="2200"/>
+              <a:buAutoNum type="arabicPeriod"/>
+            </a:pPr>
+            <a:r>
+              <a:rPr b="1" lang="en-US" sz="2200">
+                <a:solidFill>
+                  <a:schemeClr val="dk1"/>
+                </a:solidFill>
+              </a:rPr>
+              <a:t>Ranking</a:t>
+            </a:r>
+            <a:r>
+              <a:rPr lang="en-US" sz="2200">
+                <a:solidFill>
+                  <a:schemeClr val="dk1"/>
+                </a:solidFill>
+              </a:rPr>
+              <a:t>: Train XGBoost to rank candidate items for clicks, carts, and orders.</a:t>
+            </a:r>
+            <a:endParaRPr sz="2200">
+              <a:solidFill>
+                <a:schemeClr val="dk1"/>
+              </a:solidFill>
+            </a:endParaRPr>
+          </a:p>
+          <a:p>
+            <a:pPr indent="0" lvl="0" marL="0" rtl="0" algn="just">
+              <a:spcBef>
+                <a:spcPts val="1200"/>
+              </a:spcBef>
+              <a:spcAft>
+                <a:spcPts val="0"/>
+              </a:spcAft>
+              <a:buSzPts val="1100"/>
+              <a:buNone/>
+            </a:pPr>
+            <a:r>
+              <a:t/>
+            </a:r>
+            <a:endParaRPr b="1" sz="3100">
+              <a:solidFill>
+                <a:schemeClr val="dk1"/>
+              </a:solidFill>
+            </a:endParaRPr>
+          </a:p>
+        </p:txBody>
+      </p:sp>
+      <p:pic>
+        <p:nvPicPr>
+          <p:cNvPr id="160" name="Google Shape;160;g326235a0562_0_33"/>
+          <p:cNvPicPr preferRelativeResize="0"/>
+          <p:nvPr/>
+        </p:nvPicPr>
+        <p:blipFill>
+          <a:blip r:embed="rId3">
+            <a:alphaModFix/>
+          </a:blip>
+          <a:stretch>
+            <a:fillRect/>
+          </a:stretch>
+        </p:blipFill>
+        <p:spPr>
+          <a:xfrm>
+            <a:off x="4993950" y="1589700"/>
+            <a:ext cx="7046876" cy="2994300"/>
+          </a:xfrm>
+          <a:prstGeom prst="rect">
+            <a:avLst/>
+          </a:prstGeom>
+          <a:noFill/>
+          <a:ln>
+            <a:noFill/>
+          </a:ln>
+        </p:spPr>
+      </p:pic>
+    </p:spTree>
+  </p:cSld>
+  <p:clrMapOvr>
+    <a:masterClrMapping/>
+  </p:clrMapOvr>
+</p:sld>
+</file>
+
+<file path=ppt/slides/slide12.xml><?xml version="1.0" encoding="utf-8"?>
+<p:sld xmlns:a="http://schemas.openxmlformats.org/drawingml/2006/main" xmlns:r="http://schemas.openxmlformats.org/officeDocument/2006/relationships" xmlns:mc="http://schemas.openxmlformats.org/markup-compatibility/2006" xmlns:mv="urn:schemas-microsoft-com:mac:vml" xmlns:p="http://schemas.openxmlformats.org/presentationml/2006/main" xmlns:c="http://schemas.openxmlformats.org/drawingml/2006/chart" xmlns:dgm="http://schemas.openxmlformats.org/drawingml/2006/diagram" xmlns:o="urn:schemas-microsoft-com:office:office" xmlns:v="urn:schemas-microsoft-com:vml" xmlns:pvml="urn:schemas-microsoft-com:office:powerpoint" xmlns:com="http://schemas.openxmlformats.org/drawingml/2006/compatibility" xmlns:p14="http://schemas.microsoft.com/office/powerpoint/2010/main" xmlns:p15="http://schemas.microsoft.com/office/powerpoint/2012/main" xmlns:ahyp="http://schemas.microsoft.com/office/drawing/2018/hyperlinkcolor">
+  <p:cSld>
+    <p:spTree>
+      <p:nvGrpSpPr>
+        <p:cNvPr id="164" name="Shape 164"/>
+        <p:cNvGrpSpPr/>
+        <p:nvPr/>
+      </p:nvGrpSpPr>
+      <p:grpSpPr>
+        <a:xfrm>
+          <a:off x="0" y="0"/>
+          <a:ext cx="0" cy="0"/>
+          <a:chOff x="0" y="0"/>
+          <a:chExt cx="0" cy="0"/>
+        </a:xfrm>
+      </p:grpSpPr>
+      <p:sp>
+        <p:nvSpPr>
+          <p:cNvPr id="165" name="Google Shape;165;g32627264e13_0_89"/>
+          <p:cNvSpPr txBox="1"/>
+          <p:nvPr>
+            <p:ph type="title"/>
+          </p:nvPr>
+        </p:nvSpPr>
+        <p:spPr>
+          <a:xfrm>
+            <a:off x="338736" y="112543"/>
+            <a:ext cx="11514600" cy="436200"/>
+          </a:xfrm>
+          <a:prstGeom prst="rect">
+            <a:avLst/>
+          </a:prstGeom>
+          <a:noFill/>
+          <a:ln>
+            <a:noFill/>
+          </a:ln>
+        </p:spPr>
+        <p:txBody>
+          <a:bodyPr anchorCtr="0" anchor="t" bIns="45700" lIns="91425" spcFirstLastPara="1" rIns="91425" wrap="square" tIns="45700">
+            <a:noAutofit/>
+          </a:bodyPr>
+          <a:lstStyle/>
+          <a:p>
+            <a:pPr indent="0" lvl="0" marL="0" rtl="0" algn="l">
+              <a:lnSpc>
+                <a:spcPct val="90000"/>
+              </a:lnSpc>
+              <a:spcBef>
+                <a:spcPts val="0"/>
+              </a:spcBef>
+              <a:spcAft>
+                <a:spcPts val="0"/>
+              </a:spcAft>
+              <a:buClr>
+                <a:schemeClr val="lt1"/>
+              </a:buClr>
+              <a:buSzPts val="2800"/>
+              <a:buFont typeface="Lato"/>
+              <a:buNone/>
+            </a:pPr>
+            <a:r>
+              <a:rPr lang="en-US" sz="3600"/>
+              <a:t>Method 1</a:t>
+            </a:r>
+            <a:endParaRPr sz="3600"/>
+          </a:p>
+        </p:txBody>
+      </p:sp>
+      <p:sp>
+        <p:nvSpPr>
+          <p:cNvPr id="166" name="Google Shape;166;g32627264e13_0_89"/>
+          <p:cNvSpPr txBox="1"/>
+          <p:nvPr>
+            <p:ph idx="12" type="sldNum"/>
+          </p:nvPr>
+        </p:nvSpPr>
+        <p:spPr>
+          <a:xfrm>
+            <a:off x="9156511" y="6492875"/>
+            <a:ext cx="2743200" cy="365100"/>
+          </a:xfrm>
+          <a:prstGeom prst="rect">
+            <a:avLst/>
+          </a:prstGeom>
+          <a:noFill/>
+          <a:ln>
+            <a:noFill/>
+          </a:ln>
+        </p:spPr>
+        <p:txBody>
+          <a:bodyPr anchorCtr="0" anchor="t" bIns="45700" lIns="91425" spcFirstLastPara="1" rIns="91425" wrap="square" tIns="45700">
+            <a:noAutofit/>
+          </a:bodyPr>
+          <a:lstStyle/>
+          <a:p>
+            <a:pPr indent="0" lvl="0" marL="0" rtl="0" algn="r">
+              <a:spcBef>
+                <a:spcPts val="0"/>
+              </a:spcBef>
+              <a:spcAft>
+                <a:spcPts val="0"/>
+              </a:spcAft>
+              <a:buNone/>
+            </a:pPr>
+            <a:fld id="{00000000-1234-1234-1234-123412341234}" type="slidenum">
+              <a:rPr lang="en-US"/>
+              <a:t>‹#›</a:t>
+            </a:fld>
+            <a:endParaRPr/>
+          </a:p>
+        </p:txBody>
+      </p:sp>
+      <p:sp>
+        <p:nvSpPr>
+          <p:cNvPr id="167" name="Google Shape;167;g32627264e13_0_89"/>
           <p:cNvSpPr txBox="1"/>
           <p:nvPr>
             <p:ph idx="1" type="body"/>
@@ -15043,7 +16608,7 @@
                 <a:cs typeface="Arial"/>
                 <a:sym typeface="Arial"/>
               </a:rPr>
-              <a:t>Evaluation Metrics</a:t>
+              <a:t>1.1 Candidate Generation</a:t>
             </a:r>
             <a:endParaRPr sz="3700"/>
           </a:p>
@@ -15051,16 +16616,14 @@
       </p:sp>
       <p:sp>
         <p:nvSpPr>
-          <p:cNvPr id="148" name="Google Shape;148;g326235a0562_0_47"/>
+          <p:cNvPr id="168" name="Google Shape;168;g32627264e13_0_89"/>
           <p:cNvSpPr txBox="1"/>
-          <p:nvPr>
-            <p:ph idx="12" type="sldNum"/>
-          </p:nvPr>
+          <p:nvPr/>
         </p:nvSpPr>
         <p:spPr>
           <a:xfrm>
-            <a:off x="9156511" y="6492875"/>
-            <a:ext cx="2743200" cy="365100"/>
+            <a:off x="802225" y="1510198"/>
+            <a:ext cx="10587600" cy="3403200"/>
           </a:xfrm>
           <a:prstGeom prst="rect">
             <a:avLst/>
@@ -15071,49 +16634,7 @@
           </a:ln>
         </p:spPr>
         <p:txBody>
-          <a:bodyPr anchorCtr="0" anchor="t" bIns="45700" lIns="91425" spcFirstLastPara="1" rIns="91425" wrap="square" tIns="45700">
-            <a:noAutofit/>
-          </a:bodyPr>
-          <a:lstStyle/>
-          <a:p>
-            <a:pPr indent="0" lvl="0" marL="0" rtl="0" algn="r">
-              <a:spcBef>
-                <a:spcPts val="0"/>
-              </a:spcBef>
-              <a:spcAft>
-                <a:spcPts val="0"/>
-              </a:spcAft>
-              <a:buNone/>
-            </a:pPr>
-            <a:fld id="{00000000-1234-1234-1234-123412341234}" type="slidenum">
-              <a:rPr lang="en-US"/>
-              <a:t>‹#›</a:t>
-            </a:fld>
-            <a:endParaRPr/>
-          </a:p>
-        </p:txBody>
-      </p:sp>
-      <p:sp>
-        <p:nvSpPr>
-          <p:cNvPr id="149" name="Google Shape;149;g326235a0562_0_47"/>
-          <p:cNvSpPr txBox="1"/>
-          <p:nvPr/>
-        </p:nvSpPr>
-        <p:spPr>
-          <a:xfrm>
-            <a:off x="687775" y="1578849"/>
-            <a:ext cx="10816500" cy="2281800"/>
-          </a:xfrm>
-          <a:prstGeom prst="rect">
-            <a:avLst/>
-          </a:prstGeom>
-          <a:noFill/>
-          <a:ln>
-            <a:noFill/>
-          </a:ln>
-        </p:spPr>
-        <p:txBody>
-          <a:bodyPr anchorCtr="0" anchor="t" bIns="45700" lIns="91425" spcFirstLastPara="1" rIns="91425" wrap="square" tIns="45700">
+          <a:bodyPr anchorCtr="0" anchor="t" bIns="91425" lIns="91425" spcFirstLastPara="1" rIns="91425" wrap="square" tIns="91425">
             <a:spAutoFit/>
           </a:bodyPr>
           <a:lstStyle/>
@@ -15128,29 +16649,19 @@
               <a:spcAft>
                 <a:spcPts val="0"/>
               </a:spcAft>
-              <a:buClr>
-                <a:schemeClr val="dk1"/>
-              </a:buClr>
-              <a:buSzPts val="1100"/>
-              <a:buFont typeface="Arial"/>
               <a:buNone/>
             </a:pPr>
             <a:r>
-              <a:rPr b="1" lang="en-US" sz="2500">
-                <a:solidFill>
-                  <a:schemeClr val="dk1"/>
-                </a:solidFill>
-              </a:rPr>
-              <a:t>Evaluation Metrics</a:t>
+              <a:t/>
             </a:r>
-            <a:endParaRPr b="1" sz="2500">
+            <a:endParaRPr sz="2200">
               <a:solidFill>
                 <a:schemeClr val="dk1"/>
               </a:solidFill>
             </a:endParaRPr>
           </a:p>
           <a:p>
-            <a:pPr indent="-387350" lvl="0" marL="457200" rtl="0" algn="l">
+            <a:pPr indent="-368300" lvl="0" marL="457200" rtl="0" algn="l">
               <a:lnSpc>
                 <a:spcPct val="115000"/>
               </a:lnSpc>
@@ -15163,33 +16674,33 @@
               <a:buClr>
                 <a:schemeClr val="dk1"/>
               </a:buClr>
-              <a:buSzPts val="2500"/>
-              <a:buChar char="●"/>
+              <a:buSzPts val="2200"/>
+              <a:buAutoNum type="arabicPeriod"/>
             </a:pPr>
             <a:r>
-              <a:rPr b="1" lang="en-US" sz="2500">
+              <a:rPr b="1" lang="en-US" sz="2200">
                 <a:solidFill>
                   <a:schemeClr val="dk1"/>
                 </a:solidFill>
               </a:rPr>
-              <a:t>Metric:</a:t>
+              <a:t>Approach</a:t>
             </a:r>
             <a:r>
-              <a:rPr lang="en-US" sz="2500">
+              <a:rPr lang="en-US" sz="2200">
                 <a:solidFill>
                   <a:schemeClr val="dk1"/>
                 </a:solidFill>
               </a:rPr>
-              <a:t> Recall@20 (weighted by click, cart, and order importance).</a:t>
+              <a:t>:</a:t>
             </a:r>
-            <a:endParaRPr sz="2500">
+            <a:endParaRPr sz="2200">
               <a:solidFill>
                 <a:schemeClr val="dk1"/>
               </a:solidFill>
             </a:endParaRPr>
           </a:p>
           <a:p>
-            <a:pPr indent="-387350" lvl="0" marL="457200" rtl="0" algn="l">
+            <a:pPr indent="-368300" lvl="1" marL="914400" rtl="0" algn="l">
               <a:lnSpc>
                 <a:spcPct val="115000"/>
               </a:lnSpc>
@@ -15202,38 +16713,205 @@
               <a:buClr>
                 <a:schemeClr val="dk1"/>
               </a:buClr>
-              <a:buSzPts val="2500"/>
-              <a:buChar char="●"/>
+              <a:buSzPts val="2200"/>
+              <a:buChar char="○"/>
             </a:pPr>
             <a:r>
-              <a:rPr b="1" lang="en-US" sz="2500">
+              <a:rPr lang="en-US" sz="2200">
                 <a:solidFill>
                   <a:schemeClr val="dk1"/>
                 </a:solidFill>
               </a:rPr>
-              <a:t>Score Calculation:</a:t>
+              <a:t>Based on </a:t>
             </a:r>
-            <a:endParaRPr sz="2500">
+            <a:r>
+              <a:rPr b="1" lang="en-US" sz="2200">
+                <a:solidFill>
+                  <a:schemeClr val="dk1"/>
+                </a:solidFill>
+              </a:rPr>
+              <a:t>Co-visitation Matrix</a:t>
+            </a:r>
+            <a:r>
+              <a:rPr lang="en-US" sz="2200">
+                <a:solidFill>
+                  <a:schemeClr val="dk1"/>
+                </a:solidFill>
+              </a:rPr>
+              <a:t>:</a:t>
+            </a:r>
+            <a:endParaRPr sz="2200">
               <a:solidFill>
                 <a:schemeClr val="dk1"/>
               </a:solidFill>
             </a:endParaRPr>
           </a:p>
           <a:p>
-            <a:pPr indent="0" lvl="0" marL="0" rtl="0" algn="just">
-              <a:spcBef>
-                <a:spcPts val="1200"/>
-              </a:spcBef>
-              <a:spcAft>
-                <a:spcPts val="0"/>
-              </a:spcAft>
-              <a:buSzPts val="1100"/>
-              <a:buNone/>
+            <a:pPr indent="-368300" lvl="2" marL="1371600" rtl="0" algn="l">
+              <a:lnSpc>
+                <a:spcPct val="115000"/>
+              </a:lnSpc>
+              <a:spcBef>
+                <a:spcPts val="0"/>
+              </a:spcBef>
+              <a:spcAft>
+                <a:spcPts val="0"/>
+              </a:spcAft>
+              <a:buClr>
+                <a:schemeClr val="dk1"/>
+              </a:buClr>
+              <a:buSzPts val="2200"/>
+              <a:buChar char="■"/>
             </a:pPr>
             <a:r>
-              <a:t/>
+              <a:rPr lang="en-US" sz="2200">
+                <a:solidFill>
+                  <a:schemeClr val="dk1"/>
+                </a:solidFill>
+              </a:rPr>
+              <a:t>Click-to-click, Cart-to-cart, Buy-to-buy.</a:t>
             </a:r>
-            <a:endParaRPr b="1" sz="3600">
+            <a:endParaRPr sz="2200">
+              <a:solidFill>
+                <a:schemeClr val="dk1"/>
+              </a:solidFill>
+            </a:endParaRPr>
+          </a:p>
+          <a:p>
+            <a:pPr indent="-368300" lvl="2" marL="1371600" rtl="0" algn="l">
+              <a:lnSpc>
+                <a:spcPct val="115000"/>
+              </a:lnSpc>
+              <a:spcBef>
+                <a:spcPts val="0"/>
+              </a:spcBef>
+              <a:spcAft>
+                <a:spcPts val="0"/>
+              </a:spcAft>
+              <a:buClr>
+                <a:schemeClr val="dk1"/>
+              </a:buClr>
+              <a:buSzPts val="2200"/>
+              <a:buChar char="■"/>
+            </a:pPr>
+            <a:r>
+              <a:rPr lang="en-US" sz="2200">
+                <a:solidFill>
+                  <a:schemeClr val="dk1"/>
+                </a:solidFill>
+              </a:rPr>
+              <a:t>Assign weights based on time and interaction type.</a:t>
+            </a:r>
+            <a:endParaRPr sz="2200">
+              <a:solidFill>
+                <a:schemeClr val="dk1"/>
+              </a:solidFill>
+            </a:endParaRPr>
+          </a:p>
+          <a:p>
+            <a:pPr indent="-368300" lvl="1" marL="914400" rtl="0" algn="l">
+              <a:lnSpc>
+                <a:spcPct val="115000"/>
+              </a:lnSpc>
+              <a:spcBef>
+                <a:spcPts val="0"/>
+              </a:spcBef>
+              <a:spcAft>
+                <a:spcPts val="0"/>
+              </a:spcAft>
+              <a:buClr>
+                <a:schemeClr val="dk1"/>
+              </a:buClr>
+              <a:buSzPts val="2200"/>
+              <a:buChar char="○"/>
+            </a:pPr>
+            <a:r>
+              <a:rPr b="1" lang="en-US" sz="2200">
+                <a:solidFill>
+                  <a:schemeClr val="dk1"/>
+                </a:solidFill>
+              </a:rPr>
+              <a:t>Enhance diversity</a:t>
+            </a:r>
+            <a:r>
+              <a:rPr lang="en-US" sz="2200">
+                <a:solidFill>
+                  <a:schemeClr val="dk1"/>
+                </a:solidFill>
+              </a:rPr>
+              <a:t> by incorporating weights for recent interactions.</a:t>
+            </a:r>
+            <a:endParaRPr sz="2200">
+              <a:solidFill>
+                <a:schemeClr val="dk1"/>
+              </a:solidFill>
+            </a:endParaRPr>
+          </a:p>
+          <a:p>
+            <a:pPr indent="-368300" lvl="0" marL="457200" rtl="0" algn="l">
+              <a:lnSpc>
+                <a:spcPct val="115000"/>
+              </a:lnSpc>
+              <a:spcBef>
+                <a:spcPts val="0"/>
+              </a:spcBef>
+              <a:spcAft>
+                <a:spcPts val="0"/>
+              </a:spcAft>
+              <a:buClr>
+                <a:schemeClr val="dk1"/>
+              </a:buClr>
+              <a:buSzPts val="2200"/>
+              <a:buAutoNum type="arabicPeriod"/>
+            </a:pPr>
+            <a:r>
+              <a:rPr b="1" lang="en-US" sz="2200">
+                <a:solidFill>
+                  <a:schemeClr val="dk1"/>
+                </a:solidFill>
+              </a:rPr>
+              <a:t>Benefits</a:t>
+            </a:r>
+            <a:r>
+              <a:rPr lang="en-US" sz="2200">
+                <a:solidFill>
+                  <a:schemeClr val="dk1"/>
+                </a:solidFill>
+              </a:rPr>
+              <a:t>:</a:t>
+            </a:r>
+            <a:endParaRPr sz="2200">
+              <a:solidFill>
+                <a:schemeClr val="dk1"/>
+              </a:solidFill>
+            </a:endParaRPr>
+          </a:p>
+          <a:p>
+            <a:pPr indent="-368300" lvl="1" marL="914400" rtl="0" algn="l">
+              <a:lnSpc>
+                <a:spcPct val="115000"/>
+              </a:lnSpc>
+              <a:spcBef>
+                <a:spcPts val="0"/>
+              </a:spcBef>
+              <a:spcAft>
+                <a:spcPts val="0"/>
+              </a:spcAft>
+              <a:buClr>
+                <a:schemeClr val="dk1"/>
+              </a:buClr>
+              <a:buSzPts val="2200"/>
+              <a:buChar char="○"/>
+            </a:pPr>
+            <a:r>
+              <a:rPr lang="en-US" sz="2200">
+                <a:solidFill>
+                  <a:schemeClr val="dk1"/>
+                </a:solidFill>
+              </a:rPr>
+              <a:t>Improve recommendations for popular or contextually related products.</a:t>
+            </a:r>
+            <a:endParaRPr sz="2200">
               <a:solidFill>
                 <a:schemeClr val="dk1"/>
               </a:solidFill>
@@ -15241,34 +16919,6 @@
           </a:p>
         </p:txBody>
       </p:sp>
-      <p:pic>
-        <p:nvPicPr>
-          <p:cNvPr id="150" name="Google Shape;150;g326235a0562_0_47"/>
-          <p:cNvPicPr preferRelativeResize="0"/>
-          <p:nvPr/>
-        </p:nvPicPr>
-        <p:blipFill>
-          <a:blip r:embed="rId3">
-            <a:alphaModFix/>
-          </a:blip>
-          <a:stretch>
-            <a:fillRect/>
-          </a:stretch>
-        </p:blipFill>
-        <p:spPr>
-          <a:xfrm>
-            <a:off x="1288448" y="3458050"/>
-            <a:ext cx="9615150" cy="811450"/>
-          </a:xfrm>
-          <a:prstGeom prst="rect">
-            <a:avLst/>
-          </a:prstGeom>
-          <a:noFill/>
-          <a:ln>
-            <a:noFill/>
-          </a:ln>
-        </p:spPr>
-      </p:pic>
     </p:spTree>
   </p:cSld>
   <p:clrMapOvr>
@@ -15277,12 +16927,12 @@
 </p:sld>
 </file>
 
-<file path=ppt/slides/slide11.xml><?xml version="1.0" encoding="utf-8"?>
+<file path=ppt/slides/slide13.xml><?xml version="1.0" encoding="utf-8"?>
 <p:sld xmlns:a="http://schemas.openxmlformats.org/drawingml/2006/main" xmlns:r="http://schemas.openxmlformats.org/officeDocument/2006/relationships" xmlns:mc="http://schemas.openxmlformats.org/markup-compatibility/2006" xmlns:mv="urn:schemas-microsoft-com:mac:vml" xmlns:p="http://schemas.openxmlformats.org/presentationml/2006/main" xmlns:c="http://schemas.openxmlformats.org/drawingml/2006/chart" xmlns:dgm="http://schemas.openxmlformats.org/drawingml/2006/diagram" xmlns:o="urn:schemas-microsoft-com:office:office" xmlns:v="urn:schemas-microsoft-com:vml" xmlns:pvml="urn:schemas-microsoft-com:office:powerpoint" xmlns:com="http://schemas.openxmlformats.org/drawingml/2006/compatibility" xmlns:p14="http://schemas.microsoft.com/office/powerpoint/2010/main" xmlns:p15="http://schemas.microsoft.com/office/powerpoint/2012/main" xmlns:ahyp="http://schemas.microsoft.com/office/drawing/2018/hyperlinkcolor">
   <p:cSld>
     <p:spTree>
       <p:nvGrpSpPr>
-        <p:cNvPr id="154" name="Shape 154"/>
+        <p:cNvPr id="172" name="Shape 172"/>
         <p:cNvGrpSpPr/>
         <p:nvPr/>
       </p:nvGrpSpPr>
@@ -15296,84 +16946,7 @@
       </p:grpSpPr>
       <p:sp>
         <p:nvSpPr>
-          <p:cNvPr id="155" name="Google Shape;155;g326235a0562_0_43"/>
-          <p:cNvSpPr txBox="1"/>
-          <p:nvPr>
-            <p:ph type="title"/>
-          </p:nvPr>
-        </p:nvSpPr>
-        <p:spPr>
-          <a:xfrm>
-            <a:off x="4362370" y="2948220"/>
-            <a:ext cx="3467400" cy="961500"/>
-          </a:xfrm>
-          <a:prstGeom prst="rect">
-            <a:avLst/>
-          </a:prstGeom>
-          <a:noFill/>
-          <a:ln>
-            <a:noFill/>
-          </a:ln>
-        </p:spPr>
-        <p:txBody>
-          <a:bodyPr anchorCtr="0" anchor="t" bIns="45700" lIns="91425" spcFirstLastPara="1" rIns="91425" wrap="square" tIns="45700">
-            <a:noAutofit/>
-          </a:bodyPr>
-          <a:lstStyle/>
-          <a:p>
-            <a:pPr indent="0" lvl="0" marL="0" rtl="0" algn="ctr">
-              <a:lnSpc>
-                <a:spcPct val="90000"/>
-              </a:lnSpc>
-              <a:spcBef>
-                <a:spcPts val="0"/>
-              </a:spcBef>
-              <a:spcAft>
-                <a:spcPts val="0"/>
-              </a:spcAft>
-              <a:buClr>
-                <a:schemeClr val="lt1"/>
-              </a:buClr>
-              <a:buSzPts val="7200"/>
-              <a:buFont typeface="Lato"/>
-              <a:buNone/>
-            </a:pPr>
-            <a:r>
-              <a:rPr lang="en-US" sz="7200"/>
-              <a:t>Result</a:t>
-            </a:r>
-            <a:endParaRPr sz="7200"/>
-          </a:p>
-        </p:txBody>
-      </p:sp>
-    </p:spTree>
-  </p:cSld>
-  <p:clrMapOvr>
-    <a:masterClrMapping/>
-  </p:clrMapOvr>
-</p:sld>
-</file>
-
-<file path=ppt/slides/slide12.xml><?xml version="1.0" encoding="utf-8"?>
-<p:sld xmlns:a="http://schemas.openxmlformats.org/drawingml/2006/main" xmlns:r="http://schemas.openxmlformats.org/officeDocument/2006/relationships" xmlns:mc="http://schemas.openxmlformats.org/markup-compatibility/2006" xmlns:mv="urn:schemas-microsoft-com:mac:vml" xmlns:p="http://schemas.openxmlformats.org/presentationml/2006/main" xmlns:c="http://schemas.openxmlformats.org/drawingml/2006/chart" xmlns:dgm="http://schemas.openxmlformats.org/drawingml/2006/diagram" xmlns:o="urn:schemas-microsoft-com:office:office" xmlns:v="urn:schemas-microsoft-com:vml" xmlns:pvml="urn:schemas-microsoft-com:office:powerpoint" xmlns:com="http://schemas.openxmlformats.org/drawingml/2006/compatibility" xmlns:p14="http://schemas.microsoft.com/office/powerpoint/2010/main" xmlns:p15="http://schemas.microsoft.com/office/powerpoint/2012/main" xmlns:ahyp="http://schemas.microsoft.com/office/drawing/2018/hyperlinkcolor">
-  <p:cSld>
-    <p:spTree>
-      <p:nvGrpSpPr>
-        <p:cNvPr id="159" name="Shape 159"/>
-        <p:cNvGrpSpPr/>
-        <p:nvPr/>
-      </p:nvGrpSpPr>
-      <p:grpSpPr>
-        <a:xfrm>
-          <a:off x="0" y="0"/>
-          <a:ext cx="0" cy="0"/>
-          <a:chOff x="0" y="0"/>
-          <a:chExt cx="0" cy="0"/>
-        </a:xfrm>
-      </p:grpSpPr>
-      <p:sp>
-        <p:nvSpPr>
-          <p:cNvPr id="160" name="Google Shape;160;g326235a0562_0_57"/>
+          <p:cNvPr id="173" name="Google Shape;173;g32627264e13_0_100"/>
           <p:cNvSpPr txBox="1"/>
           <p:nvPr>
             <p:ph type="title"/>
@@ -15417,7 +16990,7 @@
             </a:pPr>
             <a:r>
               <a:rPr lang="en-US" sz="3600"/>
-              <a:t>Result</a:t>
+              <a:t>Method 1</a:t>
             </a:r>
             <a:endParaRPr sz="3600"/>
           </a:p>
@@ -15425,7 +16998,7 @@
       </p:sp>
       <p:sp>
         <p:nvSpPr>
-          <p:cNvPr id="161" name="Google Shape;161;g326235a0562_0_57"/>
+          <p:cNvPr id="174" name="Google Shape;174;g32627264e13_0_100"/>
           <p:cNvSpPr txBox="1"/>
           <p:nvPr>
             <p:ph idx="12" type="sldNum"/>
@@ -15469,178 +17042,16 @@
       </p:sp>
       <p:sp>
         <p:nvSpPr>
-          <p:cNvPr id="162" name="Google Shape;162;g326235a0562_0_57"/>
-          <p:cNvSpPr txBox="1"/>
-          <p:nvPr/>
-        </p:nvSpPr>
-        <p:spPr>
-          <a:xfrm>
-            <a:off x="687775" y="1578849"/>
-            <a:ext cx="10816500" cy="2628900"/>
-          </a:xfrm>
-          <a:prstGeom prst="rect">
-            <a:avLst/>
-          </a:prstGeom>
-          <a:noFill/>
-          <a:ln>
-            <a:noFill/>
-          </a:ln>
-        </p:spPr>
-        <p:txBody>
-          <a:bodyPr anchorCtr="0" anchor="t" bIns="45700" lIns="91425" spcFirstLastPara="1" rIns="91425" wrap="square" tIns="45700">
-            <a:spAutoFit/>
-          </a:bodyPr>
-          <a:lstStyle/>
-          <a:p>
-            <a:pPr indent="0" lvl="0" marL="0" rtl="0" algn="just">
-              <a:spcBef>
-                <a:spcPts val="0"/>
-              </a:spcBef>
-              <a:spcAft>
-                <a:spcPts val="0"/>
-              </a:spcAft>
-              <a:buClr>
-                <a:schemeClr val="dk1"/>
-              </a:buClr>
-              <a:buSzPts val="1100"/>
-              <a:buFont typeface="Arial"/>
-              <a:buNone/>
-            </a:pPr>
-            <a:r>
-              <a:rPr b="1" lang="en-US" sz="2400">
-                <a:solidFill>
-                  <a:schemeClr val="dk1"/>
-                </a:solidFill>
-              </a:rPr>
-              <a:t>Performance Comparison:</a:t>
-            </a:r>
-            <a:endParaRPr b="1" sz="2400">
-              <a:solidFill>
-                <a:schemeClr val="dk1"/>
-              </a:solidFill>
-            </a:endParaRPr>
-          </a:p>
-          <a:p>
-            <a:pPr indent="-381000" lvl="0" marL="457200" rtl="0" algn="l">
-              <a:lnSpc>
-                <a:spcPct val="115000"/>
-              </a:lnSpc>
-              <a:spcBef>
-                <a:spcPts val="1200"/>
-              </a:spcBef>
-              <a:spcAft>
-                <a:spcPts val="0"/>
-              </a:spcAft>
-              <a:buClr>
-                <a:schemeClr val="dk1"/>
-              </a:buClr>
-              <a:buSzPts val="2400"/>
-              <a:buChar char="●"/>
-            </a:pPr>
-            <a:r>
-              <a:rPr lang="en-US" sz="2400">
-                <a:solidFill>
-                  <a:schemeClr val="dk1"/>
-                </a:solidFill>
-              </a:rPr>
-              <a:t>Best Recall@20 for clicks, carts, and orders achieved with GNN approach.</a:t>
-            </a:r>
-            <a:endParaRPr sz="2400">
-              <a:solidFill>
-                <a:schemeClr val="dk1"/>
-              </a:solidFill>
-            </a:endParaRPr>
-          </a:p>
-          <a:p>
-            <a:pPr indent="-381000" lvl="0" marL="457200" rtl="0" algn="l">
-              <a:lnSpc>
-                <a:spcPct val="115000"/>
-              </a:lnSpc>
-              <a:spcBef>
-                <a:spcPts val="0"/>
-              </a:spcBef>
-              <a:spcAft>
-                <a:spcPts val="0"/>
-              </a:spcAft>
-              <a:buClr>
-                <a:schemeClr val="dk1"/>
-              </a:buClr>
-              <a:buSzPts val="2400"/>
-              <a:buChar char="●"/>
-            </a:pPr>
-            <a:r>
-              <a:rPr lang="en-US" sz="2400">
-                <a:solidFill>
-                  <a:schemeClr val="dk1"/>
-                </a:solidFill>
-              </a:rPr>
-              <a:t>Classical methods also showed competitive results with optimized feature engineering.</a:t>
-            </a:r>
-            <a:endParaRPr sz="2400">
-              <a:solidFill>
-                <a:schemeClr val="dk1"/>
-              </a:solidFill>
-            </a:endParaRPr>
-          </a:p>
-          <a:p>
-            <a:pPr indent="0" lvl="0" marL="0" rtl="0" algn="just">
-              <a:spcBef>
-                <a:spcPts val="1200"/>
-              </a:spcBef>
-              <a:spcAft>
-                <a:spcPts val="0"/>
-              </a:spcAft>
-              <a:buSzPts val="1100"/>
-              <a:buNone/>
-            </a:pPr>
-            <a:r>
-              <a:t/>
-            </a:r>
-            <a:endParaRPr b="1" sz="3800">
-              <a:solidFill>
-                <a:schemeClr val="dk1"/>
-              </a:solidFill>
-            </a:endParaRPr>
-          </a:p>
-        </p:txBody>
-      </p:sp>
-    </p:spTree>
-  </p:cSld>
-  <p:clrMapOvr>
-    <a:masterClrMapping/>
-  </p:clrMapOvr>
-</p:sld>
-</file>
-
-<file path=ppt/slides/slide13.xml><?xml version="1.0" encoding="utf-8"?>
-<p:sld xmlns:a="http://schemas.openxmlformats.org/drawingml/2006/main" xmlns:r="http://schemas.openxmlformats.org/officeDocument/2006/relationships" xmlns:mc="http://schemas.openxmlformats.org/markup-compatibility/2006" xmlns:mv="urn:schemas-microsoft-com:mac:vml" xmlns:p="http://schemas.openxmlformats.org/presentationml/2006/main" xmlns:c="http://schemas.openxmlformats.org/drawingml/2006/chart" xmlns:dgm="http://schemas.openxmlformats.org/drawingml/2006/diagram" xmlns:o="urn:schemas-microsoft-com:office:office" xmlns:v="urn:schemas-microsoft-com:vml" xmlns:pvml="urn:schemas-microsoft-com:office:powerpoint" xmlns:com="http://schemas.openxmlformats.org/drawingml/2006/compatibility" xmlns:p14="http://schemas.microsoft.com/office/powerpoint/2010/main" xmlns:p15="http://schemas.microsoft.com/office/powerpoint/2012/main" xmlns:ahyp="http://schemas.microsoft.com/office/drawing/2018/hyperlinkcolor">
-  <p:cSld>
-    <p:spTree>
-      <p:nvGrpSpPr>
-        <p:cNvPr id="166" name="Shape 166"/>
-        <p:cNvGrpSpPr/>
-        <p:nvPr/>
-      </p:nvGrpSpPr>
-      <p:grpSpPr>
-        <a:xfrm>
-          <a:off x="0" y="0"/>
-          <a:ext cx="0" cy="0"/>
-          <a:chOff x="0" y="0"/>
-          <a:chExt cx="0" cy="0"/>
-        </a:xfrm>
-      </p:grpSpPr>
-      <p:sp>
-        <p:nvSpPr>
-          <p:cNvPr id="167" name="Google Shape;167;g326235a0562_0_66"/>
+          <p:cNvPr id="175" name="Google Shape;175;g32627264e13_0_100"/>
           <p:cNvSpPr txBox="1"/>
           <p:nvPr>
-            <p:ph type="title"/>
+            <p:ph idx="1" type="body"/>
           </p:nvPr>
         </p:nvSpPr>
         <p:spPr>
           <a:xfrm>
-            <a:off x="3576002" y="2948250"/>
-            <a:ext cx="5040000" cy="961500"/>
+            <a:off x="338736" y="958689"/>
+            <a:ext cx="11514600" cy="436200"/>
           </a:xfrm>
           <a:prstGeom prst="rect">
             <a:avLst/>
@@ -15656,7 +17067,7 @@
           </a:bodyPr>
           <a:lstStyle/>
           <a:p>
-            <a:pPr indent="0" lvl="0" marL="0" rtl="0" algn="ctr">
+            <a:pPr indent="0" lvl="0" marL="0" rtl="0" algn="l">
               <a:lnSpc>
                 <a:spcPct val="90000"/>
               </a:lnSpc>
@@ -15667,17 +17078,298 @@
                 <a:spcPts val="0"/>
               </a:spcAft>
               <a:buClr>
-                <a:schemeClr val="lt1"/>
+                <a:schemeClr val="dk1"/>
               </a:buClr>
-              <a:buSzPts val="7200"/>
-              <a:buFont typeface="Lato"/>
+              <a:buSzPts val="2400"/>
               <a:buNone/>
             </a:pPr>
             <a:r>
-              <a:rPr lang="en-US" sz="7200"/>
-              <a:t>Conclusion</a:t>
+              <a:rPr b="1" lang="en-US" sz="3200">
+                <a:latin typeface="Arial"/>
+                <a:ea typeface="Arial"/>
+                <a:cs typeface="Arial"/>
+                <a:sym typeface="Arial"/>
+              </a:rPr>
+              <a:t>1.2 Feature Engineering</a:t>
             </a:r>
-            <a:endParaRPr sz="7200"/>
+            <a:endParaRPr sz="3700"/>
+          </a:p>
+        </p:txBody>
+      </p:sp>
+      <p:pic>
+        <p:nvPicPr>
+          <p:cNvPr id="176" name="Google Shape;176;g32627264e13_0_100"/>
+          <p:cNvPicPr preferRelativeResize="0"/>
+          <p:nvPr/>
+        </p:nvPicPr>
+        <p:blipFill>
+          <a:blip r:embed="rId3">
+            <a:alphaModFix/>
+          </a:blip>
+          <a:stretch>
+            <a:fillRect/>
+          </a:stretch>
+        </p:blipFill>
+        <p:spPr>
+          <a:xfrm>
+            <a:off x="338725" y="2091750"/>
+            <a:ext cx="7434425" cy="3298275"/>
+          </a:xfrm>
+          <a:prstGeom prst="rect">
+            <a:avLst/>
+          </a:prstGeom>
+          <a:noFill/>
+          <a:ln>
+            <a:noFill/>
+          </a:ln>
+        </p:spPr>
+      </p:pic>
+      <p:sp>
+        <p:nvSpPr>
+          <p:cNvPr id="177" name="Google Shape;177;g32627264e13_0_100"/>
+          <p:cNvSpPr txBox="1"/>
+          <p:nvPr/>
+        </p:nvSpPr>
+        <p:spPr>
+          <a:xfrm>
+            <a:off x="8497325" y="1237200"/>
+            <a:ext cx="3000000" cy="4383600"/>
+          </a:xfrm>
+          <a:prstGeom prst="rect">
+            <a:avLst/>
+          </a:prstGeom>
+          <a:noFill/>
+          <a:ln>
+            <a:noFill/>
+          </a:ln>
+        </p:spPr>
+        <p:txBody>
+          <a:bodyPr anchorCtr="0" anchor="t" bIns="91425" lIns="91425" spcFirstLastPara="1" rIns="91425" wrap="square" tIns="91425">
+            <a:spAutoFit/>
+          </a:bodyPr>
+          <a:lstStyle/>
+          <a:p>
+            <a:pPr indent="0" lvl="0" marL="0" rtl="0" algn="l">
+              <a:spcBef>
+                <a:spcPts val="0"/>
+              </a:spcBef>
+              <a:spcAft>
+                <a:spcPts val="0"/>
+              </a:spcAft>
+              <a:buNone/>
+            </a:pPr>
+            <a:r>
+              <a:rPr b="1" lang="en-US" sz="1600">
+                <a:solidFill>
+                  <a:schemeClr val="dk1"/>
+                </a:solidFill>
+              </a:rPr>
+              <a:t>Feature Types</a:t>
+            </a:r>
+            <a:r>
+              <a:rPr lang="en-US" sz="1600">
+                <a:solidFill>
+                  <a:schemeClr val="dk1"/>
+                </a:solidFill>
+              </a:rPr>
+              <a:t>:</a:t>
+            </a:r>
+            <a:endParaRPr sz="1600">
+              <a:solidFill>
+                <a:schemeClr val="dk1"/>
+              </a:solidFill>
+            </a:endParaRPr>
+          </a:p>
+          <a:p>
+            <a:pPr indent="-330200" lvl="0" marL="457200" rtl="0" algn="l">
+              <a:lnSpc>
+                <a:spcPct val="115000"/>
+              </a:lnSpc>
+              <a:spcBef>
+                <a:spcPts val="1200"/>
+              </a:spcBef>
+              <a:spcAft>
+                <a:spcPts val="0"/>
+              </a:spcAft>
+              <a:buClr>
+                <a:schemeClr val="dk1"/>
+              </a:buClr>
+              <a:buSzPts val="1600"/>
+              <a:buChar char="●"/>
+            </a:pPr>
+            <a:r>
+              <a:rPr b="1" lang="en-US" sz="1600">
+                <a:solidFill>
+                  <a:schemeClr val="dk1"/>
+                </a:solidFill>
+              </a:rPr>
+              <a:t>Session-level</a:t>
+            </a:r>
+            <a:r>
+              <a:rPr lang="en-US" sz="1600">
+                <a:solidFill>
+                  <a:schemeClr val="dk1"/>
+                </a:solidFill>
+              </a:rPr>
+              <a:t>: Frequency, interaction timing.</a:t>
+            </a:r>
+            <a:endParaRPr sz="1600">
+              <a:solidFill>
+                <a:schemeClr val="dk1"/>
+              </a:solidFill>
+            </a:endParaRPr>
+          </a:p>
+          <a:p>
+            <a:pPr indent="-330200" lvl="0" marL="457200" rtl="0" algn="l">
+              <a:lnSpc>
+                <a:spcPct val="115000"/>
+              </a:lnSpc>
+              <a:spcBef>
+                <a:spcPts val="0"/>
+              </a:spcBef>
+              <a:spcAft>
+                <a:spcPts val="0"/>
+              </a:spcAft>
+              <a:buClr>
+                <a:schemeClr val="dk1"/>
+              </a:buClr>
+              <a:buSzPts val="1600"/>
+              <a:buChar char="●"/>
+            </a:pPr>
+            <a:r>
+              <a:rPr b="1" lang="en-US" sz="1600">
+                <a:solidFill>
+                  <a:schemeClr val="dk1"/>
+                </a:solidFill>
+              </a:rPr>
+              <a:t>Item-level</a:t>
+            </a:r>
+            <a:r>
+              <a:rPr lang="en-US" sz="1600">
+                <a:solidFill>
+                  <a:schemeClr val="dk1"/>
+                </a:solidFill>
+              </a:rPr>
+              <a:t>: Popularity, rank in the session.</a:t>
+            </a:r>
+            <a:endParaRPr sz="1600">
+              <a:solidFill>
+                <a:schemeClr val="dk1"/>
+              </a:solidFill>
+            </a:endParaRPr>
+          </a:p>
+          <a:p>
+            <a:pPr indent="-330200" lvl="0" marL="457200" rtl="0" algn="l">
+              <a:lnSpc>
+                <a:spcPct val="115000"/>
+              </a:lnSpc>
+              <a:spcBef>
+                <a:spcPts val="0"/>
+              </a:spcBef>
+              <a:spcAft>
+                <a:spcPts val="0"/>
+              </a:spcAft>
+              <a:buClr>
+                <a:schemeClr val="dk1"/>
+              </a:buClr>
+              <a:buSzPts val="1600"/>
+              <a:buChar char="●"/>
+            </a:pPr>
+            <a:r>
+              <a:rPr b="1" lang="en-US" sz="1600">
+                <a:solidFill>
+                  <a:schemeClr val="dk1"/>
+                </a:solidFill>
+              </a:rPr>
+              <a:t>Temporal Features</a:t>
+            </a:r>
+            <a:r>
+              <a:rPr lang="en-US" sz="1600">
+                <a:solidFill>
+                  <a:schemeClr val="dk1"/>
+                </a:solidFill>
+              </a:rPr>
+              <a:t>: Time since the last interaction.</a:t>
+            </a:r>
+            <a:endParaRPr sz="1600">
+              <a:solidFill>
+                <a:schemeClr val="dk1"/>
+              </a:solidFill>
+            </a:endParaRPr>
+          </a:p>
+          <a:p>
+            <a:pPr indent="-330200" lvl="0" marL="457200" rtl="0" algn="l">
+              <a:lnSpc>
+                <a:spcPct val="115000"/>
+              </a:lnSpc>
+              <a:spcBef>
+                <a:spcPts val="0"/>
+              </a:spcBef>
+              <a:spcAft>
+                <a:spcPts val="0"/>
+              </a:spcAft>
+              <a:buClr>
+                <a:schemeClr val="dk1"/>
+              </a:buClr>
+              <a:buSzPts val="1600"/>
+              <a:buChar char="●"/>
+            </a:pPr>
+            <a:r>
+              <a:rPr b="1" lang="en-US" sz="1600">
+                <a:solidFill>
+                  <a:schemeClr val="dk1"/>
+                </a:solidFill>
+              </a:rPr>
+              <a:t>Similarity Features</a:t>
+            </a:r>
+            <a:r>
+              <a:rPr lang="en-US" sz="1600">
+                <a:solidFill>
+                  <a:schemeClr val="dk1"/>
+                </a:solidFill>
+              </a:rPr>
+              <a:t>: Item-item similarity (using Word2Vec or Matrix Factorization).</a:t>
+            </a:r>
+            <a:endParaRPr sz="1600">
+              <a:solidFill>
+                <a:schemeClr val="dk1"/>
+              </a:solidFill>
+            </a:endParaRPr>
+          </a:p>
+          <a:p>
+            <a:pPr indent="0" lvl="0" marL="0" rtl="0" algn="l">
+              <a:lnSpc>
+                <a:spcPct val="115000"/>
+              </a:lnSpc>
+              <a:spcBef>
+                <a:spcPts val="1200"/>
+              </a:spcBef>
+              <a:spcAft>
+                <a:spcPts val="0"/>
+              </a:spcAft>
+              <a:buNone/>
+            </a:pPr>
+            <a:r>
+              <a:rPr b="1" lang="en-US" sz="1600">
+                <a:solidFill>
+                  <a:schemeClr val="dk1"/>
+                </a:solidFill>
+              </a:rPr>
+              <a:t>Total Features</a:t>
+            </a:r>
+            <a:r>
+              <a:rPr lang="en-US" sz="1600">
+                <a:solidFill>
+                  <a:schemeClr val="dk1"/>
+                </a:solidFill>
+              </a:rPr>
+              <a:t>: ~200.</a:t>
+            </a:r>
+            <a:endParaRPr sz="1600">
+              <a:solidFill>
+                <a:schemeClr val="dk1"/>
+              </a:solidFill>
+            </a:endParaRPr>
           </a:p>
         </p:txBody>
       </p:sp>
@@ -15694,7 +17386,7 @@
   <p:cSld>
     <p:spTree>
       <p:nvGrpSpPr>
-        <p:cNvPr id="171" name="Shape 171"/>
+        <p:cNvPr id="181" name="Shape 181"/>
         <p:cNvGrpSpPr/>
         <p:nvPr/>
       </p:nvGrpSpPr>
@@ -15708,7 +17400,7 @@
       </p:grpSpPr>
       <p:sp>
         <p:nvSpPr>
-          <p:cNvPr id="172" name="Google Shape;172;g326235a0562_0_70"/>
+          <p:cNvPr id="182" name="Google Shape;182;g32627264e13_0_40"/>
           <p:cNvSpPr txBox="1"/>
           <p:nvPr>
             <p:ph type="title"/>
@@ -15735,46 +17427,10 @@
           <a:p>
             <a:pPr indent="0" lvl="0" marL="0" rtl="0" algn="l">
               <a:lnSpc>
-                <a:spcPct val="115000"/>
-              </a:lnSpc>
-              <a:spcBef>
-                <a:spcPts val="1200"/>
-              </a:spcBef>
-              <a:spcAft>
-                <a:spcPts val="0"/>
-              </a:spcAft>
-              <a:buClr>
-                <a:schemeClr val="dk1"/>
-              </a:buClr>
-              <a:buSzPts val="1100"/>
-              <a:buFont typeface="Arial"/>
-              <a:buNone/>
-            </a:pPr>
-            <a:r>
-              <a:rPr lang="en-US" sz="1700">
-                <a:solidFill>
-                  <a:schemeClr val="dk1"/>
-                </a:solidFill>
-                <a:latin typeface="Arial"/>
-                <a:ea typeface="Arial"/>
-                <a:cs typeface="Arial"/>
-                <a:sym typeface="Arial"/>
-              </a:rPr>
-              <a:t>Conclusion &amp; Future Work</a:t>
-            </a:r>
-            <a:endParaRPr b="0" sz="3700">
-              <a:solidFill>
-                <a:schemeClr val="dk1"/>
-              </a:solidFill>
-            </a:endParaRPr>
-          </a:p>
-          <a:p>
-            <a:pPr indent="0" lvl="0" marL="0" rtl="0" algn="l">
-              <a:lnSpc>
                 <a:spcPct val="90000"/>
               </a:lnSpc>
               <a:spcBef>
-                <a:spcPts val="200"/>
+                <a:spcPts val="0"/>
               </a:spcBef>
               <a:spcAft>
                 <a:spcPts val="0"/>
@@ -15787,7 +17443,8 @@
               <a:buNone/>
             </a:pPr>
             <a:r>
-              <a:t/>
+              <a:rPr lang="en-US" sz="3600"/>
+              <a:t>Method 1</a:t>
             </a:r>
             <a:endParaRPr sz="3600"/>
           </a:p>
@@ -15795,7 +17452,7 @@
       </p:sp>
       <p:sp>
         <p:nvSpPr>
-          <p:cNvPr id="173" name="Google Shape;173;g326235a0562_0_70"/>
+          <p:cNvPr id="183" name="Google Shape;183;g32627264e13_0_40"/>
           <p:cNvSpPr txBox="1"/>
           <p:nvPr>
             <p:ph idx="12" type="sldNum"/>
@@ -15839,14 +17496,16 @@
       </p:sp>
       <p:sp>
         <p:nvSpPr>
-          <p:cNvPr id="174" name="Google Shape;174;g326235a0562_0_70"/>
+          <p:cNvPr id="184" name="Google Shape;184;g32627264e13_0_40"/>
           <p:cNvSpPr txBox="1"/>
-          <p:nvPr/>
+          <p:nvPr>
+            <p:ph idx="1" type="body"/>
+          </p:nvPr>
         </p:nvSpPr>
         <p:spPr>
           <a:xfrm>
-            <a:off x="687775" y="1578849"/>
-            <a:ext cx="10816500" cy="3664800"/>
+            <a:off x="338736" y="958689"/>
+            <a:ext cx="11514600" cy="436200"/>
           </a:xfrm>
           <a:prstGeom prst="rect">
             <a:avLst/>
@@ -15858,6 +17517,88 @@
         </p:spPr>
         <p:txBody>
           <a:bodyPr anchorCtr="0" anchor="t" bIns="45700" lIns="91425" spcFirstLastPara="1" rIns="91425" wrap="square" tIns="45700">
+            <a:noAutofit/>
+          </a:bodyPr>
+          <a:lstStyle/>
+          <a:p>
+            <a:pPr indent="0" lvl="0" marL="0" rtl="0" algn="l">
+              <a:lnSpc>
+                <a:spcPct val="90000"/>
+              </a:lnSpc>
+              <a:spcBef>
+                <a:spcPts val="0"/>
+              </a:spcBef>
+              <a:spcAft>
+                <a:spcPts val="0"/>
+              </a:spcAft>
+              <a:buClr>
+                <a:schemeClr val="dk1"/>
+              </a:buClr>
+              <a:buSzPts val="2400"/>
+              <a:buNone/>
+            </a:pPr>
+            <a:r>
+              <a:rPr b="1" lang="en-US" sz="3200">
+                <a:latin typeface="Arial"/>
+                <a:ea typeface="Arial"/>
+                <a:cs typeface="Arial"/>
+                <a:sym typeface="Arial"/>
+              </a:rPr>
+              <a:t>1.3 Reranking</a:t>
+            </a:r>
+            <a:endParaRPr sz="3700"/>
+          </a:p>
+        </p:txBody>
+      </p:sp>
+      <p:pic>
+        <p:nvPicPr>
+          <p:cNvPr id="185" name="Google Shape;185;g32627264e13_0_40"/>
+          <p:cNvPicPr preferRelativeResize="0"/>
+          <p:nvPr/>
+        </p:nvPicPr>
+        <p:blipFill>
+          <a:blip r:embed="rId3">
+            <a:alphaModFix/>
+          </a:blip>
+          <a:stretch>
+            <a:fillRect/>
+          </a:stretch>
+        </p:blipFill>
+        <p:spPr>
+          <a:xfrm>
+            <a:off x="1574525" y="1530012"/>
+            <a:ext cx="9042939" cy="2796913"/>
+          </a:xfrm>
+          <a:prstGeom prst="rect">
+            <a:avLst/>
+          </a:prstGeom>
+          <a:noFill/>
+          <a:ln>
+            <a:noFill/>
+          </a:ln>
+        </p:spPr>
+      </p:pic>
+      <p:sp>
+        <p:nvSpPr>
+          <p:cNvPr id="186" name="Google Shape;186;g32627264e13_0_40"/>
+          <p:cNvSpPr txBox="1"/>
+          <p:nvPr/>
+        </p:nvSpPr>
+        <p:spPr>
+          <a:xfrm>
+            <a:off x="2475150" y="4355550"/>
+            <a:ext cx="7241700" cy="1803900"/>
+          </a:xfrm>
+          <a:prstGeom prst="rect">
+            <a:avLst/>
+          </a:prstGeom>
+          <a:noFill/>
+          <a:ln>
+            <a:noFill/>
+          </a:ln>
+        </p:spPr>
+        <p:txBody>
+          <a:bodyPr anchorCtr="0" anchor="t" bIns="91425" lIns="91425" spcFirstLastPara="1" rIns="91425" wrap="square" tIns="91425">
             <a:spAutoFit/>
           </a:bodyPr>
           <a:lstStyle/>
@@ -15872,29 +17613,32 @@
               <a:spcAft>
                 <a:spcPts val="0"/>
               </a:spcAft>
-              <a:buClr>
-                <a:schemeClr val="dk1"/>
-              </a:buClr>
-              <a:buSzPts val="1100"/>
-              <a:buFont typeface="Arial"/>
               <a:buNone/>
             </a:pPr>
             <a:r>
-              <a:rPr b="1" lang="en-US" sz="2200">
+              <a:rPr b="1" lang="en-US" sz="1700">
                 <a:solidFill>
                   <a:schemeClr val="dk1"/>
                 </a:solidFill>
               </a:rPr>
-              <a:t>Conclusion &amp; Future Work</a:t>
+              <a:t>Process</a:t>
             </a:r>
-            <a:endParaRPr b="1" sz="2200">
+            <a:r>
+              <a:rPr lang="en-US" sz="1700">
+                <a:solidFill>
+                  <a:schemeClr val="dk1"/>
+                </a:solidFill>
+              </a:rPr>
+              <a:t>:</a:t>
+            </a:r>
+            <a:endParaRPr sz="1700">
               <a:solidFill>
                 <a:schemeClr val="dk1"/>
               </a:solidFill>
             </a:endParaRPr>
           </a:p>
           <a:p>
-            <a:pPr indent="-368300" lvl="0" marL="457200" rtl="0" algn="l">
+            <a:pPr indent="-336550" lvl="0" marL="457200" rtl="0" algn="l">
               <a:lnSpc>
                 <a:spcPct val="115000"/>
               </a:lnSpc>
@@ -15907,33 +17651,25 @@
               <a:buClr>
                 <a:schemeClr val="dk1"/>
               </a:buClr>
-              <a:buSzPts val="2200"/>
+              <a:buSzPts val="1700"/>
               <a:buChar char="●"/>
             </a:pPr>
             <a:r>
-              <a:rPr b="1" lang="en-US" sz="2200">
+              <a:rPr lang="en-US" sz="1700">
                 <a:solidFill>
                   <a:schemeClr val="dk1"/>
                 </a:solidFill>
               </a:rPr>
-              <a:t>Conclusion:</a:t>
+              <a:t>Assign labels:</a:t>
             </a:r>
-            <a:r>
-              <a:rPr lang="en-US" sz="2200">
-                <a:solidFill>
-                  <a:schemeClr val="dk1"/>
-                </a:solidFill>
-              </a:rPr>
-              <a:t> SBRS effectively predicts session-based actions, enhancing personalization in e-commerce.</a:t>
-            </a:r>
-            <a:endParaRPr sz="2200">
+            <a:endParaRPr sz="1700">
               <a:solidFill>
                 <a:schemeClr val="dk1"/>
               </a:solidFill>
             </a:endParaRPr>
           </a:p>
           <a:p>
-            <a:pPr indent="-368300" lvl="0" marL="457200" rtl="0" algn="l">
+            <a:pPr indent="-336550" lvl="1" marL="914400" rtl="0" algn="l">
               <a:lnSpc>
                 <a:spcPct val="115000"/>
               </a:lnSpc>
@@ -15946,25 +17682,33 @@
               <a:buClr>
                 <a:schemeClr val="dk1"/>
               </a:buClr>
-              <a:buSzPts val="2200"/>
-              <a:buChar char="●"/>
+              <a:buSzPts val="1700"/>
+              <a:buChar char="○"/>
             </a:pPr>
             <a:r>
-              <a:rPr b="1" lang="en-US" sz="2200">
+              <a:rPr b="1" lang="en-US" sz="1700">
                 <a:solidFill>
                   <a:schemeClr val="dk1"/>
                 </a:solidFill>
               </a:rPr>
-              <a:t>Future Work:</a:t>
+              <a:t>1</a:t>
             </a:r>
-            <a:endParaRPr b="1" sz="2200">
+            <a:r>
+              <a:rPr lang="en-US" sz="1700">
+                <a:solidFill>
+                  <a:schemeClr val="dk1"/>
+                </a:solidFill>
+              </a:rPr>
+              <a:t>: If the product was clicked, added to cart, or ordered.</a:t>
+            </a:r>
+            <a:endParaRPr sz="1700">
               <a:solidFill>
                 <a:schemeClr val="dk1"/>
               </a:solidFill>
             </a:endParaRPr>
           </a:p>
           <a:p>
-            <a:pPr indent="-368300" lvl="1" marL="914400" rtl="0" algn="l">
+            <a:pPr indent="-336550" lvl="1" marL="914400" rtl="0" algn="l">
               <a:lnSpc>
                 <a:spcPct val="115000"/>
               </a:lnSpc>
@@ -15977,25 +17721,33 @@
               <a:buClr>
                 <a:schemeClr val="dk1"/>
               </a:buClr>
-              <a:buSzPts val="2200"/>
+              <a:buSzPts val="1700"/>
               <a:buChar char="○"/>
             </a:pPr>
             <a:r>
-              <a:rPr lang="en-US" sz="2200">
+              <a:rPr b="1" lang="en-US" sz="1700">
                 <a:solidFill>
                   <a:schemeClr val="dk1"/>
                 </a:solidFill>
               </a:rPr>
-              <a:t>Incorporate Transformer-based embeddings.</a:t>
+              <a:t>0</a:t>
             </a:r>
-            <a:endParaRPr sz="2200">
+            <a:r>
+              <a:rPr lang="en-US" sz="1700">
+                <a:solidFill>
+                  <a:schemeClr val="dk1"/>
+                </a:solidFill>
+              </a:rPr>
+              <a:t>: Otherwise.</a:t>
+            </a:r>
+            <a:endParaRPr sz="1700">
               <a:solidFill>
                 <a:schemeClr val="dk1"/>
               </a:solidFill>
             </a:endParaRPr>
           </a:p>
           <a:p>
-            <a:pPr indent="-368300" lvl="1" marL="914400" rtl="0" algn="l">
+            <a:pPr indent="-336550" lvl="0" marL="457200" rtl="0" algn="l">
               <a:lnSpc>
                 <a:spcPct val="115000"/>
               </a:lnSpc>
@@ -16008,69 +17760,18 @@
               <a:buClr>
                 <a:schemeClr val="dk1"/>
               </a:buClr>
-              <a:buSzPts val="2200"/>
-              <a:buChar char="○"/>
+              <a:buSzPts val="1700"/>
+              <a:buChar char="●"/>
             </a:pPr>
             <a:r>
-              <a:rPr lang="en-US" sz="2200">
+              <a:rPr lang="en-US" sz="1700">
                 <a:solidFill>
                   <a:schemeClr val="dk1"/>
                 </a:solidFill>
               </a:rPr>
-              <a:t>Address cold-start problem with auxiliary data.</a:t>
+              <a:t>Filter data: Retain only sessions with at least one positive label.</a:t>
             </a:r>
-            <a:endParaRPr sz="2200">
-              <a:solidFill>
-                <a:schemeClr val="dk1"/>
-              </a:solidFill>
-            </a:endParaRPr>
-          </a:p>
-          <a:p>
-            <a:pPr indent="-368300" lvl="1" marL="914400" rtl="0" algn="l">
-              <a:lnSpc>
-                <a:spcPct val="115000"/>
-              </a:lnSpc>
-              <a:spcBef>
-                <a:spcPts val="0"/>
-              </a:spcBef>
-              <a:spcAft>
-                <a:spcPts val="0"/>
-              </a:spcAft>
-              <a:buClr>
-                <a:schemeClr val="dk1"/>
-              </a:buClr>
-              <a:buSzPts val="2200"/>
-              <a:buChar char="○"/>
-            </a:pPr>
-            <a:r>
-              <a:rPr lang="en-US" sz="2200">
-                <a:solidFill>
-                  <a:schemeClr val="dk1"/>
-                </a:solidFill>
-              </a:rPr>
-              <a:t>Perform hyperparameter tuning for ranking models.</a:t>
-            </a:r>
-            <a:endParaRPr sz="2200">
-              <a:solidFill>
-                <a:schemeClr val="dk1"/>
-              </a:solidFill>
-            </a:endParaRPr>
-          </a:p>
-          <a:p>
-            <a:pPr indent="0" lvl="0" marL="0" rtl="0" algn="just">
-              <a:spcBef>
-                <a:spcPts val="1200"/>
-              </a:spcBef>
-              <a:spcAft>
-                <a:spcPts val="0"/>
-              </a:spcAft>
-              <a:buSzPts val="1100"/>
-              <a:buNone/>
-            </a:pPr>
-            <a:r>
-              <a:t/>
-            </a:r>
-            <a:endParaRPr b="1" sz="3500">
+            <a:endParaRPr sz="1700">
               <a:solidFill>
                 <a:schemeClr val="dk1"/>
               </a:solidFill>
@@ -16091,32 +17792,7 @@
   <p:cSld>
     <p:spTree>
       <p:nvGrpSpPr>
-        <p:cNvPr id="178" name="Shape 178"/>
-        <p:cNvGrpSpPr/>
-        <p:nvPr/>
-      </p:nvGrpSpPr>
-      <p:grpSpPr>
-        <a:xfrm>
-          <a:off x="0" y="0"/>
-          <a:ext cx="0" cy="0"/>
-          <a:chOff x="0" y="0"/>
-          <a:chExt cx="0" cy="0"/>
-        </a:xfrm>
-      </p:grpSpPr>
-    </p:spTree>
-  </p:cSld>
-  <p:clrMapOvr>
-    <a:masterClrMapping/>
-  </p:clrMapOvr>
-</p:sld>
-</file>
-
-<file path=ppt/slides/slide16.xml><?xml version="1.0" encoding="utf-8"?>
-<p:sld xmlns:a="http://schemas.openxmlformats.org/drawingml/2006/main" xmlns:r="http://schemas.openxmlformats.org/officeDocument/2006/relationships" xmlns:mc="http://schemas.openxmlformats.org/markup-compatibility/2006" xmlns:mv="urn:schemas-microsoft-com:mac:vml" xmlns:p="http://schemas.openxmlformats.org/presentationml/2006/main" xmlns:c="http://schemas.openxmlformats.org/drawingml/2006/chart" xmlns:dgm="http://schemas.openxmlformats.org/drawingml/2006/diagram" xmlns:o="urn:schemas-microsoft-com:office:office" xmlns:v="urn:schemas-microsoft-com:vml" xmlns:pvml="urn:schemas-microsoft-com:office:powerpoint" xmlns:com="http://schemas.openxmlformats.org/drawingml/2006/compatibility" xmlns:p14="http://schemas.microsoft.com/office/powerpoint/2010/main" xmlns:p15="http://schemas.microsoft.com/office/powerpoint/2012/main" xmlns:ahyp="http://schemas.microsoft.com/office/drawing/2018/hyperlinkcolor">
-  <p:cSld>
-    <p:spTree>
-      <p:nvGrpSpPr>
-        <p:cNvPr id="182" name="Shape 182"/>
+        <p:cNvPr id="190" name="Shape 190"/>
         <p:cNvGrpSpPr/>
         <p:nvPr/>
       </p:nvGrpSpPr>
@@ -16130,7 +17806,7 @@
       </p:grpSpPr>
       <p:sp>
         <p:nvSpPr>
-          <p:cNvPr id="183" name="Google Shape;183;p64"/>
+          <p:cNvPr id="191" name="Google Shape;191;g32627264e13_0_80"/>
           <p:cNvSpPr txBox="1"/>
           <p:nvPr>
             <p:ph type="title"/>
@@ -16139,7 +17815,7 @@
         <p:spPr>
           <a:xfrm>
             <a:off x="338736" y="112543"/>
-            <a:ext cx="11514528" cy="436098"/>
+            <a:ext cx="11514600" cy="436200"/>
           </a:xfrm>
           <a:prstGeom prst="rect">
             <a:avLst/>
@@ -16173,16 +17849,16 @@
               <a:buNone/>
             </a:pPr>
             <a:r>
-              <a:rPr lang="en-US"/>
-              <a:t>REFERENCES</a:t>
+              <a:rPr lang="en-US" sz="3600"/>
+              <a:t>Method 1</a:t>
             </a:r>
-            <a:endParaRPr/>
+            <a:endParaRPr sz="3600"/>
           </a:p>
         </p:txBody>
       </p:sp>
       <p:sp>
         <p:nvSpPr>
-          <p:cNvPr id="184" name="Google Shape;184;p64"/>
+          <p:cNvPr id="192" name="Google Shape;192;g32627264e13_0_80"/>
           <p:cNvSpPr txBox="1"/>
           <p:nvPr>
             <p:ph idx="12" type="sldNum"/>
@@ -16191,7 +17867,7 @@
         <p:spPr>
           <a:xfrm>
             <a:off x="9156511" y="6492875"/>
-            <a:ext cx="2743200" cy="365125"/>
+            <a:ext cx="2743200" cy="365100"/>
           </a:xfrm>
           <a:prstGeom prst="rect">
             <a:avLst/>
@@ -16224,16 +17900,24 @@
           </a:p>
         </p:txBody>
       </p:sp>
-      <p:sp>
-        <p:nvSpPr>
-          <p:cNvPr id="185" name="Google Shape;185;p64"/>
-          <p:cNvSpPr txBox="1"/>
+      <p:pic>
+        <p:nvPicPr>
+          <p:cNvPr id="193" name="Google Shape;193;g32627264e13_0_80"/>
+          <p:cNvPicPr preferRelativeResize="0"/>
           <p:nvPr/>
-        </p:nvSpPr>
+        </p:nvPicPr>
+        <p:blipFill>
+          <a:blip r:embed="rId3">
+            <a:alphaModFix/>
+          </a:blip>
+          <a:stretch>
+            <a:fillRect/>
+          </a:stretch>
+        </p:blipFill>
         <p:spPr>
           <a:xfrm>
-            <a:off x="338735" y="994002"/>
-            <a:ext cx="11560975" cy="4672505"/>
+            <a:off x="1602100" y="1606969"/>
+            <a:ext cx="8987800" cy="3644075"/>
           </a:xfrm>
           <a:prstGeom prst="rect">
             <a:avLst/>
@@ -16243,242 +17927,19 @@
             <a:noFill/>
           </a:ln>
         </p:spPr>
-        <p:txBody>
-          <a:bodyPr anchorCtr="0" anchor="t" bIns="45700" lIns="91425" spcFirstLastPara="1" rIns="91425" wrap="square" tIns="45700">
-            <a:noAutofit/>
-          </a:bodyPr>
-          <a:lstStyle/>
-          <a:p>
-            <a:pPr indent="-228600" lvl="0" marL="228600" marR="0" rtl="0" algn="l">
-              <a:lnSpc>
-                <a:spcPct val="90000"/>
-              </a:lnSpc>
-              <a:spcBef>
-                <a:spcPts val="0"/>
-              </a:spcBef>
-              <a:spcAft>
-                <a:spcPts val="0"/>
-              </a:spcAft>
-              <a:buClr>
-                <a:schemeClr val="dk1"/>
-              </a:buClr>
-              <a:buSzPts val="2200"/>
-              <a:buFont typeface="Arial"/>
-              <a:buChar char="•"/>
-            </a:pPr>
-            <a:r>
-              <a:rPr lang="en-US" sz="2200">
-                <a:solidFill>
-                  <a:schemeClr val="dk1"/>
-                </a:solidFill>
-                <a:latin typeface="Lato"/>
-                <a:ea typeface="Lato"/>
-                <a:cs typeface="Lato"/>
-                <a:sym typeface="Lato"/>
-              </a:rPr>
-              <a:t>Basak, S., Kar, S., Saha, S., Khaidem, L., Dey, S. R. (2019). Predicting the direction of stock market prices using tree-based classifiers. The North American Journal of Economics and Finance, 47, 552-567. </a:t>
-            </a:r>
-            <a:endParaRPr/>
-          </a:p>
-          <a:p>
-            <a:pPr indent="-228600" lvl="0" marL="228600" marR="0" rtl="0" algn="l">
-              <a:lnSpc>
-                <a:spcPct val="90000"/>
-              </a:lnSpc>
-              <a:spcBef>
-                <a:spcPts val="1000"/>
-              </a:spcBef>
-              <a:spcAft>
-                <a:spcPts val="0"/>
-              </a:spcAft>
-              <a:buClr>
-                <a:schemeClr val="dk1"/>
-              </a:buClr>
-              <a:buSzPts val="2200"/>
-              <a:buFont typeface="Arial"/>
-              <a:buChar char="•"/>
-            </a:pPr>
-            <a:r>
-              <a:rPr lang="en-US" sz="2200">
-                <a:solidFill>
-                  <a:schemeClr val="dk1"/>
-                </a:solidFill>
-                <a:latin typeface="Lato"/>
-                <a:ea typeface="Lato"/>
-                <a:cs typeface="Lato"/>
-                <a:sym typeface="Lato"/>
-              </a:rPr>
-              <a:t>Sepp Hochreiter, Jürgen Schmidhuber; Long Short-Term Memory. Neural Comput 1997; 9 (8): 1735–1780. </a:t>
-            </a:r>
-            <a:endParaRPr/>
-          </a:p>
-          <a:p>
-            <a:pPr indent="-228600" lvl="0" marL="228600" marR="0" rtl="0" algn="l">
-              <a:lnSpc>
-                <a:spcPct val="90000"/>
-              </a:lnSpc>
-              <a:spcBef>
-                <a:spcPts val="1000"/>
-              </a:spcBef>
-              <a:spcAft>
-                <a:spcPts val="0"/>
-              </a:spcAft>
-              <a:buClr>
-                <a:schemeClr val="dk1"/>
-              </a:buClr>
-              <a:buSzPts val="2200"/>
-              <a:buFont typeface="Arial"/>
-              <a:buChar char="•"/>
-            </a:pPr>
-            <a:r>
-              <a:rPr lang="en-US" sz="2200">
-                <a:solidFill>
-                  <a:schemeClr val="dk1"/>
-                </a:solidFill>
-                <a:latin typeface="Lato"/>
-                <a:ea typeface="Lato"/>
-                <a:cs typeface="Lato"/>
-                <a:sym typeface="Lato"/>
-              </a:rPr>
-              <a:t>Black, F. (1986). Noise. The Journal of Finance, 41(3), 528-543. </a:t>
-            </a:r>
-            <a:endParaRPr/>
-          </a:p>
-          <a:p>
-            <a:pPr indent="-228600" lvl="0" marL="228600" marR="0" rtl="0" algn="l">
-              <a:lnSpc>
-                <a:spcPct val="90000"/>
-              </a:lnSpc>
-              <a:spcBef>
-                <a:spcPts val="1000"/>
-              </a:spcBef>
-              <a:spcAft>
-                <a:spcPts val="0"/>
-              </a:spcAft>
-              <a:buClr>
-                <a:schemeClr val="dk1"/>
-              </a:buClr>
-              <a:buSzPts val="2200"/>
-              <a:buFont typeface="Arial"/>
-              <a:buChar char="•"/>
-            </a:pPr>
-            <a:r>
-              <a:rPr lang="en-US" sz="2200">
-                <a:solidFill>
-                  <a:schemeClr val="dk1"/>
-                </a:solidFill>
-                <a:latin typeface="Lato"/>
-                <a:ea typeface="Lato"/>
-                <a:cs typeface="Lato"/>
-                <a:sym typeface="Lato"/>
-              </a:rPr>
-              <a:t>Pearson, K. (1901). On Lines and Planes of Closest Fit to Systems of Points in Space. Philosophical Magazine, 2(11), 559-572.</a:t>
-            </a:r>
-            <a:endParaRPr/>
-          </a:p>
-          <a:p>
-            <a:pPr indent="-228600" lvl="0" marL="228600" marR="0" rtl="0" algn="l">
-              <a:lnSpc>
-                <a:spcPct val="90000"/>
-              </a:lnSpc>
-              <a:spcBef>
-                <a:spcPts val="1000"/>
-              </a:spcBef>
-              <a:spcAft>
-                <a:spcPts val="0"/>
-              </a:spcAft>
-              <a:buClr>
-                <a:schemeClr val="dk1"/>
-              </a:buClr>
-              <a:buSzPts val="2200"/>
-              <a:buFont typeface="Arial"/>
-              <a:buChar char="•"/>
-            </a:pPr>
-            <a:r>
-              <a:rPr lang="en-US" sz="2200">
-                <a:solidFill>
-                  <a:schemeClr val="dk1"/>
-                </a:solidFill>
-                <a:latin typeface="Lato"/>
-                <a:ea typeface="Lato"/>
-                <a:cs typeface="Lato"/>
-                <a:sym typeface="Lato"/>
-              </a:rPr>
-              <a:t>Hotelling, H. (1933). Analysis of a complex of statistical variables into principal components. Journal of Educational Psychology, 24(6), 417-441.</a:t>
-            </a:r>
-            <a:endParaRPr/>
-          </a:p>
-          <a:p>
-            <a:pPr indent="-228600" lvl="0" marL="228600" marR="0" rtl="0" algn="l">
-              <a:lnSpc>
-                <a:spcPct val="90000"/>
-              </a:lnSpc>
-              <a:spcBef>
-                <a:spcPts val="1000"/>
-              </a:spcBef>
-              <a:spcAft>
-                <a:spcPts val="0"/>
-              </a:spcAft>
-              <a:buClr>
-                <a:schemeClr val="dk1"/>
-              </a:buClr>
-              <a:buSzPts val="2200"/>
-              <a:buFont typeface="Arial"/>
-              <a:buChar char="•"/>
-            </a:pPr>
-            <a:r>
-              <a:rPr lang="en-US" sz="2200">
-                <a:solidFill>
-                  <a:schemeClr val="dk1"/>
-                </a:solidFill>
-                <a:latin typeface="Lato"/>
-                <a:ea typeface="Lato"/>
-                <a:cs typeface="Lato"/>
-                <a:sym typeface="Lato"/>
-              </a:rPr>
-              <a:t>Baldi, P., Hornik, K. (1989). Neural networks and principal component analysis: Learning from examples without local minima. Neural Networks, 2(1), 53-58.</a:t>
-            </a:r>
-            <a:endParaRPr/>
-          </a:p>
-        </p:txBody>
-      </p:sp>
-    </p:spTree>
-  </p:cSld>
-  <p:clrMapOvr>
-    <a:masterClrMapping/>
-  </p:clrMapOvr>
-</p:sld>
-</file>
-
-<file path=ppt/slides/slide17.xml><?xml version="1.0" encoding="utf-8"?>
-<p:sld xmlns:a="http://schemas.openxmlformats.org/drawingml/2006/main" xmlns:r="http://schemas.openxmlformats.org/officeDocument/2006/relationships" xmlns:mc="http://schemas.openxmlformats.org/markup-compatibility/2006" xmlns:mv="urn:schemas-microsoft-com:mac:vml" xmlns:p="http://schemas.openxmlformats.org/presentationml/2006/main" xmlns:c="http://schemas.openxmlformats.org/drawingml/2006/chart" xmlns:dgm="http://schemas.openxmlformats.org/drawingml/2006/diagram" xmlns:o="urn:schemas-microsoft-com:office:office" xmlns:v="urn:schemas-microsoft-com:vml" xmlns:pvml="urn:schemas-microsoft-com:office:powerpoint" xmlns:com="http://schemas.openxmlformats.org/drawingml/2006/compatibility" xmlns:p14="http://schemas.microsoft.com/office/powerpoint/2010/main" xmlns:p15="http://schemas.microsoft.com/office/powerpoint/2012/main" xmlns:ahyp="http://schemas.microsoft.com/office/drawing/2018/hyperlinkcolor">
-  <p:cSld>
-    <p:spTree>
-      <p:nvGrpSpPr>
-        <p:cNvPr id="189" name="Shape 189"/>
-        <p:cNvGrpSpPr/>
-        <p:nvPr/>
-      </p:nvGrpSpPr>
-      <p:grpSpPr>
-        <a:xfrm>
-          <a:off x="0" y="0"/>
-          <a:ext cx="0" cy="0"/>
-          <a:chOff x="0" y="0"/>
-          <a:chExt cx="0" cy="0"/>
-        </a:xfrm>
-      </p:grpSpPr>
+      </p:pic>
       <p:sp>
         <p:nvSpPr>
-          <p:cNvPr id="190" name="Google Shape;190;p65"/>
+          <p:cNvPr id="194" name="Google Shape;194;g32627264e13_0_80"/>
           <p:cNvSpPr txBox="1"/>
           <p:nvPr>
-            <p:ph type="title"/>
+            <p:ph idx="1" type="body"/>
           </p:nvPr>
         </p:nvSpPr>
         <p:spPr>
           <a:xfrm>
-            <a:off x="338736" y="112543"/>
-            <a:ext cx="11514528" cy="436098"/>
+            <a:off x="338736" y="958689"/>
+            <a:ext cx="11514600" cy="436200"/>
           </a:xfrm>
           <a:prstGeom prst="rect">
             <a:avLst/>
@@ -16505,6 +17966,96 @@
                 <a:spcPts val="0"/>
               </a:spcAft>
               <a:buClr>
+                <a:schemeClr val="dk1"/>
+              </a:buClr>
+              <a:buSzPts val="2400"/>
+              <a:buNone/>
+            </a:pPr>
+            <a:r>
+              <a:rPr b="1" lang="en-US" sz="3200">
+                <a:latin typeface="Arial"/>
+                <a:ea typeface="Arial"/>
+                <a:cs typeface="Arial"/>
+                <a:sym typeface="Arial"/>
+              </a:rPr>
+              <a:t>1.4 </a:t>
+            </a:r>
+            <a:r>
+              <a:rPr b="1" lang="en-US" sz="3200">
+                <a:latin typeface="Arial"/>
+                <a:ea typeface="Arial"/>
+                <a:cs typeface="Arial"/>
+                <a:sym typeface="Arial"/>
+              </a:rPr>
+              <a:t>Prediction:</a:t>
+            </a:r>
+            <a:endParaRPr sz="3700"/>
+          </a:p>
+        </p:txBody>
+      </p:sp>
+    </p:spTree>
+  </p:cSld>
+  <p:clrMapOvr>
+    <a:masterClrMapping/>
+  </p:clrMapOvr>
+</p:sld>
+</file>
+
+<file path=ppt/slides/slide16.xml><?xml version="1.0" encoding="utf-8"?>
+<p:sld xmlns:a="http://schemas.openxmlformats.org/drawingml/2006/main" xmlns:r="http://schemas.openxmlformats.org/officeDocument/2006/relationships" xmlns:mc="http://schemas.openxmlformats.org/markup-compatibility/2006" xmlns:mv="urn:schemas-microsoft-com:mac:vml" xmlns:p="http://schemas.openxmlformats.org/presentationml/2006/main" xmlns:c="http://schemas.openxmlformats.org/drawingml/2006/chart" xmlns:dgm="http://schemas.openxmlformats.org/drawingml/2006/diagram" xmlns:o="urn:schemas-microsoft-com:office:office" xmlns:v="urn:schemas-microsoft-com:vml" xmlns:pvml="urn:schemas-microsoft-com:office:powerpoint" xmlns:com="http://schemas.openxmlformats.org/drawingml/2006/compatibility" xmlns:p14="http://schemas.microsoft.com/office/powerpoint/2010/main" xmlns:p15="http://schemas.microsoft.com/office/powerpoint/2012/main" xmlns:ahyp="http://schemas.microsoft.com/office/drawing/2018/hyperlinkcolor">
+  <p:cSld>
+    <p:spTree>
+      <p:nvGrpSpPr>
+        <p:cNvPr id="198" name="Shape 198"/>
+        <p:cNvGrpSpPr/>
+        <p:nvPr/>
+      </p:nvGrpSpPr>
+      <p:grpSpPr>
+        <a:xfrm>
+          <a:off x="0" y="0"/>
+          <a:ext cx="0" cy="0"/>
+          <a:chOff x="0" y="0"/>
+          <a:chExt cx="0" cy="0"/>
+        </a:xfrm>
+      </p:grpSpPr>
+      <p:sp>
+        <p:nvSpPr>
+          <p:cNvPr id="199" name="Google Shape;199;g326235a0562_0_22"/>
+          <p:cNvSpPr txBox="1"/>
+          <p:nvPr>
+            <p:ph type="title"/>
+          </p:nvPr>
+        </p:nvSpPr>
+        <p:spPr>
+          <a:xfrm>
+            <a:off x="338736" y="112543"/>
+            <a:ext cx="11514600" cy="436200"/>
+          </a:xfrm>
+          <a:prstGeom prst="rect">
+            <a:avLst/>
+          </a:prstGeom>
+          <a:noFill/>
+          <a:ln>
+            <a:noFill/>
+          </a:ln>
+        </p:spPr>
+        <p:txBody>
+          <a:bodyPr anchorCtr="0" anchor="t" bIns="45700" lIns="91425" spcFirstLastPara="1" rIns="91425" wrap="square" tIns="45700">
+            <a:noAutofit/>
+          </a:bodyPr>
+          <a:lstStyle/>
+          <a:p>
+            <a:pPr indent="0" lvl="0" marL="0" rtl="0" algn="l">
+              <a:lnSpc>
+                <a:spcPct val="90000"/>
+              </a:lnSpc>
+              <a:spcBef>
+                <a:spcPts val="0"/>
+              </a:spcBef>
+              <a:spcAft>
+                <a:spcPts val="0"/>
+              </a:spcAft>
+              <a:buClr>
                 <a:schemeClr val="lt1"/>
               </a:buClr>
               <a:buSzPts val="2800"/>
@@ -16512,16 +18063,16 @@
               <a:buNone/>
             </a:pPr>
             <a:r>
-              <a:rPr lang="en-US"/>
-              <a:t>REFERENCES</a:t>
+              <a:rPr lang="en-US" sz="3600"/>
+              <a:t>Method 2</a:t>
             </a:r>
-            <a:endParaRPr/>
+            <a:endParaRPr sz="3600"/>
           </a:p>
         </p:txBody>
       </p:sp>
       <p:sp>
         <p:nvSpPr>
-          <p:cNvPr id="191" name="Google Shape;191;p65"/>
+          <p:cNvPr id="200" name="Google Shape;200;g326235a0562_0_22"/>
           <p:cNvSpPr txBox="1"/>
           <p:nvPr>
             <p:ph idx="12" type="sldNum"/>
@@ -16530,7 +18081,7 @@
         <p:spPr>
           <a:xfrm>
             <a:off x="9156511" y="6492875"/>
-            <a:ext cx="2743200" cy="365125"/>
+            <a:ext cx="2743200" cy="365100"/>
           </a:xfrm>
           <a:prstGeom prst="rect">
             <a:avLst/>
@@ -16565,14 +18116,189 @@
       </p:sp>
       <p:sp>
         <p:nvSpPr>
-          <p:cNvPr id="192" name="Google Shape;192;p65"/>
+          <p:cNvPr id="201" name="Google Shape;201;g326235a0562_0_22"/>
           <p:cNvSpPr txBox="1"/>
           <p:nvPr/>
         </p:nvSpPr>
         <p:spPr>
           <a:xfrm>
-            <a:off x="338735" y="1059872"/>
-            <a:ext cx="11514527" cy="5569527"/>
+            <a:off x="5936125" y="1785900"/>
+            <a:ext cx="6065700" cy="3286200"/>
+          </a:xfrm>
+          <a:prstGeom prst="rect">
+            <a:avLst/>
+          </a:prstGeom>
+          <a:noFill/>
+          <a:ln>
+            <a:noFill/>
+          </a:ln>
+        </p:spPr>
+        <p:txBody>
+          <a:bodyPr anchorCtr="0" anchor="t" bIns="45700" lIns="91425" spcFirstLastPara="1" rIns="91425" wrap="square" tIns="45700">
+            <a:spAutoFit/>
+          </a:bodyPr>
+          <a:lstStyle/>
+          <a:p>
+            <a:pPr indent="0" lvl="0" marL="0" rtl="0" algn="l">
+              <a:lnSpc>
+                <a:spcPct val="115000"/>
+              </a:lnSpc>
+              <a:spcBef>
+                <a:spcPts val="1200"/>
+              </a:spcBef>
+              <a:spcAft>
+                <a:spcPts val="0"/>
+              </a:spcAft>
+              <a:buClr>
+                <a:schemeClr val="dk1"/>
+              </a:buClr>
+              <a:buSzPts val="1100"/>
+              <a:buFont typeface="Arial"/>
+              <a:buNone/>
+            </a:pPr>
+            <a:r>
+              <a:rPr b="1" lang="en-US" sz="2500">
+                <a:solidFill>
+                  <a:schemeClr val="dk1"/>
+                </a:solidFill>
+              </a:rPr>
+              <a:t>Method 2: Graph Neural Networks (GNN)</a:t>
+            </a:r>
+            <a:endParaRPr b="1" sz="2500">
+              <a:solidFill>
+                <a:schemeClr val="dk1"/>
+              </a:solidFill>
+            </a:endParaRPr>
+          </a:p>
+          <a:p>
+            <a:pPr indent="-387350" lvl="0" marL="457200" rtl="0" algn="l">
+              <a:lnSpc>
+                <a:spcPct val="115000"/>
+              </a:lnSpc>
+              <a:spcBef>
+                <a:spcPts val="1200"/>
+              </a:spcBef>
+              <a:spcAft>
+                <a:spcPts val="0"/>
+              </a:spcAft>
+              <a:buClr>
+                <a:schemeClr val="dk1"/>
+              </a:buClr>
+              <a:buSzPts val="2500"/>
+              <a:buChar char="●"/>
+            </a:pPr>
+            <a:r>
+              <a:rPr lang="en-US" sz="2500">
+                <a:solidFill>
+                  <a:schemeClr val="dk1"/>
+                </a:solidFill>
+              </a:rPr>
+              <a:t>Represent data as a heterogeneous graph with sessions and products as nodes.</a:t>
+            </a:r>
+            <a:endParaRPr sz="2500">
+              <a:solidFill>
+                <a:schemeClr val="dk1"/>
+              </a:solidFill>
+            </a:endParaRPr>
+          </a:p>
+          <a:p>
+            <a:pPr indent="-387350" lvl="0" marL="457200" rtl="0" algn="l">
+              <a:lnSpc>
+                <a:spcPct val="115000"/>
+              </a:lnSpc>
+              <a:spcBef>
+                <a:spcPts val="0"/>
+              </a:spcBef>
+              <a:spcAft>
+                <a:spcPts val="0"/>
+              </a:spcAft>
+              <a:buClr>
+                <a:schemeClr val="dk1"/>
+              </a:buClr>
+              <a:buSzPts val="2500"/>
+              <a:buChar char="●"/>
+            </a:pPr>
+            <a:r>
+              <a:rPr lang="en-US" sz="2500">
+                <a:solidFill>
+                  <a:schemeClr val="dk1"/>
+                </a:solidFill>
+              </a:rPr>
+              <a:t>Predict links between nodes based on action types.</a:t>
+            </a:r>
+            <a:endParaRPr b="1" sz="4100">
+              <a:solidFill>
+                <a:schemeClr val="dk1"/>
+              </a:solidFill>
+            </a:endParaRPr>
+          </a:p>
+        </p:txBody>
+      </p:sp>
+      <p:pic>
+        <p:nvPicPr>
+          <p:cNvPr id="202" name="Google Shape;202;g326235a0562_0_22"/>
+          <p:cNvPicPr preferRelativeResize="0"/>
+          <p:nvPr/>
+        </p:nvPicPr>
+        <p:blipFill>
+          <a:blip r:embed="rId3">
+            <a:alphaModFix/>
+          </a:blip>
+          <a:stretch>
+            <a:fillRect/>
+          </a:stretch>
+        </p:blipFill>
+        <p:spPr>
+          <a:xfrm>
+            <a:off x="196075" y="1947850"/>
+            <a:ext cx="5257800" cy="2962275"/>
+          </a:xfrm>
+          <a:prstGeom prst="rect">
+            <a:avLst/>
+          </a:prstGeom>
+          <a:noFill/>
+          <a:ln>
+            <a:noFill/>
+          </a:ln>
+        </p:spPr>
+      </p:pic>
+    </p:spTree>
+  </p:cSld>
+  <p:clrMapOvr>
+    <a:masterClrMapping/>
+  </p:clrMapOvr>
+</p:sld>
+</file>
+
+<file path=ppt/slides/slide17.xml><?xml version="1.0" encoding="utf-8"?>
+<p:sld xmlns:a="http://schemas.openxmlformats.org/drawingml/2006/main" xmlns:r="http://schemas.openxmlformats.org/officeDocument/2006/relationships" xmlns:mc="http://schemas.openxmlformats.org/markup-compatibility/2006" xmlns:mv="urn:schemas-microsoft-com:mac:vml" xmlns:p="http://schemas.openxmlformats.org/presentationml/2006/main" xmlns:c="http://schemas.openxmlformats.org/drawingml/2006/chart" xmlns:dgm="http://schemas.openxmlformats.org/drawingml/2006/diagram" xmlns:o="urn:schemas-microsoft-com:office:office" xmlns:v="urn:schemas-microsoft-com:vml" xmlns:pvml="urn:schemas-microsoft-com:office:powerpoint" xmlns:com="http://schemas.openxmlformats.org/drawingml/2006/compatibility" xmlns:p14="http://schemas.microsoft.com/office/powerpoint/2010/main" xmlns:p15="http://schemas.microsoft.com/office/powerpoint/2012/main" xmlns:ahyp="http://schemas.microsoft.com/office/drawing/2018/hyperlinkcolor">
+  <p:cSld>
+    <p:spTree>
+      <p:nvGrpSpPr>
+        <p:cNvPr id="206" name="Shape 206"/>
+        <p:cNvGrpSpPr/>
+        <p:nvPr/>
+      </p:nvGrpSpPr>
+      <p:grpSpPr>
+        <a:xfrm>
+          <a:off x="0" y="0"/>
+          <a:ext cx="0" cy="0"/>
+          <a:chOff x="0" y="0"/>
+          <a:chExt cx="0" cy="0"/>
+        </a:xfrm>
+      </p:grpSpPr>
+      <p:sp>
+        <p:nvSpPr>
+          <p:cNvPr id="207" name="Google Shape;207;g32627264e13_0_54"/>
+          <p:cNvSpPr txBox="1"/>
+          <p:nvPr>
+            <p:ph type="title"/>
+          </p:nvPr>
+        </p:nvSpPr>
+        <p:spPr>
+          <a:xfrm>
+            <a:off x="338736" y="112543"/>
+            <a:ext cx="11514600" cy="436200"/>
           </a:xfrm>
           <a:prstGeom prst="rect">
             <a:avLst/>
@@ -16588,7 +18314,7 @@
           </a:bodyPr>
           <a:lstStyle/>
           <a:p>
-            <a:pPr indent="-228600" lvl="0" marL="228600" marR="0" rtl="0" algn="l">
+            <a:pPr indent="0" lvl="0" marL="0" rtl="0" algn="l">
               <a:lnSpc>
                 <a:spcPct val="90000"/>
               </a:lnSpc>
@@ -16599,191 +18325,32 @@
                 <a:spcPts val="0"/>
               </a:spcAft>
               <a:buClr>
-                <a:schemeClr val="dk1"/>
+                <a:schemeClr val="lt1"/>
               </a:buClr>
-              <a:buSzPts val="2200"/>
-              <a:buFont typeface="Arial"/>
-              <a:buChar char="•"/>
+              <a:buSzPts val="2800"/>
+              <a:buFont typeface="Lato"/>
+              <a:buNone/>
             </a:pPr>
             <a:r>
-              <a:rPr lang="en-US" sz="2200">
-                <a:solidFill>
-                  <a:schemeClr val="dk1"/>
-                </a:solidFill>
-                <a:latin typeface="Lato"/>
-                <a:ea typeface="Lato"/>
-                <a:cs typeface="Lato"/>
-                <a:sym typeface="Lato"/>
-              </a:rPr>
-              <a:t>D Kramer, ,M.A. (1991). Nonlinear principal component analysis using autoassociative neural networks. AIChE Journal, 37(2), 233-243. Goldberger J, Roweis S, Hinton G, Salakhutdinov R. Neighbourhood Components Analysis. In: Advances in Neural Information Processing Systems 17. MIT Press; 2005:513-520.</a:t>
+              <a:rPr lang="en-US" sz="3600"/>
+              <a:t>Method 2</a:t>
             </a:r>
-            <a:endParaRPr/>
-          </a:p>
-          <a:p>
-            <a:pPr indent="-228600" lvl="0" marL="228600" marR="0" rtl="0" algn="l">
-              <a:lnSpc>
-                <a:spcPct val="90000"/>
-              </a:lnSpc>
-              <a:spcBef>
-                <a:spcPts val="1000"/>
-              </a:spcBef>
-              <a:spcAft>
-                <a:spcPts val="0"/>
-              </a:spcAft>
-              <a:buClr>
-                <a:schemeClr val="dk1"/>
-              </a:buClr>
-              <a:buSzPts val="2200"/>
-              <a:buFont typeface="Arial"/>
-              <a:buChar char="•"/>
-            </a:pPr>
-            <a:r>
-              <a:rPr lang="en-US" sz="2200">
-                <a:solidFill>
-                  <a:schemeClr val="dk1"/>
-                </a:solidFill>
-                <a:latin typeface="Lato"/>
-                <a:ea typeface="Lato"/>
-                <a:cs typeface="Lato"/>
-                <a:sym typeface="Lato"/>
-              </a:rPr>
-              <a:t>The main idea of RFC is from this report: “Predicting Stock Market Price Direction with Uncertainty Using Quantile Regression Forest” (20120-11).</a:t>
-            </a:r>
-            <a:endParaRPr/>
-          </a:p>
-          <a:p>
-            <a:pPr indent="-228600" lvl="0" marL="228600" marR="0" rtl="0" algn="l">
-              <a:lnSpc>
-                <a:spcPct val="90000"/>
-              </a:lnSpc>
-              <a:spcBef>
-                <a:spcPts val="1000"/>
-              </a:spcBef>
-              <a:spcAft>
-                <a:spcPts val="0"/>
-              </a:spcAft>
-              <a:buClr>
-                <a:schemeClr val="dk1"/>
-              </a:buClr>
-              <a:buSzPts val="2200"/>
-              <a:buFont typeface="Arial"/>
-              <a:buChar char="•"/>
-            </a:pPr>
-            <a:r>
-              <a:rPr lang="en-US" sz="2200">
-                <a:solidFill>
-                  <a:schemeClr val="dk1"/>
-                </a:solidFill>
-                <a:latin typeface="Lato"/>
-                <a:ea typeface="Lato"/>
-                <a:cs typeface="Lato"/>
-                <a:sym typeface="Lato"/>
-              </a:rPr>
-              <a:t>The chosen of hyperparameters to be tune is referred from this site: “Hyperparameters of Random Forest Classifier”.</a:t>
-            </a:r>
-            <a:endParaRPr/>
-          </a:p>
-          <a:p>
-            <a:pPr indent="-228600" lvl="0" marL="228600" marR="0" rtl="0" algn="l">
-              <a:lnSpc>
-                <a:spcPct val="90000"/>
-              </a:lnSpc>
-              <a:spcBef>
-                <a:spcPts val="1000"/>
-              </a:spcBef>
-              <a:spcAft>
-                <a:spcPts val="0"/>
-              </a:spcAft>
-              <a:buClr>
-                <a:schemeClr val="dk1"/>
-              </a:buClr>
-              <a:buSzPts val="2200"/>
-              <a:buFont typeface="Arial"/>
-              <a:buChar char="•"/>
-            </a:pPr>
-            <a:r>
-              <a:rPr lang="en-US" sz="2200">
-                <a:solidFill>
-                  <a:schemeClr val="dk1"/>
-                </a:solidFill>
-                <a:latin typeface="Lato"/>
-                <a:ea typeface="Lato"/>
-                <a:cs typeface="Lato"/>
-                <a:sym typeface="Lato"/>
-              </a:rPr>
-              <a:t>The rolling cross-validation model assessment is referred from this site: “Timeseries cross-validation”.</a:t>
-            </a:r>
-            <a:endParaRPr/>
-          </a:p>
-          <a:p>
-            <a:pPr indent="-228600" lvl="0" marL="228600" marR="0" rtl="0" algn="l">
-              <a:lnSpc>
-                <a:spcPct val="90000"/>
-              </a:lnSpc>
-              <a:spcBef>
-                <a:spcPts val="1000"/>
-              </a:spcBef>
-              <a:spcAft>
-                <a:spcPts val="0"/>
-              </a:spcAft>
-              <a:buClr>
-                <a:schemeClr val="dk1"/>
-              </a:buClr>
-              <a:buSzPts val="2200"/>
-              <a:buFont typeface="Arial"/>
-              <a:buChar char="•"/>
-            </a:pPr>
-            <a:r>
-              <a:rPr lang="en-US" sz="2200">
-                <a:solidFill>
-                  <a:schemeClr val="dk1"/>
-                </a:solidFill>
-                <a:latin typeface="Lato"/>
-                <a:ea typeface="Lato"/>
-                <a:cs typeface="Lato"/>
-                <a:sym typeface="Lato"/>
-              </a:rPr>
-              <a:t>The definition of LSTMs: “Long Short-Term Memory”.</a:t>
-            </a:r>
-            <a:endParaRPr/>
+            <a:endParaRPr sz="3600"/>
           </a:p>
         </p:txBody>
       </p:sp>
-    </p:spTree>
-  </p:cSld>
-  <p:clrMapOvr>
-    <a:masterClrMapping/>
-  </p:clrMapOvr>
-</p:sld>
-</file>
-
-<file path=ppt/slides/slide18.xml><?xml version="1.0" encoding="utf-8"?>
-<p:sld xmlns:a="http://schemas.openxmlformats.org/drawingml/2006/main" xmlns:r="http://schemas.openxmlformats.org/officeDocument/2006/relationships" xmlns:mc="http://schemas.openxmlformats.org/markup-compatibility/2006" xmlns:mv="urn:schemas-microsoft-com:mac:vml" xmlns:p="http://schemas.openxmlformats.org/presentationml/2006/main" xmlns:c="http://schemas.openxmlformats.org/drawingml/2006/chart" xmlns:dgm="http://schemas.openxmlformats.org/drawingml/2006/diagram" xmlns:o="urn:schemas-microsoft-com:office:office" xmlns:v="urn:schemas-microsoft-com:vml" xmlns:pvml="urn:schemas-microsoft-com:office:powerpoint" xmlns:com="http://schemas.openxmlformats.org/drawingml/2006/compatibility" xmlns:p14="http://schemas.microsoft.com/office/powerpoint/2010/main" xmlns:p15="http://schemas.microsoft.com/office/powerpoint/2012/main" xmlns:ahyp="http://schemas.microsoft.com/office/drawing/2018/hyperlinkcolor">
-  <p:cSld>
-    <p:spTree>
-      <p:nvGrpSpPr>
-        <p:cNvPr id="196" name="Shape 196"/>
-        <p:cNvGrpSpPr/>
-        <p:nvPr/>
-      </p:nvGrpSpPr>
-      <p:grpSpPr>
-        <a:xfrm>
-          <a:off x="0" y="0"/>
-          <a:ext cx="0" cy="0"/>
-          <a:chOff x="0" y="0"/>
-          <a:chExt cx="0" cy="0"/>
-        </a:xfrm>
-      </p:grpSpPr>
       <p:sp>
         <p:nvSpPr>
-          <p:cNvPr id="197" name="Google Shape;197;p66"/>
+          <p:cNvPr id="208" name="Google Shape;208;g32627264e13_0_54"/>
           <p:cNvSpPr txBox="1"/>
-          <p:nvPr/>
+          <p:nvPr>
+            <p:ph idx="12" type="sldNum"/>
+          </p:nvPr>
         </p:nvSpPr>
         <p:spPr>
           <a:xfrm>
-            <a:off x="5605763" y="2869457"/>
-            <a:ext cx="5422456" cy="971304"/>
+            <a:off x="9156511" y="6492875"/>
+            <a:ext cx="2743200" cy="365100"/>
           </a:xfrm>
           <a:prstGeom prst="rect">
             <a:avLst/>
@@ -16799,7 +18366,104 @@
           </a:bodyPr>
           <a:lstStyle/>
           <a:p>
-            <a:pPr indent="0" lvl="0" marL="0" marR="0" rtl="0" algn="l">
+            <a:pPr indent="0" lvl="0" marL="0" rtl="0" algn="r">
+              <a:spcBef>
+                <a:spcPts val="0"/>
+              </a:spcBef>
+              <a:spcAft>
+                <a:spcPts val="0"/>
+              </a:spcAft>
+              <a:buNone/>
+            </a:pPr>
+            <a:fld id="{00000000-1234-1234-1234-123412341234}" type="slidenum">
+              <a:rPr lang="en-US"/>
+              <a:t>‹#›</a:t>
+            </a:fld>
+            <a:endParaRPr/>
+          </a:p>
+        </p:txBody>
+      </p:sp>
+      <p:pic>
+        <p:nvPicPr>
+          <p:cNvPr id="209" name="Google Shape;209;g32627264e13_0_54"/>
+          <p:cNvPicPr preferRelativeResize="0"/>
+          <p:nvPr/>
+        </p:nvPicPr>
+        <p:blipFill>
+          <a:blip r:embed="rId3">
+            <a:alphaModFix/>
+          </a:blip>
+          <a:stretch>
+            <a:fillRect/>
+          </a:stretch>
+        </p:blipFill>
+        <p:spPr>
+          <a:xfrm>
+            <a:off x="1225411" y="1149650"/>
+            <a:ext cx="9741176" cy="2734650"/>
+          </a:xfrm>
+          <a:prstGeom prst="rect">
+            <a:avLst/>
+          </a:prstGeom>
+          <a:noFill/>
+          <a:ln>
+            <a:noFill/>
+          </a:ln>
+        </p:spPr>
+      </p:pic>
+    </p:spTree>
+  </p:cSld>
+  <p:clrMapOvr>
+    <a:masterClrMapping/>
+  </p:clrMapOvr>
+</p:sld>
+</file>
+
+<file path=ppt/slides/slide18.xml><?xml version="1.0" encoding="utf-8"?>
+<p:sld xmlns:a="http://schemas.openxmlformats.org/drawingml/2006/main" xmlns:r="http://schemas.openxmlformats.org/officeDocument/2006/relationships" xmlns:mc="http://schemas.openxmlformats.org/markup-compatibility/2006" xmlns:mv="urn:schemas-microsoft-com:mac:vml" xmlns:p="http://schemas.openxmlformats.org/presentationml/2006/main" xmlns:c="http://schemas.openxmlformats.org/drawingml/2006/chart" xmlns:dgm="http://schemas.openxmlformats.org/drawingml/2006/diagram" xmlns:o="urn:schemas-microsoft-com:office:office" xmlns:v="urn:schemas-microsoft-com:vml" xmlns:pvml="urn:schemas-microsoft-com:office:powerpoint" xmlns:com="http://schemas.openxmlformats.org/drawingml/2006/compatibility" xmlns:p14="http://schemas.microsoft.com/office/powerpoint/2010/main" xmlns:p15="http://schemas.microsoft.com/office/powerpoint/2012/main" xmlns:ahyp="http://schemas.microsoft.com/office/drawing/2018/hyperlinkcolor">
+  <p:cSld>
+    <p:spTree>
+      <p:nvGrpSpPr>
+        <p:cNvPr id="213" name="Shape 213"/>
+        <p:cNvGrpSpPr/>
+        <p:nvPr/>
+      </p:nvGrpSpPr>
+      <p:grpSpPr>
+        <a:xfrm>
+          <a:off x="0" y="0"/>
+          <a:ext cx="0" cy="0"/>
+          <a:chOff x="0" y="0"/>
+          <a:chExt cx="0" cy="0"/>
+        </a:xfrm>
+      </p:grpSpPr>
+      <p:sp>
+        <p:nvSpPr>
+          <p:cNvPr id="214" name="Google Shape;214;g3219663a931_1_3"/>
+          <p:cNvSpPr txBox="1"/>
+          <p:nvPr>
+            <p:ph type="title"/>
+          </p:nvPr>
+        </p:nvSpPr>
+        <p:spPr>
+          <a:xfrm>
+            <a:off x="338736" y="112543"/>
+            <a:ext cx="11514600" cy="436200"/>
+          </a:xfrm>
+          <a:prstGeom prst="rect">
+            <a:avLst/>
+          </a:prstGeom>
+          <a:noFill/>
+          <a:ln>
+            <a:noFill/>
+          </a:ln>
+        </p:spPr>
+        <p:txBody>
+          <a:bodyPr anchorCtr="0" anchor="t" bIns="45700" lIns="91425" spcFirstLastPara="1" rIns="91425" wrap="square" tIns="45700">
+            <a:noAutofit/>
+          </a:bodyPr>
+          <a:lstStyle/>
+          <a:p>
+            <a:pPr indent="0" lvl="0" marL="0" rtl="0" algn="l">
               <a:lnSpc>
                 <a:spcPct val="90000"/>
               </a:lnSpc>
@@ -16810,24 +18474,744 @@
                 <a:spcPts val="0"/>
               </a:spcAft>
               <a:buClr>
-                <a:srgbClr val="C00000"/>
+                <a:schemeClr val="lt1"/>
               </a:buClr>
-              <a:buSzPts val="6000"/>
+              <a:buSzPts val="2800"/>
               <a:buFont typeface="Lato"/>
+              <a:buNone/>
+            </a:pPr>
+            <a:r>
+              <a:rPr lang="en-US" sz="3600"/>
+              <a:t>Method 3 - RNN</a:t>
+            </a:r>
+            <a:endParaRPr sz="3600"/>
+          </a:p>
+        </p:txBody>
+      </p:sp>
+      <p:sp>
+        <p:nvSpPr>
+          <p:cNvPr id="215" name="Google Shape;215;g3219663a931_1_3"/>
+          <p:cNvSpPr txBox="1"/>
+          <p:nvPr>
+            <p:ph idx="12" type="sldNum"/>
+          </p:nvPr>
+        </p:nvSpPr>
+        <p:spPr>
+          <a:xfrm>
+            <a:off x="9156511" y="6492875"/>
+            <a:ext cx="2743200" cy="365100"/>
+          </a:xfrm>
+          <a:prstGeom prst="rect">
+            <a:avLst/>
+          </a:prstGeom>
+          <a:noFill/>
+          <a:ln>
+            <a:noFill/>
+          </a:ln>
+        </p:spPr>
+        <p:txBody>
+          <a:bodyPr anchorCtr="0" anchor="t" bIns="45700" lIns="91425" spcFirstLastPara="1" rIns="91425" wrap="square" tIns="45700">
+            <a:noAutofit/>
+          </a:bodyPr>
+          <a:lstStyle/>
+          <a:p>
+            <a:pPr indent="0" lvl="0" marL="0" rtl="0" algn="r">
+              <a:spcBef>
+                <a:spcPts val="0"/>
+              </a:spcBef>
+              <a:spcAft>
+                <a:spcPts val="0"/>
+              </a:spcAft>
+              <a:buNone/>
+            </a:pPr>
+            <a:fld id="{00000000-1234-1234-1234-123412341234}" type="slidenum">
+              <a:rPr lang="en-US"/>
+              <a:t>‹#›</a:t>
+            </a:fld>
+            <a:endParaRPr/>
+          </a:p>
+        </p:txBody>
+      </p:sp>
+      <p:sp>
+        <p:nvSpPr>
+          <p:cNvPr id="216" name="Google Shape;216;g3219663a931_1_3"/>
+          <p:cNvSpPr txBox="1"/>
+          <p:nvPr/>
+        </p:nvSpPr>
+        <p:spPr>
+          <a:xfrm>
+            <a:off x="4426100" y="1369500"/>
+            <a:ext cx="7473600" cy="4119000"/>
+          </a:xfrm>
+          <a:prstGeom prst="rect">
+            <a:avLst/>
+          </a:prstGeom>
+          <a:noFill/>
+          <a:ln>
+            <a:noFill/>
+          </a:ln>
+        </p:spPr>
+        <p:txBody>
+          <a:bodyPr anchorCtr="0" anchor="t" bIns="45700" lIns="91425" spcFirstLastPara="1" rIns="91425" wrap="square" tIns="45700">
+            <a:spAutoFit/>
+          </a:bodyPr>
+          <a:lstStyle/>
+          <a:p>
+            <a:pPr indent="-336550" lvl="0" marL="457200" rtl="0" algn="l">
+              <a:lnSpc>
+                <a:spcPct val="115000"/>
+              </a:lnSpc>
+              <a:spcBef>
+                <a:spcPts val="1200"/>
+              </a:spcBef>
+              <a:spcAft>
+                <a:spcPts val="0"/>
+              </a:spcAft>
+              <a:buClr>
+                <a:schemeClr val="dk1"/>
+              </a:buClr>
+              <a:buSzPts val="1700"/>
+              <a:buChar char="-"/>
+            </a:pPr>
+            <a:r>
+              <a:rPr b="1" lang="en-US" sz="1700">
+                <a:solidFill>
+                  <a:schemeClr val="dk1"/>
+                </a:solidFill>
+              </a:rPr>
+              <a:t>The RNN-based approach using LSTM for modeling sequential user interactions faced scalability challenges due to the large dataset (1.8 million products and 3 action types). </a:t>
+            </a:r>
+            <a:endParaRPr b="1" sz="1700">
+              <a:solidFill>
+                <a:schemeClr val="dk1"/>
+              </a:solidFill>
+            </a:endParaRPr>
+          </a:p>
+          <a:p>
+            <a:pPr indent="-336550" lvl="0" marL="457200" rtl="0" algn="l">
+              <a:lnSpc>
+                <a:spcPct val="115000"/>
+              </a:lnSpc>
+              <a:spcBef>
+                <a:spcPts val="0"/>
+              </a:spcBef>
+              <a:spcAft>
+                <a:spcPts val="0"/>
+              </a:spcAft>
+              <a:buClr>
+                <a:schemeClr val="dk1"/>
+              </a:buClr>
+              <a:buSzPts val="1700"/>
+              <a:buChar char="-"/>
+            </a:pPr>
+            <a:r>
+              <a:rPr b="1" lang="en-US" sz="1700">
+                <a:solidFill>
+                  <a:schemeClr val="dk1"/>
+                </a:solidFill>
+              </a:rPr>
+              <a:t>Despite using embedding layers and dropout for regularization, the product embedding matrix alone required over 28 GB of memory, exceeding available hardware resources. Sparse embeddings and other optimizations were insufficient, making training infeasible.</a:t>
+            </a:r>
+            <a:endParaRPr b="1" sz="1700">
+              <a:solidFill>
+                <a:schemeClr val="dk1"/>
+              </a:solidFill>
+            </a:endParaRPr>
+          </a:p>
+          <a:p>
+            <a:pPr indent="-336550" lvl="0" marL="457200" rtl="0" algn="l">
+              <a:lnSpc>
+                <a:spcPct val="115000"/>
+              </a:lnSpc>
+              <a:spcBef>
+                <a:spcPts val="0"/>
+              </a:spcBef>
+              <a:spcAft>
+                <a:spcPts val="0"/>
+              </a:spcAft>
+              <a:buClr>
+                <a:schemeClr val="dk1"/>
+              </a:buClr>
+              <a:buSzPts val="1700"/>
+              <a:buChar char="-"/>
+            </a:pPr>
+            <a:r>
+              <a:rPr b="1" lang="en-US" sz="1700">
+                <a:solidFill>
+                  <a:schemeClr val="dk1"/>
+                </a:solidFill>
+              </a:rPr>
+              <a:t>The approach was abandoned in favor of scalable alternatives like Word2Vec with candidate retrieval and ranking models, highlighting the difficulty of scaling deep learning models for large item vocabularies within limited resources.</a:t>
+            </a:r>
+            <a:endParaRPr b="1" sz="1700">
+              <a:solidFill>
+                <a:schemeClr val="dk1"/>
+              </a:solidFill>
+            </a:endParaRPr>
+          </a:p>
+          <a:p>
+            <a:pPr indent="0" lvl="0" marL="0" rtl="0" algn="l">
+              <a:lnSpc>
+                <a:spcPct val="115000"/>
+              </a:lnSpc>
+              <a:spcBef>
+                <a:spcPts val="1200"/>
+              </a:spcBef>
+              <a:spcAft>
+                <a:spcPts val="1200"/>
+              </a:spcAft>
               <a:buNone/>
             </a:pPr>
             <a:r>
               <a:t/>
             </a:r>
-            <a:endParaRPr b="1" sz="6000">
+            <a:endParaRPr b="1" sz="1700">
               <a:solidFill>
-                <a:srgbClr val="C00000"/>
+                <a:schemeClr val="dk1"/>
               </a:solidFill>
-              <a:latin typeface="Lato"/>
-              <a:ea typeface="Lato"/>
-              <a:cs typeface="Lato"/>
-              <a:sym typeface="Lato"/>
             </a:endParaRPr>
+          </a:p>
+        </p:txBody>
+      </p:sp>
+      <p:graphicFrame>
+        <p:nvGraphicFramePr>
+          <p:cNvPr id="217" name="Google Shape;217;g3219663a931_1_3"/>
+          <p:cNvGraphicFramePr/>
+          <p:nvPr/>
+        </p:nvGraphicFramePr>
+        <p:xfrm>
+          <a:off x="338725" y="1785900"/>
+          <a:ext cx="3000000" cy="3000000"/>
+        </p:xfrm>
+        <a:graphic>
+          <a:graphicData uri="http://schemas.openxmlformats.org/drawingml/2006/table">
+            <a:tbl>
+              <a:tblPr>
+                <a:noFill/>
+                <a:tableStyleId>{39F48B42-18BF-4FEB-83C0-E6389B33C861}</a:tableStyleId>
+              </a:tblPr>
+              <a:tblGrid>
+                <a:gridCol w="2411525"/>
+                <a:gridCol w="1089225"/>
+              </a:tblGrid>
+              <a:tr h="12700">
+                <a:tc>
+                  <a:txBody>
+                    <a:bodyPr/>
+                    <a:lstStyle/>
+                    <a:p>
+                      <a:pPr indent="0" lvl="0" marL="0" rtl="0" algn="l">
+                        <a:lnSpc>
+                          <a:spcPct val="115000"/>
+                        </a:lnSpc>
+                        <a:spcBef>
+                          <a:spcPts val="300"/>
+                        </a:spcBef>
+                        <a:spcAft>
+                          <a:spcPts val="300"/>
+                        </a:spcAft>
+                        <a:buNone/>
+                      </a:pPr>
+                      <a:r>
+                        <a:rPr b="1" lang="en-US" sz="1100"/>
+                        <a:t>Hyperparameter</a:t>
+                      </a:r>
+                      <a:endParaRPr b="1" sz="1100"/>
+                    </a:p>
+                  </a:txBody>
+                  <a:tcPr marT="63500" marB="63500" marR="63500" marL="63500">
+                    <a:solidFill>
+                      <a:srgbClr val="CCCCCC"/>
+                    </a:solidFill>
+                  </a:tcPr>
+                </a:tc>
+                <a:tc>
+                  <a:txBody>
+                    <a:bodyPr/>
+                    <a:lstStyle/>
+                    <a:p>
+                      <a:pPr indent="0" lvl="0" marL="0" rtl="0" algn="l">
+                        <a:lnSpc>
+                          <a:spcPct val="115000"/>
+                        </a:lnSpc>
+                        <a:spcBef>
+                          <a:spcPts val="300"/>
+                        </a:spcBef>
+                        <a:spcAft>
+                          <a:spcPts val="300"/>
+                        </a:spcAft>
+                        <a:buNone/>
+                      </a:pPr>
+                      <a:r>
+                        <a:rPr b="1" lang="en-US" sz="1100"/>
+                        <a:t>Value</a:t>
+                      </a:r>
+                      <a:endParaRPr b="1" sz="1100"/>
+                    </a:p>
+                  </a:txBody>
+                  <a:tcPr marT="63500" marB="63500" marR="63500" marL="63500">
+                    <a:solidFill>
+                      <a:srgbClr val="CCCCCC"/>
+                    </a:solidFill>
+                  </a:tcPr>
+                </a:tc>
+              </a:tr>
+              <a:tr h="12700">
+                <a:tc>
+                  <a:txBody>
+                    <a:bodyPr/>
+                    <a:lstStyle/>
+                    <a:p>
+                      <a:pPr indent="0" lvl="0" marL="0" rtl="0" algn="l">
+                        <a:lnSpc>
+                          <a:spcPct val="115000"/>
+                        </a:lnSpc>
+                        <a:spcBef>
+                          <a:spcPts val="300"/>
+                        </a:spcBef>
+                        <a:spcAft>
+                          <a:spcPts val="300"/>
+                        </a:spcAft>
+                        <a:buNone/>
+                      </a:pPr>
+                      <a:r>
+                        <a:rPr lang="en-US" sz="1100"/>
+                        <a:t>NUM_PRODUCTS</a:t>
+                      </a:r>
+                      <a:endParaRPr sz="1100"/>
+                    </a:p>
+                  </a:txBody>
+                  <a:tcPr marT="63500" marB="63500" marR="63500" marL="63500"/>
+                </a:tc>
+                <a:tc>
+                  <a:txBody>
+                    <a:bodyPr/>
+                    <a:lstStyle/>
+                    <a:p>
+                      <a:pPr indent="0" lvl="0" marL="0" rtl="0" algn="l">
+                        <a:lnSpc>
+                          <a:spcPct val="115000"/>
+                        </a:lnSpc>
+                        <a:spcBef>
+                          <a:spcPts val="300"/>
+                        </a:spcBef>
+                        <a:spcAft>
+                          <a:spcPts val="300"/>
+                        </a:spcAft>
+                        <a:buNone/>
+                      </a:pPr>
+                      <a:r>
+                        <a:rPr lang="en-US" sz="1100"/>
+                        <a:t>1,855,603</a:t>
+                      </a:r>
+                      <a:endParaRPr sz="1100"/>
+                    </a:p>
+                  </a:txBody>
+                  <a:tcPr marT="63500" marB="63500" marR="63500" marL="63500"/>
+                </a:tc>
+              </a:tr>
+              <a:tr h="12700">
+                <a:tc>
+                  <a:txBody>
+                    <a:bodyPr/>
+                    <a:lstStyle/>
+                    <a:p>
+                      <a:pPr indent="0" lvl="0" marL="0" rtl="0" algn="l">
+                        <a:lnSpc>
+                          <a:spcPct val="115000"/>
+                        </a:lnSpc>
+                        <a:spcBef>
+                          <a:spcPts val="300"/>
+                        </a:spcBef>
+                        <a:spcAft>
+                          <a:spcPts val="300"/>
+                        </a:spcAft>
+                        <a:buNone/>
+                      </a:pPr>
+                      <a:r>
+                        <a:rPr lang="en-US" sz="1100"/>
+                        <a:t>NUM_ACTIONS</a:t>
+                      </a:r>
+                      <a:endParaRPr sz="1100"/>
+                    </a:p>
+                  </a:txBody>
+                  <a:tcPr marT="63500" marB="63500" marR="63500" marL="63500"/>
+                </a:tc>
+                <a:tc>
+                  <a:txBody>
+                    <a:bodyPr/>
+                    <a:lstStyle/>
+                    <a:p>
+                      <a:pPr indent="0" lvl="0" marL="0" rtl="0" algn="l">
+                        <a:lnSpc>
+                          <a:spcPct val="115000"/>
+                        </a:lnSpc>
+                        <a:spcBef>
+                          <a:spcPts val="300"/>
+                        </a:spcBef>
+                        <a:spcAft>
+                          <a:spcPts val="300"/>
+                        </a:spcAft>
+                        <a:buNone/>
+                      </a:pPr>
+                      <a:r>
+                        <a:rPr lang="en-US" sz="1100"/>
+                        <a:t>3</a:t>
+                      </a:r>
+                      <a:endParaRPr sz="1100"/>
+                    </a:p>
+                  </a:txBody>
+                  <a:tcPr marT="63500" marB="63500" marR="63500" marL="63500"/>
+                </a:tc>
+              </a:tr>
+              <a:tr h="12700">
+                <a:tc>
+                  <a:txBody>
+                    <a:bodyPr/>
+                    <a:lstStyle/>
+                    <a:p>
+                      <a:pPr indent="0" lvl="0" marL="0" rtl="0" algn="l">
+                        <a:lnSpc>
+                          <a:spcPct val="115000"/>
+                        </a:lnSpc>
+                        <a:spcBef>
+                          <a:spcPts val="300"/>
+                        </a:spcBef>
+                        <a:spcAft>
+                          <a:spcPts val="300"/>
+                        </a:spcAft>
+                        <a:buNone/>
+                      </a:pPr>
+                      <a:r>
+                        <a:rPr lang="en-US" sz="1100"/>
+                        <a:t>PRODUCT_EMBEDDING_DIM</a:t>
+                      </a:r>
+                      <a:endParaRPr sz="1100"/>
+                    </a:p>
+                  </a:txBody>
+                  <a:tcPr marT="63500" marB="63500" marR="63500" marL="63500"/>
+                </a:tc>
+                <a:tc>
+                  <a:txBody>
+                    <a:bodyPr/>
+                    <a:lstStyle/>
+                    <a:p>
+                      <a:pPr indent="0" lvl="0" marL="0" rtl="0" algn="l">
+                        <a:lnSpc>
+                          <a:spcPct val="115000"/>
+                        </a:lnSpc>
+                        <a:spcBef>
+                          <a:spcPts val="300"/>
+                        </a:spcBef>
+                        <a:spcAft>
+                          <a:spcPts val="300"/>
+                        </a:spcAft>
+                        <a:buNone/>
+                      </a:pPr>
+                      <a:r>
+                        <a:rPr lang="en-US" sz="1100"/>
+                        <a:t>16</a:t>
+                      </a:r>
+                      <a:endParaRPr sz="1100"/>
+                    </a:p>
+                  </a:txBody>
+                  <a:tcPr marT="63500" marB="63500" marR="63500" marL="63500"/>
+                </a:tc>
+              </a:tr>
+              <a:tr h="12700">
+                <a:tc>
+                  <a:txBody>
+                    <a:bodyPr/>
+                    <a:lstStyle/>
+                    <a:p>
+                      <a:pPr indent="0" lvl="0" marL="0" rtl="0" algn="l">
+                        <a:lnSpc>
+                          <a:spcPct val="115000"/>
+                        </a:lnSpc>
+                        <a:spcBef>
+                          <a:spcPts val="300"/>
+                        </a:spcBef>
+                        <a:spcAft>
+                          <a:spcPts val="300"/>
+                        </a:spcAft>
+                        <a:buNone/>
+                      </a:pPr>
+                      <a:r>
+                        <a:rPr lang="en-US" sz="1100"/>
+                        <a:t>ACTION_EMBEDDING_DIM</a:t>
+                      </a:r>
+                      <a:endParaRPr sz="1100"/>
+                    </a:p>
+                  </a:txBody>
+                  <a:tcPr marT="63500" marB="63500" marR="63500" marL="63500"/>
+                </a:tc>
+                <a:tc>
+                  <a:txBody>
+                    <a:bodyPr/>
+                    <a:lstStyle/>
+                    <a:p>
+                      <a:pPr indent="0" lvl="0" marL="0" rtl="0" algn="l">
+                        <a:lnSpc>
+                          <a:spcPct val="115000"/>
+                        </a:lnSpc>
+                        <a:spcBef>
+                          <a:spcPts val="300"/>
+                        </a:spcBef>
+                        <a:spcAft>
+                          <a:spcPts val="300"/>
+                        </a:spcAft>
+                        <a:buNone/>
+                      </a:pPr>
+                      <a:r>
+                        <a:rPr lang="en-US" sz="1100"/>
+                        <a:t>6</a:t>
+                      </a:r>
+                      <a:endParaRPr sz="1100"/>
+                    </a:p>
+                  </a:txBody>
+                  <a:tcPr marT="63500" marB="63500" marR="63500" marL="63500"/>
+                </a:tc>
+              </a:tr>
+              <a:tr h="12700">
+                <a:tc>
+                  <a:txBody>
+                    <a:bodyPr/>
+                    <a:lstStyle/>
+                    <a:p>
+                      <a:pPr indent="0" lvl="0" marL="0" rtl="0" algn="l">
+                        <a:lnSpc>
+                          <a:spcPct val="115000"/>
+                        </a:lnSpc>
+                        <a:spcBef>
+                          <a:spcPts val="300"/>
+                        </a:spcBef>
+                        <a:spcAft>
+                          <a:spcPts val="300"/>
+                        </a:spcAft>
+                        <a:buNone/>
+                      </a:pPr>
+                      <a:r>
+                        <a:rPr lang="en-US" sz="1100"/>
+                        <a:t>RNN_UNITS</a:t>
+                      </a:r>
+                      <a:endParaRPr sz="1100"/>
+                    </a:p>
+                  </a:txBody>
+                  <a:tcPr marT="63500" marB="63500" marR="63500" marL="63500"/>
+                </a:tc>
+                <a:tc>
+                  <a:txBody>
+                    <a:bodyPr/>
+                    <a:lstStyle/>
+                    <a:p>
+                      <a:pPr indent="0" lvl="0" marL="0" rtl="0" algn="l">
+                        <a:lnSpc>
+                          <a:spcPct val="115000"/>
+                        </a:lnSpc>
+                        <a:spcBef>
+                          <a:spcPts val="300"/>
+                        </a:spcBef>
+                        <a:spcAft>
+                          <a:spcPts val="300"/>
+                        </a:spcAft>
+                        <a:buNone/>
+                      </a:pPr>
+                      <a:r>
+                        <a:rPr lang="en-US" sz="1100"/>
+                        <a:t>16</a:t>
+                      </a:r>
+                      <a:endParaRPr sz="1100"/>
+                    </a:p>
+                  </a:txBody>
+                  <a:tcPr marT="63500" marB="63500" marR="63500" marL="63500"/>
+                </a:tc>
+              </a:tr>
+              <a:tr h="12700">
+                <a:tc>
+                  <a:txBody>
+                    <a:bodyPr/>
+                    <a:lstStyle/>
+                    <a:p>
+                      <a:pPr indent="0" lvl="0" marL="0" rtl="0" algn="l">
+                        <a:lnSpc>
+                          <a:spcPct val="115000"/>
+                        </a:lnSpc>
+                        <a:spcBef>
+                          <a:spcPts val="300"/>
+                        </a:spcBef>
+                        <a:spcAft>
+                          <a:spcPts val="300"/>
+                        </a:spcAft>
+                        <a:buNone/>
+                      </a:pPr>
+                      <a:r>
+                        <a:rPr lang="en-US" sz="1100"/>
+                        <a:t>NUM_LSTM_LAYERS</a:t>
+                      </a:r>
+                      <a:endParaRPr sz="1100"/>
+                    </a:p>
+                  </a:txBody>
+                  <a:tcPr marT="63500" marB="63500" marR="63500" marL="63500"/>
+                </a:tc>
+                <a:tc>
+                  <a:txBody>
+                    <a:bodyPr/>
+                    <a:lstStyle/>
+                    <a:p>
+                      <a:pPr indent="0" lvl="0" marL="0" rtl="0" algn="l">
+                        <a:lnSpc>
+                          <a:spcPct val="115000"/>
+                        </a:lnSpc>
+                        <a:spcBef>
+                          <a:spcPts val="300"/>
+                        </a:spcBef>
+                        <a:spcAft>
+                          <a:spcPts val="300"/>
+                        </a:spcAft>
+                        <a:buNone/>
+                      </a:pPr>
+                      <a:r>
+                        <a:rPr lang="en-US" sz="1100"/>
+                        <a:t>2</a:t>
+                      </a:r>
+                      <a:endParaRPr sz="1100"/>
+                    </a:p>
+                  </a:txBody>
+                  <a:tcPr marT="63500" marB="63500" marR="63500" marL="63500"/>
+                </a:tc>
+              </a:tr>
+              <a:tr h="12700">
+                <a:tc>
+                  <a:txBody>
+                    <a:bodyPr/>
+                    <a:lstStyle/>
+                    <a:p>
+                      <a:pPr indent="0" lvl="0" marL="0" rtl="0" algn="l">
+                        <a:lnSpc>
+                          <a:spcPct val="115000"/>
+                        </a:lnSpc>
+                        <a:spcBef>
+                          <a:spcPts val="300"/>
+                        </a:spcBef>
+                        <a:spcAft>
+                          <a:spcPts val="300"/>
+                        </a:spcAft>
+                        <a:buNone/>
+                      </a:pPr>
+                      <a:r>
+                        <a:rPr lang="en-US" sz="1100"/>
+                        <a:t>DROPOUT</a:t>
+                      </a:r>
+                      <a:endParaRPr sz="1100"/>
+                    </a:p>
+                  </a:txBody>
+                  <a:tcPr marT="63500" marB="63500" marR="63500" marL="63500"/>
+                </a:tc>
+                <a:tc>
+                  <a:txBody>
+                    <a:bodyPr/>
+                    <a:lstStyle/>
+                    <a:p>
+                      <a:pPr indent="0" lvl="0" marL="0" rtl="0" algn="l">
+                        <a:lnSpc>
+                          <a:spcPct val="115000"/>
+                        </a:lnSpc>
+                        <a:spcBef>
+                          <a:spcPts val="300"/>
+                        </a:spcBef>
+                        <a:spcAft>
+                          <a:spcPts val="300"/>
+                        </a:spcAft>
+                        <a:buNone/>
+                      </a:pPr>
+                      <a:r>
+                        <a:rPr lang="en-US" sz="1100"/>
+                        <a:t>0.3</a:t>
+                      </a:r>
+                      <a:endParaRPr sz="1100"/>
+                    </a:p>
+                  </a:txBody>
+                  <a:tcPr marT="63500" marB="63500" marR="63500" marL="63500"/>
+                </a:tc>
+              </a:tr>
+            </a:tbl>
+          </a:graphicData>
+        </a:graphic>
+      </p:graphicFrame>
+    </p:spTree>
+  </p:cSld>
+  <p:clrMapOvr>
+    <a:masterClrMapping/>
+  </p:clrMapOvr>
+</p:sld>
+</file>
+
+<file path=ppt/slides/slide19.xml><?xml version="1.0" encoding="utf-8"?>
+<p:sld xmlns:a="http://schemas.openxmlformats.org/drawingml/2006/main" xmlns:r="http://schemas.openxmlformats.org/officeDocument/2006/relationships" xmlns:mc="http://schemas.openxmlformats.org/markup-compatibility/2006" xmlns:mv="urn:schemas-microsoft-com:mac:vml" xmlns:p="http://schemas.openxmlformats.org/presentationml/2006/main" xmlns:c="http://schemas.openxmlformats.org/drawingml/2006/chart" xmlns:dgm="http://schemas.openxmlformats.org/drawingml/2006/diagram" xmlns:o="urn:schemas-microsoft-com:office:office" xmlns:v="urn:schemas-microsoft-com:vml" xmlns:pvml="urn:schemas-microsoft-com:office:powerpoint" xmlns:com="http://schemas.openxmlformats.org/drawingml/2006/compatibility" xmlns:p14="http://schemas.microsoft.com/office/powerpoint/2010/main" xmlns:p15="http://schemas.microsoft.com/office/powerpoint/2012/main" xmlns:ahyp="http://schemas.microsoft.com/office/drawing/2018/hyperlinkcolor">
+  <p:cSld>
+    <p:spTree>
+      <p:nvGrpSpPr>
+        <p:cNvPr id="221" name="Shape 221"/>
+        <p:cNvGrpSpPr/>
+        <p:nvPr/>
+      </p:nvGrpSpPr>
+      <p:grpSpPr>
+        <a:xfrm>
+          <a:off x="0" y="0"/>
+          <a:ext cx="0" cy="0"/>
+          <a:chOff x="0" y="0"/>
+          <a:chExt cx="0" cy="0"/>
+        </a:xfrm>
+      </p:grpSpPr>
+      <p:sp>
+        <p:nvSpPr>
+          <p:cNvPr id="222" name="Google Shape;222;g326235a0562_0_43"/>
+          <p:cNvSpPr txBox="1"/>
+          <p:nvPr>
+            <p:ph type="title"/>
+          </p:nvPr>
+        </p:nvSpPr>
+        <p:spPr>
+          <a:xfrm>
+            <a:off x="3296100" y="2948225"/>
+            <a:ext cx="5068500" cy="961500"/>
+          </a:xfrm>
+          <a:prstGeom prst="rect">
+            <a:avLst/>
+          </a:prstGeom>
+          <a:noFill/>
+          <a:ln>
+            <a:noFill/>
+          </a:ln>
+        </p:spPr>
+        <p:txBody>
+          <a:bodyPr anchorCtr="0" anchor="t" bIns="45700" lIns="91425" spcFirstLastPara="1" rIns="91425" wrap="square" tIns="45700">
+            <a:noAutofit/>
+          </a:bodyPr>
+          <a:lstStyle/>
+          <a:p>
+            <a:pPr indent="0" lvl="0" marL="0" rtl="0" algn="ctr">
+              <a:lnSpc>
+                <a:spcPct val="90000"/>
+              </a:lnSpc>
+              <a:spcBef>
+                <a:spcPts val="0"/>
+              </a:spcBef>
+              <a:spcAft>
+                <a:spcPts val="0"/>
+              </a:spcAft>
+              <a:buClr>
+                <a:schemeClr val="lt1"/>
+              </a:buClr>
+              <a:buSzPts val="7200"/>
+              <a:buFont typeface="Lato"/>
+              <a:buNone/>
+            </a:pPr>
+            <a:r>
+              <a:rPr lang="en-US" sz="7200"/>
+              <a:t>Evaluation</a:t>
+            </a:r>
+            <a:endParaRPr sz="7200"/>
           </a:p>
         </p:txBody>
       </p:sp>
@@ -16892,7 +19276,7 @@
         <p:spPr>
           <a:xfrm>
             <a:off x="386625" y="1469750"/>
-            <a:ext cx="7627500" cy="1203300"/>
+            <a:ext cx="8287800" cy="1203300"/>
           </a:xfrm>
           <a:prstGeom prst="rect">
             <a:avLst/>
@@ -16935,7 +19319,42 @@
                 <a:cs typeface="Lato"/>
                 <a:sym typeface="Lato"/>
               </a:rPr>
-              <a:t>SESSION-BASED RECOMMENDER SYSTEM FOR RETAIL PRODUCTS</a:t>
+              <a:t>SESSION-BASED RECOMMENDER SYSTEM </a:t>
+            </a:r>
+            <a:endParaRPr b="1" sz="4100">
+              <a:solidFill>
+                <a:srgbClr val="C00000"/>
+              </a:solidFill>
+              <a:latin typeface="Lato"/>
+              <a:ea typeface="Lato"/>
+              <a:cs typeface="Lato"/>
+              <a:sym typeface="Lato"/>
+            </a:endParaRPr>
+          </a:p>
+          <a:p>
+            <a:pPr indent="0" lvl="0" marL="0" marR="0" rtl="0" algn="l">
+              <a:lnSpc>
+                <a:spcPct val="90000"/>
+              </a:lnSpc>
+              <a:spcBef>
+                <a:spcPts val="0"/>
+              </a:spcBef>
+              <a:spcAft>
+                <a:spcPts val="0"/>
+              </a:spcAft>
+              <a:buNone/>
+            </a:pPr>
+            <a:r>
+              <a:rPr b="1" lang="en-US" sz="4100">
+                <a:solidFill>
+                  <a:srgbClr val="C00000"/>
+                </a:solidFill>
+                <a:latin typeface="Lato"/>
+                <a:ea typeface="Lato"/>
+                <a:cs typeface="Lato"/>
+                <a:sym typeface="Lato"/>
+              </a:rPr>
+              <a:t>FOR RETAIL PRODUCTS</a:t>
             </a:r>
             <a:endParaRPr b="1" i="0" sz="4100" u="none" cap="none" strike="noStrike">
               <a:solidFill>
@@ -16957,7 +19376,7 @@
         </p:nvSpPr>
         <p:spPr>
           <a:xfrm>
-            <a:off x="386625" y="3431625"/>
+            <a:off x="386625" y="3295075"/>
             <a:ext cx="4309500" cy="595800"/>
           </a:xfrm>
           <a:prstGeom prst="rect">
@@ -17067,10 +19486,10 @@
         </p:nvGrpSpPr>
         <p:grpSpPr>
           <a:xfrm>
-            <a:off x="386634" y="4027437"/>
-            <a:ext cx="4839835" cy="1506205"/>
+            <a:off x="386634" y="3890887"/>
+            <a:ext cx="4839835" cy="1506300"/>
             <a:chOff x="386634" y="3477906"/>
-            <a:chExt cx="4839835" cy="1506205"/>
+            <a:chExt cx="4839835" cy="1506300"/>
           </a:xfrm>
         </p:grpSpPr>
         <p:sp>
@@ -17082,7 +19501,7 @@
           <p:spPr>
             <a:xfrm>
               <a:off x="386634" y="3477906"/>
-              <a:ext cx="2419365" cy="1506205"/>
+              <a:ext cx="2419500" cy="1506300"/>
             </a:xfrm>
             <a:prstGeom prst="rect">
               <a:avLst/>
@@ -17510,6 +19929,3167 @@
           </p:txBody>
         </p:sp>
       </p:grpSp>
+      <p:sp>
+        <p:nvSpPr>
+          <p:cNvPr id="94" name="Google Shape;94;p2"/>
+          <p:cNvSpPr txBox="1"/>
+          <p:nvPr/>
+        </p:nvSpPr>
+        <p:spPr>
+          <a:xfrm>
+            <a:off x="465075" y="5397175"/>
+            <a:ext cx="4892400" cy="615000"/>
+          </a:xfrm>
+          <a:prstGeom prst="rect">
+            <a:avLst/>
+          </a:prstGeom>
+          <a:noFill/>
+          <a:ln>
+            <a:noFill/>
+          </a:ln>
+        </p:spPr>
+        <p:txBody>
+          <a:bodyPr anchorCtr="0" anchor="t" bIns="91425" lIns="91425" spcFirstLastPara="1" rIns="91425" wrap="square" tIns="91425">
+            <a:spAutoFit/>
+          </a:bodyPr>
+          <a:lstStyle/>
+          <a:p>
+            <a:pPr indent="0" lvl="0" marL="0" rtl="0" algn="l">
+              <a:lnSpc>
+                <a:spcPct val="115000"/>
+              </a:lnSpc>
+              <a:spcBef>
+                <a:spcPts val="0"/>
+              </a:spcBef>
+              <a:spcAft>
+                <a:spcPts val="0"/>
+              </a:spcAft>
+              <a:buNone/>
+            </a:pPr>
+            <a:r>
+              <a:rPr lang="en-US" sz="1300">
+                <a:solidFill>
+                  <a:schemeClr val="dk1"/>
+                </a:solidFill>
+              </a:rPr>
+              <a:t>Our work are at: </a:t>
+            </a:r>
+            <a:r>
+              <a:rPr lang="en-US" sz="1300" u="sng">
+                <a:solidFill>
+                  <a:schemeClr val="dk1"/>
+                </a:solidFill>
+              </a:rPr>
+              <a:t>https://github.com/datvodinh/otto-recommendation-system.git</a:t>
+            </a:r>
+            <a:endParaRPr sz="1600"/>
+          </a:p>
+        </p:txBody>
+      </p:sp>
+    </p:spTree>
+  </p:cSld>
+  <p:clrMapOvr>
+    <a:masterClrMapping/>
+  </p:clrMapOvr>
+</p:sld>
+</file>
+
+<file path=ppt/slides/slide20.xml><?xml version="1.0" encoding="utf-8"?>
+<p:sld xmlns:a="http://schemas.openxmlformats.org/drawingml/2006/main" xmlns:r="http://schemas.openxmlformats.org/officeDocument/2006/relationships" xmlns:mc="http://schemas.openxmlformats.org/markup-compatibility/2006" xmlns:mv="urn:schemas-microsoft-com:mac:vml" xmlns:p="http://schemas.openxmlformats.org/presentationml/2006/main" xmlns:c="http://schemas.openxmlformats.org/drawingml/2006/chart" xmlns:dgm="http://schemas.openxmlformats.org/drawingml/2006/diagram" xmlns:o="urn:schemas-microsoft-com:office:office" xmlns:v="urn:schemas-microsoft-com:vml" xmlns:pvml="urn:schemas-microsoft-com:office:powerpoint" xmlns:com="http://schemas.openxmlformats.org/drawingml/2006/compatibility" xmlns:p14="http://schemas.microsoft.com/office/powerpoint/2010/main" xmlns:p15="http://schemas.microsoft.com/office/powerpoint/2012/main" xmlns:ahyp="http://schemas.microsoft.com/office/drawing/2018/hyperlinkcolor">
+  <p:cSld>
+    <p:spTree>
+      <p:nvGrpSpPr>
+        <p:cNvPr id="226" name="Shape 226"/>
+        <p:cNvGrpSpPr/>
+        <p:nvPr/>
+      </p:nvGrpSpPr>
+      <p:grpSpPr>
+        <a:xfrm>
+          <a:off x="0" y="0"/>
+          <a:ext cx="0" cy="0"/>
+          <a:chOff x="0" y="0"/>
+          <a:chExt cx="0" cy="0"/>
+        </a:xfrm>
+      </p:grpSpPr>
+      <p:sp>
+        <p:nvSpPr>
+          <p:cNvPr id="227" name="Google Shape;227;g326235a0562_0_47"/>
+          <p:cNvSpPr txBox="1"/>
+          <p:nvPr>
+            <p:ph type="title"/>
+          </p:nvPr>
+        </p:nvSpPr>
+        <p:spPr>
+          <a:xfrm>
+            <a:off x="338736" y="112543"/>
+            <a:ext cx="11514600" cy="436200"/>
+          </a:xfrm>
+          <a:prstGeom prst="rect">
+            <a:avLst/>
+          </a:prstGeom>
+          <a:noFill/>
+          <a:ln>
+            <a:noFill/>
+          </a:ln>
+        </p:spPr>
+        <p:txBody>
+          <a:bodyPr anchorCtr="0" anchor="t" bIns="45700" lIns="91425" spcFirstLastPara="1" rIns="91425" wrap="square" tIns="45700">
+            <a:noAutofit/>
+          </a:bodyPr>
+          <a:lstStyle/>
+          <a:p>
+            <a:pPr indent="0" lvl="0" marL="0" rtl="0" algn="l">
+              <a:lnSpc>
+                <a:spcPct val="90000"/>
+              </a:lnSpc>
+              <a:spcBef>
+                <a:spcPts val="0"/>
+              </a:spcBef>
+              <a:spcAft>
+                <a:spcPts val="0"/>
+              </a:spcAft>
+              <a:buClr>
+                <a:schemeClr val="lt1"/>
+              </a:buClr>
+              <a:buSzPts val="2800"/>
+              <a:buFont typeface="Lato"/>
+              <a:buNone/>
+            </a:pPr>
+            <a:r>
+              <a:rPr lang="en-US" sz="3600"/>
+              <a:t>Metrics</a:t>
+            </a:r>
+            <a:endParaRPr sz="3600"/>
+          </a:p>
+        </p:txBody>
+      </p:sp>
+      <p:sp>
+        <p:nvSpPr>
+          <p:cNvPr id="228" name="Google Shape;228;g326235a0562_0_47"/>
+          <p:cNvSpPr txBox="1"/>
+          <p:nvPr>
+            <p:ph idx="1" type="body"/>
+          </p:nvPr>
+        </p:nvSpPr>
+        <p:spPr>
+          <a:xfrm>
+            <a:off x="338736" y="958689"/>
+            <a:ext cx="11514600" cy="436200"/>
+          </a:xfrm>
+          <a:prstGeom prst="rect">
+            <a:avLst/>
+          </a:prstGeom>
+          <a:noFill/>
+          <a:ln>
+            <a:noFill/>
+          </a:ln>
+        </p:spPr>
+        <p:txBody>
+          <a:bodyPr anchorCtr="0" anchor="t" bIns="45700" lIns="91425" spcFirstLastPara="1" rIns="91425" wrap="square" tIns="45700">
+            <a:noAutofit/>
+          </a:bodyPr>
+          <a:lstStyle/>
+          <a:p>
+            <a:pPr indent="0" lvl="0" marL="0" rtl="0" algn="l">
+              <a:lnSpc>
+                <a:spcPct val="90000"/>
+              </a:lnSpc>
+              <a:spcBef>
+                <a:spcPts val="0"/>
+              </a:spcBef>
+              <a:spcAft>
+                <a:spcPts val="0"/>
+              </a:spcAft>
+              <a:buClr>
+                <a:schemeClr val="dk1"/>
+              </a:buClr>
+              <a:buSzPts val="2400"/>
+              <a:buNone/>
+            </a:pPr>
+            <a:r>
+              <a:rPr b="1" lang="en-US" sz="3200">
+                <a:latin typeface="Arial"/>
+                <a:ea typeface="Arial"/>
+                <a:cs typeface="Arial"/>
+                <a:sym typeface="Arial"/>
+              </a:rPr>
+              <a:t>Metrics</a:t>
+            </a:r>
+            <a:endParaRPr sz="3700"/>
+          </a:p>
+        </p:txBody>
+      </p:sp>
+      <p:sp>
+        <p:nvSpPr>
+          <p:cNvPr id="229" name="Google Shape;229;g326235a0562_0_47"/>
+          <p:cNvSpPr txBox="1"/>
+          <p:nvPr>
+            <p:ph idx="12" type="sldNum"/>
+          </p:nvPr>
+        </p:nvSpPr>
+        <p:spPr>
+          <a:xfrm>
+            <a:off x="9156511" y="6492875"/>
+            <a:ext cx="2743200" cy="365100"/>
+          </a:xfrm>
+          <a:prstGeom prst="rect">
+            <a:avLst/>
+          </a:prstGeom>
+          <a:noFill/>
+          <a:ln>
+            <a:noFill/>
+          </a:ln>
+        </p:spPr>
+        <p:txBody>
+          <a:bodyPr anchorCtr="0" anchor="t" bIns="45700" lIns="91425" spcFirstLastPara="1" rIns="91425" wrap="square" tIns="45700">
+            <a:noAutofit/>
+          </a:bodyPr>
+          <a:lstStyle/>
+          <a:p>
+            <a:pPr indent="0" lvl="0" marL="0" rtl="0" algn="r">
+              <a:spcBef>
+                <a:spcPts val="0"/>
+              </a:spcBef>
+              <a:spcAft>
+                <a:spcPts val="0"/>
+              </a:spcAft>
+              <a:buNone/>
+            </a:pPr>
+            <a:fld id="{00000000-1234-1234-1234-123412341234}" type="slidenum">
+              <a:rPr lang="en-US"/>
+              <a:t>‹#›</a:t>
+            </a:fld>
+            <a:endParaRPr/>
+          </a:p>
+        </p:txBody>
+      </p:sp>
+      <p:sp>
+        <p:nvSpPr>
+          <p:cNvPr id="230" name="Google Shape;230;g326235a0562_0_47"/>
+          <p:cNvSpPr txBox="1"/>
+          <p:nvPr/>
+        </p:nvSpPr>
+        <p:spPr>
+          <a:xfrm>
+            <a:off x="687775" y="1578849"/>
+            <a:ext cx="10816500" cy="2281800"/>
+          </a:xfrm>
+          <a:prstGeom prst="rect">
+            <a:avLst/>
+          </a:prstGeom>
+          <a:noFill/>
+          <a:ln>
+            <a:noFill/>
+          </a:ln>
+        </p:spPr>
+        <p:txBody>
+          <a:bodyPr anchorCtr="0" anchor="t" bIns="45700" lIns="91425" spcFirstLastPara="1" rIns="91425" wrap="square" tIns="45700">
+            <a:spAutoFit/>
+          </a:bodyPr>
+          <a:lstStyle/>
+          <a:p>
+            <a:pPr indent="0" lvl="0" marL="0" rtl="0" algn="l">
+              <a:lnSpc>
+                <a:spcPct val="115000"/>
+              </a:lnSpc>
+              <a:spcBef>
+                <a:spcPts val="1200"/>
+              </a:spcBef>
+              <a:spcAft>
+                <a:spcPts val="0"/>
+              </a:spcAft>
+              <a:buClr>
+                <a:schemeClr val="dk1"/>
+              </a:buClr>
+              <a:buSzPts val="1100"/>
+              <a:buFont typeface="Arial"/>
+              <a:buNone/>
+            </a:pPr>
+            <a:r>
+              <a:rPr b="1" lang="en-US" sz="2500">
+                <a:solidFill>
+                  <a:schemeClr val="dk1"/>
+                </a:solidFill>
+              </a:rPr>
+              <a:t>Evaluation Metrics</a:t>
+            </a:r>
+            <a:endParaRPr b="1" sz="2500">
+              <a:solidFill>
+                <a:schemeClr val="dk1"/>
+              </a:solidFill>
+            </a:endParaRPr>
+          </a:p>
+          <a:p>
+            <a:pPr indent="-387350" lvl="0" marL="457200" rtl="0" algn="l">
+              <a:lnSpc>
+                <a:spcPct val="115000"/>
+              </a:lnSpc>
+              <a:spcBef>
+                <a:spcPts val="1200"/>
+              </a:spcBef>
+              <a:spcAft>
+                <a:spcPts val="0"/>
+              </a:spcAft>
+              <a:buClr>
+                <a:schemeClr val="dk1"/>
+              </a:buClr>
+              <a:buSzPts val="2500"/>
+              <a:buChar char="●"/>
+            </a:pPr>
+            <a:r>
+              <a:rPr b="1" lang="en-US" sz="2500">
+                <a:solidFill>
+                  <a:schemeClr val="dk1"/>
+                </a:solidFill>
+              </a:rPr>
+              <a:t>Metric:</a:t>
+            </a:r>
+            <a:r>
+              <a:rPr lang="en-US" sz="2500">
+                <a:solidFill>
+                  <a:schemeClr val="dk1"/>
+                </a:solidFill>
+              </a:rPr>
+              <a:t> Recall@20 (weighted by click, cart, and order importance).</a:t>
+            </a:r>
+            <a:endParaRPr sz="2500">
+              <a:solidFill>
+                <a:schemeClr val="dk1"/>
+              </a:solidFill>
+            </a:endParaRPr>
+          </a:p>
+          <a:p>
+            <a:pPr indent="-387350" lvl="0" marL="457200" rtl="0" algn="l">
+              <a:lnSpc>
+                <a:spcPct val="115000"/>
+              </a:lnSpc>
+              <a:spcBef>
+                <a:spcPts val="0"/>
+              </a:spcBef>
+              <a:spcAft>
+                <a:spcPts val="0"/>
+              </a:spcAft>
+              <a:buClr>
+                <a:schemeClr val="dk1"/>
+              </a:buClr>
+              <a:buSzPts val="2500"/>
+              <a:buChar char="●"/>
+            </a:pPr>
+            <a:r>
+              <a:rPr b="1" lang="en-US" sz="2500">
+                <a:solidFill>
+                  <a:schemeClr val="dk1"/>
+                </a:solidFill>
+              </a:rPr>
+              <a:t>Score Calculation:</a:t>
+            </a:r>
+            <a:endParaRPr sz="2500">
+              <a:solidFill>
+                <a:schemeClr val="dk1"/>
+              </a:solidFill>
+            </a:endParaRPr>
+          </a:p>
+          <a:p>
+            <a:pPr indent="0" lvl="0" marL="0" rtl="0" algn="just">
+              <a:spcBef>
+                <a:spcPts val="1200"/>
+              </a:spcBef>
+              <a:spcAft>
+                <a:spcPts val="0"/>
+              </a:spcAft>
+              <a:buSzPts val="1100"/>
+              <a:buNone/>
+            </a:pPr>
+            <a:r>
+              <a:t/>
+            </a:r>
+            <a:endParaRPr b="1" sz="3600">
+              <a:solidFill>
+                <a:schemeClr val="dk1"/>
+              </a:solidFill>
+            </a:endParaRPr>
+          </a:p>
+        </p:txBody>
+      </p:sp>
+      <p:pic>
+        <p:nvPicPr>
+          <p:cNvPr id="231" name="Google Shape;231;g326235a0562_0_47"/>
+          <p:cNvPicPr preferRelativeResize="0"/>
+          <p:nvPr/>
+        </p:nvPicPr>
+        <p:blipFill>
+          <a:blip r:embed="rId3">
+            <a:alphaModFix/>
+          </a:blip>
+          <a:stretch>
+            <a:fillRect/>
+          </a:stretch>
+        </p:blipFill>
+        <p:spPr>
+          <a:xfrm>
+            <a:off x="1288448" y="3458050"/>
+            <a:ext cx="9615150" cy="811450"/>
+          </a:xfrm>
+          <a:prstGeom prst="rect">
+            <a:avLst/>
+          </a:prstGeom>
+          <a:noFill/>
+          <a:ln>
+            <a:noFill/>
+          </a:ln>
+        </p:spPr>
+      </p:pic>
+    </p:spTree>
+  </p:cSld>
+  <p:clrMapOvr>
+    <a:masterClrMapping/>
+  </p:clrMapOvr>
+</p:sld>
+</file>
+
+<file path=ppt/slides/slide21.xml><?xml version="1.0" encoding="utf-8"?>
+<p:sld xmlns:a="http://schemas.openxmlformats.org/drawingml/2006/main" xmlns:r="http://schemas.openxmlformats.org/officeDocument/2006/relationships" xmlns:mc="http://schemas.openxmlformats.org/markup-compatibility/2006" xmlns:mv="urn:schemas-microsoft-com:mac:vml" xmlns:p="http://schemas.openxmlformats.org/presentationml/2006/main" xmlns:c="http://schemas.openxmlformats.org/drawingml/2006/chart" xmlns:dgm="http://schemas.openxmlformats.org/drawingml/2006/diagram" xmlns:o="urn:schemas-microsoft-com:office:office" xmlns:v="urn:schemas-microsoft-com:vml" xmlns:pvml="urn:schemas-microsoft-com:office:powerpoint" xmlns:com="http://schemas.openxmlformats.org/drawingml/2006/compatibility" xmlns:p14="http://schemas.microsoft.com/office/powerpoint/2010/main" xmlns:p15="http://schemas.microsoft.com/office/powerpoint/2012/main" xmlns:ahyp="http://schemas.microsoft.com/office/drawing/2018/hyperlinkcolor">
+  <p:cSld>
+    <p:spTree>
+      <p:nvGrpSpPr>
+        <p:cNvPr id="235" name="Shape 235"/>
+        <p:cNvGrpSpPr/>
+        <p:nvPr/>
+      </p:nvGrpSpPr>
+      <p:grpSpPr>
+        <a:xfrm>
+          <a:off x="0" y="0"/>
+          <a:ext cx="0" cy="0"/>
+          <a:chOff x="0" y="0"/>
+          <a:chExt cx="0" cy="0"/>
+        </a:xfrm>
+      </p:grpSpPr>
+      <p:sp>
+        <p:nvSpPr>
+          <p:cNvPr id="236" name="Google Shape;236;g326235a0562_0_57"/>
+          <p:cNvSpPr txBox="1"/>
+          <p:nvPr>
+            <p:ph type="title"/>
+          </p:nvPr>
+        </p:nvSpPr>
+        <p:spPr>
+          <a:xfrm>
+            <a:off x="338736" y="112543"/>
+            <a:ext cx="11514600" cy="436200"/>
+          </a:xfrm>
+          <a:prstGeom prst="rect">
+            <a:avLst/>
+          </a:prstGeom>
+          <a:noFill/>
+          <a:ln>
+            <a:noFill/>
+          </a:ln>
+        </p:spPr>
+        <p:txBody>
+          <a:bodyPr anchorCtr="0" anchor="t" bIns="45700" lIns="91425" spcFirstLastPara="1" rIns="91425" wrap="square" tIns="45700">
+            <a:noAutofit/>
+          </a:bodyPr>
+          <a:lstStyle/>
+          <a:p>
+            <a:pPr indent="0" lvl="0" marL="0" rtl="0" algn="l">
+              <a:lnSpc>
+                <a:spcPct val="90000"/>
+              </a:lnSpc>
+              <a:spcBef>
+                <a:spcPts val="0"/>
+              </a:spcBef>
+              <a:spcAft>
+                <a:spcPts val="0"/>
+              </a:spcAft>
+              <a:buClr>
+                <a:schemeClr val="lt1"/>
+              </a:buClr>
+              <a:buSzPts val="2800"/>
+              <a:buFont typeface="Lato"/>
+              <a:buNone/>
+            </a:pPr>
+            <a:r>
+              <a:rPr lang="en-US" sz="3600"/>
+              <a:t>Result</a:t>
+            </a:r>
+            <a:endParaRPr sz="3600"/>
+          </a:p>
+        </p:txBody>
+      </p:sp>
+      <p:sp>
+        <p:nvSpPr>
+          <p:cNvPr id="237" name="Google Shape;237;g326235a0562_0_57"/>
+          <p:cNvSpPr txBox="1"/>
+          <p:nvPr>
+            <p:ph idx="12" type="sldNum"/>
+          </p:nvPr>
+        </p:nvSpPr>
+        <p:spPr>
+          <a:xfrm>
+            <a:off x="9156511" y="6492875"/>
+            <a:ext cx="2743200" cy="365100"/>
+          </a:xfrm>
+          <a:prstGeom prst="rect">
+            <a:avLst/>
+          </a:prstGeom>
+          <a:noFill/>
+          <a:ln>
+            <a:noFill/>
+          </a:ln>
+        </p:spPr>
+        <p:txBody>
+          <a:bodyPr anchorCtr="0" anchor="t" bIns="45700" lIns="91425" spcFirstLastPara="1" rIns="91425" wrap="square" tIns="45700">
+            <a:noAutofit/>
+          </a:bodyPr>
+          <a:lstStyle/>
+          <a:p>
+            <a:pPr indent="0" lvl="0" marL="0" rtl="0" algn="r">
+              <a:spcBef>
+                <a:spcPts val="0"/>
+              </a:spcBef>
+              <a:spcAft>
+                <a:spcPts val="0"/>
+              </a:spcAft>
+              <a:buNone/>
+            </a:pPr>
+            <a:fld id="{00000000-1234-1234-1234-123412341234}" type="slidenum">
+              <a:rPr lang="en-US"/>
+              <a:t>‹#›</a:t>
+            </a:fld>
+            <a:endParaRPr/>
+          </a:p>
+        </p:txBody>
+      </p:sp>
+      <p:graphicFrame>
+        <p:nvGraphicFramePr>
+          <p:cNvPr id="238" name="Google Shape;238;g326235a0562_0_57"/>
+          <p:cNvGraphicFramePr/>
+          <p:nvPr/>
+        </p:nvGraphicFramePr>
+        <p:xfrm>
+          <a:off x="1865538" y="1745475"/>
+          <a:ext cx="3000000" cy="3000000"/>
+        </p:xfrm>
+        <a:graphic>
+          <a:graphicData uri="http://schemas.openxmlformats.org/drawingml/2006/table">
+            <a:tbl>
+              <a:tblPr>
+                <a:noFill/>
+                <a:tableStyleId>{39F48B42-18BF-4FEB-83C0-E6389B33C861}</a:tableStyleId>
+              </a:tblPr>
+              <a:tblGrid>
+                <a:gridCol w="5681300"/>
+                <a:gridCol w="2779625"/>
+              </a:tblGrid>
+              <a:tr h="561175">
+                <a:tc>
+                  <a:txBody>
+                    <a:bodyPr/>
+                    <a:lstStyle/>
+                    <a:p>
+                      <a:pPr indent="0" lvl="0" marL="0" rtl="0" algn="ctr">
+                        <a:spcBef>
+                          <a:spcPts val="0"/>
+                        </a:spcBef>
+                        <a:spcAft>
+                          <a:spcPts val="0"/>
+                        </a:spcAft>
+                        <a:buNone/>
+                      </a:pPr>
+                      <a:r>
+                        <a:rPr b="1" lang="en-US" sz="1600"/>
+                        <a:t>Method</a:t>
+                      </a:r>
+                      <a:endParaRPr b="1" sz="1600"/>
+                    </a:p>
+                  </a:txBody>
+                  <a:tcPr marT="63500" marB="63500" marR="63500" marL="63500"/>
+                </a:tc>
+                <a:tc>
+                  <a:txBody>
+                    <a:bodyPr/>
+                    <a:lstStyle/>
+                    <a:p>
+                      <a:pPr indent="0" lvl="0" marL="0" rtl="0" algn="ctr">
+                        <a:spcBef>
+                          <a:spcPts val="0"/>
+                        </a:spcBef>
+                        <a:spcAft>
+                          <a:spcPts val="0"/>
+                        </a:spcAft>
+                        <a:buNone/>
+                      </a:pPr>
+                      <a:r>
+                        <a:rPr b="1" lang="en-US" sz="1600"/>
+                        <a:t>Recall@20</a:t>
+                      </a:r>
+                      <a:endParaRPr b="1" sz="1600"/>
+                    </a:p>
+                  </a:txBody>
+                  <a:tcPr marT="63500" marB="63500" marR="63500" marL="63500"/>
+                </a:tc>
+              </a:tr>
+              <a:tr h="561175">
+                <a:tc>
+                  <a:txBody>
+                    <a:bodyPr/>
+                    <a:lstStyle/>
+                    <a:p>
+                      <a:pPr indent="0" lvl="0" marL="0" rtl="0" algn="ctr">
+                        <a:spcBef>
+                          <a:spcPts val="0"/>
+                        </a:spcBef>
+                        <a:spcAft>
+                          <a:spcPts val="0"/>
+                        </a:spcAft>
+                        <a:buNone/>
+                      </a:pPr>
+                      <a:r>
+                        <a:rPr lang="en-US" sz="1600"/>
+                        <a:t>Covisitation Matrix (Our)</a:t>
+                      </a:r>
+                      <a:endParaRPr sz="1600"/>
+                    </a:p>
+                  </a:txBody>
+                  <a:tcPr marT="63500" marB="63500" marR="63500" marL="63500"/>
+                </a:tc>
+                <a:tc>
+                  <a:txBody>
+                    <a:bodyPr/>
+                    <a:lstStyle/>
+                    <a:p>
+                      <a:pPr indent="0" lvl="0" marL="0" rtl="0" algn="ctr">
+                        <a:spcBef>
+                          <a:spcPts val="0"/>
+                        </a:spcBef>
+                        <a:spcAft>
+                          <a:spcPts val="0"/>
+                        </a:spcAft>
+                        <a:buNone/>
+                      </a:pPr>
+                      <a:r>
+                        <a:rPr lang="en-US" sz="1600"/>
+                        <a:t>0.161</a:t>
+                      </a:r>
+                      <a:endParaRPr sz="1600"/>
+                    </a:p>
+                  </a:txBody>
+                  <a:tcPr marT="63500" marB="63500" marR="63500" marL="63500"/>
+                </a:tc>
+              </a:tr>
+              <a:tr h="561175">
+                <a:tc>
+                  <a:txBody>
+                    <a:bodyPr/>
+                    <a:lstStyle/>
+                    <a:p>
+                      <a:pPr indent="0" lvl="0" marL="0" rtl="0" algn="ctr">
+                        <a:spcBef>
+                          <a:spcPts val="0"/>
+                        </a:spcBef>
+                        <a:spcAft>
+                          <a:spcPts val="0"/>
+                        </a:spcAft>
+                        <a:buNone/>
+                      </a:pPr>
+                      <a:r>
+                        <a:rPr lang="en-US" sz="1600"/>
+                        <a:t>GNN (Our)</a:t>
+                      </a:r>
+                      <a:endParaRPr sz="1600"/>
+                    </a:p>
+                  </a:txBody>
+                  <a:tcPr marT="63500" marB="63500" marR="63500" marL="63500"/>
+                </a:tc>
+                <a:tc>
+                  <a:txBody>
+                    <a:bodyPr/>
+                    <a:lstStyle/>
+                    <a:p>
+                      <a:pPr indent="0" lvl="0" marL="0" rtl="0" algn="ctr">
+                        <a:spcBef>
+                          <a:spcPts val="0"/>
+                        </a:spcBef>
+                        <a:spcAft>
+                          <a:spcPts val="0"/>
+                        </a:spcAft>
+                        <a:buNone/>
+                      </a:pPr>
+                      <a:r>
+                        <a:rPr lang="en-US" sz="1600"/>
+                        <a:t>0.486</a:t>
+                      </a:r>
+                      <a:endParaRPr sz="1600"/>
+                    </a:p>
+                  </a:txBody>
+                  <a:tcPr marT="63500" marB="63500" marR="63500" marL="63500"/>
+                </a:tc>
+              </a:tr>
+              <a:tr h="561175">
+                <a:tc>
+                  <a:txBody>
+                    <a:bodyPr/>
+                    <a:lstStyle/>
+                    <a:p>
+                      <a:pPr indent="0" lvl="0" marL="0" rtl="0" algn="ctr">
+                        <a:spcBef>
+                          <a:spcPts val="0"/>
+                        </a:spcBef>
+                        <a:spcAft>
+                          <a:spcPts val="0"/>
+                        </a:spcAft>
+                        <a:buNone/>
+                      </a:pPr>
+                      <a:r>
+                        <a:rPr lang="en-US" sz="1600"/>
+                        <a:t>Word2Vec (Kaggle)</a:t>
+                      </a:r>
+                      <a:endParaRPr sz="1600"/>
+                    </a:p>
+                  </a:txBody>
+                  <a:tcPr marT="63500" marB="63500" marR="63500" marL="63500"/>
+                </a:tc>
+                <a:tc>
+                  <a:txBody>
+                    <a:bodyPr/>
+                    <a:lstStyle/>
+                    <a:p>
+                      <a:pPr indent="0" lvl="0" marL="0" rtl="0" algn="ctr">
+                        <a:spcBef>
+                          <a:spcPts val="0"/>
+                        </a:spcBef>
+                        <a:spcAft>
+                          <a:spcPts val="0"/>
+                        </a:spcAft>
+                        <a:buNone/>
+                      </a:pPr>
+                      <a:r>
+                        <a:rPr lang="en-US" sz="1600"/>
+                        <a:t>0.533</a:t>
+                      </a:r>
+                      <a:endParaRPr sz="1600"/>
+                    </a:p>
+                  </a:txBody>
+                  <a:tcPr marT="63500" marB="63500" marR="63500" marL="63500"/>
+                </a:tc>
+              </a:tr>
+              <a:tr h="561175">
+                <a:tc>
+                  <a:txBody>
+                    <a:bodyPr/>
+                    <a:lstStyle/>
+                    <a:p>
+                      <a:pPr indent="0" lvl="0" marL="0" rtl="0" algn="ctr">
+                        <a:spcBef>
+                          <a:spcPts val="0"/>
+                        </a:spcBef>
+                        <a:spcAft>
+                          <a:spcPts val="0"/>
+                        </a:spcAft>
+                        <a:buNone/>
+                      </a:pPr>
+                      <a:r>
+                        <a:rPr lang="en-US" sz="1600"/>
+                        <a:t>Co-visitation + LGBM Ranker (Kaggle)</a:t>
+                      </a:r>
+                      <a:endParaRPr sz="1600"/>
+                    </a:p>
+                  </a:txBody>
+                  <a:tcPr marT="63500" marB="63500" marR="63500" marL="63500"/>
+                </a:tc>
+                <a:tc>
+                  <a:txBody>
+                    <a:bodyPr/>
+                    <a:lstStyle/>
+                    <a:p>
+                      <a:pPr indent="0" lvl="0" marL="0" rtl="0" algn="ctr">
+                        <a:spcBef>
+                          <a:spcPts val="0"/>
+                        </a:spcBef>
+                        <a:spcAft>
+                          <a:spcPts val="0"/>
+                        </a:spcAft>
+                        <a:buNone/>
+                      </a:pPr>
+                      <a:r>
+                        <a:rPr lang="en-US" sz="1600"/>
+                        <a:t>0.551</a:t>
+                      </a:r>
+                      <a:endParaRPr sz="1600"/>
+                    </a:p>
+                  </a:txBody>
+                  <a:tcPr marT="63500" marB="63500" marR="63500" marL="63500"/>
+                </a:tc>
+              </a:tr>
+              <a:tr h="561175">
+                <a:tc>
+                  <a:txBody>
+                    <a:bodyPr/>
+                    <a:lstStyle/>
+                    <a:p>
+                      <a:pPr indent="0" lvl="0" marL="0" rtl="0" algn="ctr">
+                        <a:spcBef>
+                          <a:spcPts val="0"/>
+                        </a:spcBef>
+                        <a:spcAft>
+                          <a:spcPts val="0"/>
+                        </a:spcAft>
+                        <a:buNone/>
+                      </a:pPr>
+                      <a:r>
+                        <a:rPr lang="en-US" sz="1600"/>
+                        <a:t>Co-visitation + Word2Vec + Factorization + XGBoost (Our)</a:t>
+                      </a:r>
+                      <a:endParaRPr sz="1600"/>
+                    </a:p>
+                  </a:txBody>
+                  <a:tcPr marT="63500" marB="63500" marR="63500" marL="63500"/>
+                </a:tc>
+                <a:tc>
+                  <a:txBody>
+                    <a:bodyPr/>
+                    <a:lstStyle/>
+                    <a:p>
+                      <a:pPr indent="0" lvl="0" marL="0" rtl="0" algn="ctr">
+                        <a:spcBef>
+                          <a:spcPts val="0"/>
+                        </a:spcBef>
+                        <a:spcAft>
+                          <a:spcPts val="0"/>
+                        </a:spcAft>
+                        <a:buNone/>
+                      </a:pPr>
+                      <a:r>
+                        <a:rPr lang="en-US" sz="1600"/>
+                        <a:t>0.573</a:t>
+                      </a:r>
+                      <a:endParaRPr sz="1600"/>
+                    </a:p>
+                  </a:txBody>
+                  <a:tcPr marT="63500" marB="63500" marR="63500" marL="63500"/>
+                </a:tc>
+              </a:tr>
+            </a:tbl>
+          </a:graphicData>
+        </a:graphic>
+      </p:graphicFrame>
+    </p:spTree>
+  </p:cSld>
+  <p:clrMapOvr>
+    <a:masterClrMapping/>
+  </p:clrMapOvr>
+</p:sld>
+</file>
+
+<file path=ppt/slides/slide22.xml><?xml version="1.0" encoding="utf-8"?>
+<p:sld xmlns:a="http://schemas.openxmlformats.org/drawingml/2006/main" xmlns:r="http://schemas.openxmlformats.org/officeDocument/2006/relationships" xmlns:mc="http://schemas.openxmlformats.org/markup-compatibility/2006" xmlns:mv="urn:schemas-microsoft-com:mac:vml" xmlns:p="http://schemas.openxmlformats.org/presentationml/2006/main" xmlns:c="http://schemas.openxmlformats.org/drawingml/2006/chart" xmlns:dgm="http://schemas.openxmlformats.org/drawingml/2006/diagram" xmlns:o="urn:schemas-microsoft-com:office:office" xmlns:v="urn:schemas-microsoft-com:vml" xmlns:pvml="urn:schemas-microsoft-com:office:powerpoint" xmlns:com="http://schemas.openxmlformats.org/drawingml/2006/compatibility" xmlns:p14="http://schemas.microsoft.com/office/powerpoint/2010/main" xmlns:p15="http://schemas.microsoft.com/office/powerpoint/2012/main" xmlns:ahyp="http://schemas.microsoft.com/office/drawing/2018/hyperlinkcolor">
+  <p:cSld>
+    <p:spTree>
+      <p:nvGrpSpPr>
+        <p:cNvPr id="242" name="Shape 242"/>
+        <p:cNvGrpSpPr/>
+        <p:nvPr/>
+      </p:nvGrpSpPr>
+      <p:grpSpPr>
+        <a:xfrm>
+          <a:off x="0" y="0"/>
+          <a:ext cx="0" cy="0"/>
+          <a:chOff x="0" y="0"/>
+          <a:chExt cx="0" cy="0"/>
+        </a:xfrm>
+      </p:grpSpPr>
+      <p:sp>
+        <p:nvSpPr>
+          <p:cNvPr id="243" name="Google Shape;243;g32627264e13_0_67"/>
+          <p:cNvSpPr txBox="1"/>
+          <p:nvPr>
+            <p:ph type="title"/>
+          </p:nvPr>
+        </p:nvSpPr>
+        <p:spPr>
+          <a:xfrm>
+            <a:off x="3576002" y="2948250"/>
+            <a:ext cx="5040000" cy="961500"/>
+          </a:xfrm>
+          <a:prstGeom prst="rect">
+            <a:avLst/>
+          </a:prstGeom>
+          <a:noFill/>
+          <a:ln>
+            <a:noFill/>
+          </a:ln>
+        </p:spPr>
+        <p:txBody>
+          <a:bodyPr anchorCtr="0" anchor="t" bIns="45700" lIns="91425" spcFirstLastPara="1" rIns="91425" wrap="square" tIns="45700">
+            <a:noAutofit/>
+          </a:bodyPr>
+          <a:lstStyle/>
+          <a:p>
+            <a:pPr indent="0" lvl="0" marL="0" rtl="0" algn="ctr">
+              <a:lnSpc>
+                <a:spcPct val="90000"/>
+              </a:lnSpc>
+              <a:spcBef>
+                <a:spcPts val="0"/>
+              </a:spcBef>
+              <a:spcAft>
+                <a:spcPts val="0"/>
+              </a:spcAft>
+              <a:buClr>
+                <a:schemeClr val="lt1"/>
+              </a:buClr>
+              <a:buSzPts val="7200"/>
+              <a:buFont typeface="Lato"/>
+              <a:buNone/>
+            </a:pPr>
+            <a:r>
+              <a:rPr lang="en-US" sz="7200"/>
+              <a:t>Discussion</a:t>
+            </a:r>
+            <a:endParaRPr sz="7200"/>
+          </a:p>
+        </p:txBody>
+      </p:sp>
+    </p:spTree>
+  </p:cSld>
+  <p:clrMapOvr>
+    <a:masterClrMapping/>
+  </p:clrMapOvr>
+</p:sld>
+</file>
+
+<file path=ppt/slides/slide23.xml><?xml version="1.0" encoding="utf-8"?>
+<p:sld xmlns:a="http://schemas.openxmlformats.org/drawingml/2006/main" xmlns:r="http://schemas.openxmlformats.org/officeDocument/2006/relationships" xmlns:mc="http://schemas.openxmlformats.org/markup-compatibility/2006" xmlns:mv="urn:schemas-microsoft-com:mac:vml" xmlns:p="http://schemas.openxmlformats.org/presentationml/2006/main" xmlns:c="http://schemas.openxmlformats.org/drawingml/2006/chart" xmlns:dgm="http://schemas.openxmlformats.org/drawingml/2006/diagram" xmlns:o="urn:schemas-microsoft-com:office:office" xmlns:v="urn:schemas-microsoft-com:vml" xmlns:pvml="urn:schemas-microsoft-com:office:powerpoint" xmlns:com="http://schemas.openxmlformats.org/drawingml/2006/compatibility" xmlns:p14="http://schemas.microsoft.com/office/powerpoint/2010/main" xmlns:p15="http://schemas.microsoft.com/office/powerpoint/2012/main" xmlns:ahyp="http://schemas.microsoft.com/office/drawing/2018/hyperlinkcolor">
+  <p:cSld>
+    <p:spTree>
+      <p:nvGrpSpPr>
+        <p:cNvPr id="247" name="Shape 247"/>
+        <p:cNvGrpSpPr/>
+        <p:nvPr/>
+      </p:nvGrpSpPr>
+      <p:grpSpPr>
+        <a:xfrm>
+          <a:off x="0" y="0"/>
+          <a:ext cx="0" cy="0"/>
+          <a:chOff x="0" y="0"/>
+          <a:chExt cx="0" cy="0"/>
+        </a:xfrm>
+      </p:grpSpPr>
+      <p:sp>
+        <p:nvSpPr>
+          <p:cNvPr id="248" name="Google Shape;248;g32627264e13_0_71"/>
+          <p:cNvSpPr txBox="1"/>
+          <p:nvPr>
+            <p:ph type="title"/>
+          </p:nvPr>
+        </p:nvSpPr>
+        <p:spPr>
+          <a:xfrm>
+            <a:off x="338736" y="112543"/>
+            <a:ext cx="11514600" cy="436200"/>
+          </a:xfrm>
+          <a:prstGeom prst="rect">
+            <a:avLst/>
+          </a:prstGeom>
+          <a:noFill/>
+          <a:ln>
+            <a:noFill/>
+          </a:ln>
+        </p:spPr>
+        <p:txBody>
+          <a:bodyPr anchorCtr="0" anchor="t" bIns="45700" lIns="91425" spcFirstLastPara="1" rIns="91425" wrap="square" tIns="45700">
+            <a:noAutofit/>
+          </a:bodyPr>
+          <a:lstStyle/>
+          <a:p>
+            <a:pPr indent="0" lvl="0" marL="0" rtl="0" algn="l">
+              <a:lnSpc>
+                <a:spcPct val="90000"/>
+              </a:lnSpc>
+              <a:spcBef>
+                <a:spcPts val="0"/>
+              </a:spcBef>
+              <a:spcAft>
+                <a:spcPts val="0"/>
+              </a:spcAft>
+              <a:buClr>
+                <a:schemeClr val="lt1"/>
+              </a:buClr>
+              <a:buSzPts val="2800"/>
+              <a:buFont typeface="Lato"/>
+              <a:buNone/>
+            </a:pPr>
+            <a:r>
+              <a:rPr lang="en-US" sz="3600"/>
+              <a:t>Metrics</a:t>
+            </a:r>
+            <a:endParaRPr sz="3600"/>
+          </a:p>
+        </p:txBody>
+      </p:sp>
+      <p:sp>
+        <p:nvSpPr>
+          <p:cNvPr id="249" name="Google Shape;249;g32627264e13_0_71"/>
+          <p:cNvSpPr txBox="1"/>
+          <p:nvPr>
+            <p:ph idx="1" type="body"/>
+          </p:nvPr>
+        </p:nvSpPr>
+        <p:spPr>
+          <a:xfrm>
+            <a:off x="338736" y="958689"/>
+            <a:ext cx="11514600" cy="436200"/>
+          </a:xfrm>
+          <a:prstGeom prst="rect">
+            <a:avLst/>
+          </a:prstGeom>
+          <a:noFill/>
+          <a:ln>
+            <a:noFill/>
+          </a:ln>
+        </p:spPr>
+        <p:txBody>
+          <a:bodyPr anchorCtr="0" anchor="t" bIns="45700" lIns="91425" spcFirstLastPara="1" rIns="91425" wrap="square" tIns="45700">
+            <a:noAutofit/>
+          </a:bodyPr>
+          <a:lstStyle/>
+          <a:p>
+            <a:pPr indent="0" lvl="0" marL="0" rtl="0" algn="l">
+              <a:lnSpc>
+                <a:spcPct val="90000"/>
+              </a:lnSpc>
+              <a:spcBef>
+                <a:spcPts val="0"/>
+              </a:spcBef>
+              <a:spcAft>
+                <a:spcPts val="0"/>
+              </a:spcAft>
+              <a:buClr>
+                <a:schemeClr val="dk1"/>
+              </a:buClr>
+              <a:buSzPts val="2400"/>
+              <a:buNone/>
+            </a:pPr>
+            <a:r>
+              <a:rPr b="1" lang="en-US" sz="3200">
+                <a:latin typeface="Arial"/>
+                <a:ea typeface="Arial"/>
+                <a:cs typeface="Arial"/>
+                <a:sym typeface="Arial"/>
+              </a:rPr>
+              <a:t>Metrics</a:t>
+            </a:r>
+            <a:endParaRPr sz="3700"/>
+          </a:p>
+        </p:txBody>
+      </p:sp>
+      <p:sp>
+        <p:nvSpPr>
+          <p:cNvPr id="250" name="Google Shape;250;g32627264e13_0_71"/>
+          <p:cNvSpPr txBox="1"/>
+          <p:nvPr>
+            <p:ph idx="12" type="sldNum"/>
+          </p:nvPr>
+        </p:nvSpPr>
+        <p:spPr>
+          <a:xfrm>
+            <a:off x="9156511" y="6492875"/>
+            <a:ext cx="2743200" cy="365100"/>
+          </a:xfrm>
+          <a:prstGeom prst="rect">
+            <a:avLst/>
+          </a:prstGeom>
+          <a:noFill/>
+          <a:ln>
+            <a:noFill/>
+          </a:ln>
+        </p:spPr>
+        <p:txBody>
+          <a:bodyPr anchorCtr="0" anchor="t" bIns="45700" lIns="91425" spcFirstLastPara="1" rIns="91425" wrap="square" tIns="45700">
+            <a:noAutofit/>
+          </a:bodyPr>
+          <a:lstStyle/>
+          <a:p>
+            <a:pPr indent="0" lvl="0" marL="0" rtl="0" algn="r">
+              <a:spcBef>
+                <a:spcPts val="0"/>
+              </a:spcBef>
+              <a:spcAft>
+                <a:spcPts val="0"/>
+              </a:spcAft>
+              <a:buNone/>
+            </a:pPr>
+            <a:fld id="{00000000-1234-1234-1234-123412341234}" type="slidenum">
+              <a:rPr lang="en-US"/>
+              <a:t>‹#›</a:t>
+            </a:fld>
+            <a:endParaRPr/>
+          </a:p>
+        </p:txBody>
+      </p:sp>
+      <p:sp>
+        <p:nvSpPr>
+          <p:cNvPr id="251" name="Google Shape;251;g32627264e13_0_71"/>
+          <p:cNvSpPr txBox="1"/>
+          <p:nvPr/>
+        </p:nvSpPr>
+        <p:spPr>
+          <a:xfrm>
+            <a:off x="687775" y="1578849"/>
+            <a:ext cx="10816500" cy="2281800"/>
+          </a:xfrm>
+          <a:prstGeom prst="rect">
+            <a:avLst/>
+          </a:prstGeom>
+          <a:noFill/>
+          <a:ln>
+            <a:noFill/>
+          </a:ln>
+        </p:spPr>
+        <p:txBody>
+          <a:bodyPr anchorCtr="0" anchor="t" bIns="45700" lIns="91425" spcFirstLastPara="1" rIns="91425" wrap="square" tIns="45700">
+            <a:spAutoFit/>
+          </a:bodyPr>
+          <a:lstStyle/>
+          <a:p>
+            <a:pPr indent="0" lvl="0" marL="0" rtl="0" algn="l">
+              <a:lnSpc>
+                <a:spcPct val="115000"/>
+              </a:lnSpc>
+              <a:spcBef>
+                <a:spcPts val="1200"/>
+              </a:spcBef>
+              <a:spcAft>
+                <a:spcPts val="0"/>
+              </a:spcAft>
+              <a:buClr>
+                <a:schemeClr val="dk1"/>
+              </a:buClr>
+              <a:buSzPts val="1100"/>
+              <a:buFont typeface="Arial"/>
+              <a:buNone/>
+            </a:pPr>
+            <a:r>
+              <a:rPr b="1" lang="en-US" sz="2500">
+                <a:solidFill>
+                  <a:schemeClr val="dk1"/>
+                </a:solidFill>
+              </a:rPr>
+              <a:t>Evaluation Metrics</a:t>
+            </a:r>
+            <a:endParaRPr b="1" sz="2500">
+              <a:solidFill>
+                <a:schemeClr val="dk1"/>
+              </a:solidFill>
+            </a:endParaRPr>
+          </a:p>
+          <a:p>
+            <a:pPr indent="-387350" lvl="0" marL="457200" rtl="0" algn="l">
+              <a:lnSpc>
+                <a:spcPct val="115000"/>
+              </a:lnSpc>
+              <a:spcBef>
+                <a:spcPts val="1200"/>
+              </a:spcBef>
+              <a:spcAft>
+                <a:spcPts val="0"/>
+              </a:spcAft>
+              <a:buClr>
+                <a:schemeClr val="dk1"/>
+              </a:buClr>
+              <a:buSzPts val="2500"/>
+              <a:buChar char="●"/>
+            </a:pPr>
+            <a:r>
+              <a:rPr b="1" lang="en-US" sz="2500">
+                <a:solidFill>
+                  <a:schemeClr val="dk1"/>
+                </a:solidFill>
+              </a:rPr>
+              <a:t>Metric:</a:t>
+            </a:r>
+            <a:r>
+              <a:rPr lang="en-US" sz="2500">
+                <a:solidFill>
+                  <a:schemeClr val="dk1"/>
+                </a:solidFill>
+              </a:rPr>
+              <a:t> Recall@20 (weighted by click, cart, and order importance).</a:t>
+            </a:r>
+            <a:endParaRPr sz="2500">
+              <a:solidFill>
+                <a:schemeClr val="dk1"/>
+              </a:solidFill>
+            </a:endParaRPr>
+          </a:p>
+          <a:p>
+            <a:pPr indent="-387350" lvl="0" marL="457200" rtl="0" algn="l">
+              <a:lnSpc>
+                <a:spcPct val="115000"/>
+              </a:lnSpc>
+              <a:spcBef>
+                <a:spcPts val="0"/>
+              </a:spcBef>
+              <a:spcAft>
+                <a:spcPts val="0"/>
+              </a:spcAft>
+              <a:buClr>
+                <a:schemeClr val="dk1"/>
+              </a:buClr>
+              <a:buSzPts val="2500"/>
+              <a:buChar char="●"/>
+            </a:pPr>
+            <a:r>
+              <a:rPr b="1" lang="en-US" sz="2500">
+                <a:solidFill>
+                  <a:schemeClr val="dk1"/>
+                </a:solidFill>
+              </a:rPr>
+              <a:t>Score Calculation:</a:t>
+            </a:r>
+            <a:endParaRPr sz="2500">
+              <a:solidFill>
+                <a:schemeClr val="dk1"/>
+              </a:solidFill>
+            </a:endParaRPr>
+          </a:p>
+          <a:p>
+            <a:pPr indent="0" lvl="0" marL="0" rtl="0" algn="just">
+              <a:spcBef>
+                <a:spcPts val="1200"/>
+              </a:spcBef>
+              <a:spcAft>
+                <a:spcPts val="0"/>
+              </a:spcAft>
+              <a:buSzPts val="1100"/>
+              <a:buNone/>
+            </a:pPr>
+            <a:r>
+              <a:t/>
+            </a:r>
+            <a:endParaRPr b="1" sz="3600">
+              <a:solidFill>
+                <a:schemeClr val="dk1"/>
+              </a:solidFill>
+            </a:endParaRPr>
+          </a:p>
+        </p:txBody>
+      </p:sp>
+      <p:pic>
+        <p:nvPicPr>
+          <p:cNvPr id="252" name="Google Shape;252;g32627264e13_0_71"/>
+          <p:cNvPicPr preferRelativeResize="0"/>
+          <p:nvPr/>
+        </p:nvPicPr>
+        <p:blipFill>
+          <a:blip r:embed="rId3">
+            <a:alphaModFix/>
+          </a:blip>
+          <a:stretch>
+            <a:fillRect/>
+          </a:stretch>
+        </p:blipFill>
+        <p:spPr>
+          <a:xfrm>
+            <a:off x="1137942" y="3142975"/>
+            <a:ext cx="9916175" cy="2838750"/>
+          </a:xfrm>
+          <a:prstGeom prst="rect">
+            <a:avLst/>
+          </a:prstGeom>
+          <a:noFill/>
+          <a:ln>
+            <a:noFill/>
+          </a:ln>
+        </p:spPr>
+      </p:pic>
+    </p:spTree>
+  </p:cSld>
+  <p:clrMapOvr>
+    <a:masterClrMapping/>
+  </p:clrMapOvr>
+</p:sld>
+</file>
+
+<file path=ppt/slides/slide24.xml><?xml version="1.0" encoding="utf-8"?>
+<p:sld xmlns:a="http://schemas.openxmlformats.org/drawingml/2006/main" xmlns:r="http://schemas.openxmlformats.org/officeDocument/2006/relationships" xmlns:mc="http://schemas.openxmlformats.org/markup-compatibility/2006" xmlns:mv="urn:schemas-microsoft-com:mac:vml" xmlns:p="http://schemas.openxmlformats.org/presentationml/2006/main" xmlns:c="http://schemas.openxmlformats.org/drawingml/2006/chart" xmlns:dgm="http://schemas.openxmlformats.org/drawingml/2006/diagram" xmlns:o="urn:schemas-microsoft-com:office:office" xmlns:v="urn:schemas-microsoft-com:vml" xmlns:pvml="urn:schemas-microsoft-com:office:powerpoint" xmlns:com="http://schemas.openxmlformats.org/drawingml/2006/compatibility" xmlns:p14="http://schemas.microsoft.com/office/powerpoint/2010/main" xmlns:p15="http://schemas.microsoft.com/office/powerpoint/2012/main" xmlns:ahyp="http://schemas.microsoft.com/office/drawing/2018/hyperlinkcolor">
+  <p:cSld>
+    <p:spTree>
+      <p:nvGrpSpPr>
+        <p:cNvPr id="256" name="Shape 256"/>
+        <p:cNvGrpSpPr/>
+        <p:nvPr/>
+      </p:nvGrpSpPr>
+      <p:grpSpPr>
+        <a:xfrm>
+          <a:off x="0" y="0"/>
+          <a:ext cx="0" cy="0"/>
+          <a:chOff x="0" y="0"/>
+          <a:chExt cx="0" cy="0"/>
+        </a:xfrm>
+      </p:grpSpPr>
+      <p:sp>
+        <p:nvSpPr>
+          <p:cNvPr id="257" name="Google Shape;257;g326235a0562_0_66"/>
+          <p:cNvSpPr txBox="1"/>
+          <p:nvPr>
+            <p:ph type="title"/>
+          </p:nvPr>
+        </p:nvSpPr>
+        <p:spPr>
+          <a:xfrm>
+            <a:off x="3576002" y="2948250"/>
+            <a:ext cx="5040000" cy="961500"/>
+          </a:xfrm>
+          <a:prstGeom prst="rect">
+            <a:avLst/>
+          </a:prstGeom>
+          <a:noFill/>
+          <a:ln>
+            <a:noFill/>
+          </a:ln>
+        </p:spPr>
+        <p:txBody>
+          <a:bodyPr anchorCtr="0" anchor="t" bIns="45700" lIns="91425" spcFirstLastPara="1" rIns="91425" wrap="square" tIns="45700">
+            <a:noAutofit/>
+          </a:bodyPr>
+          <a:lstStyle/>
+          <a:p>
+            <a:pPr indent="0" lvl="0" marL="0" rtl="0" algn="ctr">
+              <a:lnSpc>
+                <a:spcPct val="90000"/>
+              </a:lnSpc>
+              <a:spcBef>
+                <a:spcPts val="0"/>
+              </a:spcBef>
+              <a:spcAft>
+                <a:spcPts val="0"/>
+              </a:spcAft>
+              <a:buClr>
+                <a:schemeClr val="lt1"/>
+              </a:buClr>
+              <a:buSzPts val="7200"/>
+              <a:buFont typeface="Lato"/>
+              <a:buNone/>
+            </a:pPr>
+            <a:r>
+              <a:rPr lang="en-US" sz="7200"/>
+              <a:t>Conclusion</a:t>
+            </a:r>
+            <a:endParaRPr sz="7200"/>
+          </a:p>
+        </p:txBody>
+      </p:sp>
+    </p:spTree>
+  </p:cSld>
+  <p:clrMapOvr>
+    <a:masterClrMapping/>
+  </p:clrMapOvr>
+</p:sld>
+</file>
+
+<file path=ppt/slides/slide25.xml><?xml version="1.0" encoding="utf-8"?>
+<p:sld xmlns:a="http://schemas.openxmlformats.org/drawingml/2006/main" xmlns:r="http://schemas.openxmlformats.org/officeDocument/2006/relationships" xmlns:mc="http://schemas.openxmlformats.org/markup-compatibility/2006" xmlns:mv="urn:schemas-microsoft-com:mac:vml" xmlns:p="http://schemas.openxmlformats.org/presentationml/2006/main" xmlns:c="http://schemas.openxmlformats.org/drawingml/2006/chart" xmlns:dgm="http://schemas.openxmlformats.org/drawingml/2006/diagram" xmlns:o="urn:schemas-microsoft-com:office:office" xmlns:v="urn:schemas-microsoft-com:vml" xmlns:pvml="urn:schemas-microsoft-com:office:powerpoint" xmlns:com="http://schemas.openxmlformats.org/drawingml/2006/compatibility" xmlns:p14="http://schemas.microsoft.com/office/powerpoint/2010/main" xmlns:p15="http://schemas.microsoft.com/office/powerpoint/2012/main" xmlns:ahyp="http://schemas.microsoft.com/office/drawing/2018/hyperlinkcolor">
+  <p:cSld>
+    <p:spTree>
+      <p:nvGrpSpPr>
+        <p:cNvPr id="261" name="Shape 261"/>
+        <p:cNvGrpSpPr/>
+        <p:nvPr/>
+      </p:nvGrpSpPr>
+      <p:grpSpPr>
+        <a:xfrm>
+          <a:off x="0" y="0"/>
+          <a:ext cx="0" cy="0"/>
+          <a:chOff x="0" y="0"/>
+          <a:chExt cx="0" cy="0"/>
+        </a:xfrm>
+      </p:grpSpPr>
+      <p:sp>
+        <p:nvSpPr>
+          <p:cNvPr id="262" name="Google Shape;262;g326235a0562_0_70"/>
+          <p:cNvSpPr txBox="1"/>
+          <p:nvPr>
+            <p:ph type="title"/>
+          </p:nvPr>
+        </p:nvSpPr>
+        <p:spPr>
+          <a:xfrm>
+            <a:off x="338736" y="112543"/>
+            <a:ext cx="11514600" cy="436200"/>
+          </a:xfrm>
+          <a:prstGeom prst="rect">
+            <a:avLst/>
+          </a:prstGeom>
+          <a:noFill/>
+          <a:ln>
+            <a:noFill/>
+          </a:ln>
+        </p:spPr>
+        <p:txBody>
+          <a:bodyPr anchorCtr="0" anchor="t" bIns="45700" lIns="91425" spcFirstLastPara="1" rIns="91425" wrap="square" tIns="45700">
+            <a:noAutofit/>
+          </a:bodyPr>
+          <a:lstStyle/>
+          <a:p>
+            <a:pPr indent="0" lvl="0" marL="0" rtl="0" algn="l">
+              <a:lnSpc>
+                <a:spcPct val="115000"/>
+              </a:lnSpc>
+              <a:spcBef>
+                <a:spcPts val="1200"/>
+              </a:spcBef>
+              <a:spcAft>
+                <a:spcPts val="0"/>
+              </a:spcAft>
+              <a:buClr>
+                <a:schemeClr val="dk1"/>
+              </a:buClr>
+              <a:buSzPts val="1100"/>
+              <a:buFont typeface="Arial"/>
+              <a:buNone/>
+            </a:pPr>
+            <a:r>
+              <a:rPr lang="en-US" sz="1700">
+                <a:solidFill>
+                  <a:schemeClr val="dk1"/>
+                </a:solidFill>
+                <a:latin typeface="Arial"/>
+                <a:ea typeface="Arial"/>
+                <a:cs typeface="Arial"/>
+                <a:sym typeface="Arial"/>
+              </a:rPr>
+              <a:t>Conclusion &amp; Future Work</a:t>
+            </a:r>
+            <a:endParaRPr b="0" sz="3700">
+              <a:solidFill>
+                <a:schemeClr val="dk1"/>
+              </a:solidFill>
+            </a:endParaRPr>
+          </a:p>
+          <a:p>
+            <a:pPr indent="0" lvl="0" marL="0" rtl="0" algn="l">
+              <a:lnSpc>
+                <a:spcPct val="90000"/>
+              </a:lnSpc>
+              <a:spcBef>
+                <a:spcPts val="200"/>
+              </a:spcBef>
+              <a:spcAft>
+                <a:spcPts val="0"/>
+              </a:spcAft>
+              <a:buClr>
+                <a:schemeClr val="lt1"/>
+              </a:buClr>
+              <a:buSzPts val="2800"/>
+              <a:buFont typeface="Lato"/>
+              <a:buNone/>
+            </a:pPr>
+            <a:r>
+              <a:t/>
+            </a:r>
+            <a:endParaRPr sz="3600"/>
+          </a:p>
+        </p:txBody>
+      </p:sp>
+      <p:sp>
+        <p:nvSpPr>
+          <p:cNvPr id="263" name="Google Shape;263;g326235a0562_0_70"/>
+          <p:cNvSpPr txBox="1"/>
+          <p:nvPr>
+            <p:ph idx="12" type="sldNum"/>
+          </p:nvPr>
+        </p:nvSpPr>
+        <p:spPr>
+          <a:xfrm>
+            <a:off x="9156511" y="6492875"/>
+            <a:ext cx="2743200" cy="365100"/>
+          </a:xfrm>
+          <a:prstGeom prst="rect">
+            <a:avLst/>
+          </a:prstGeom>
+          <a:noFill/>
+          <a:ln>
+            <a:noFill/>
+          </a:ln>
+        </p:spPr>
+        <p:txBody>
+          <a:bodyPr anchorCtr="0" anchor="t" bIns="45700" lIns="91425" spcFirstLastPara="1" rIns="91425" wrap="square" tIns="45700">
+            <a:noAutofit/>
+          </a:bodyPr>
+          <a:lstStyle/>
+          <a:p>
+            <a:pPr indent="0" lvl="0" marL="0" rtl="0" algn="r">
+              <a:spcBef>
+                <a:spcPts val="0"/>
+              </a:spcBef>
+              <a:spcAft>
+                <a:spcPts val="0"/>
+              </a:spcAft>
+              <a:buNone/>
+            </a:pPr>
+            <a:fld id="{00000000-1234-1234-1234-123412341234}" type="slidenum">
+              <a:rPr lang="en-US"/>
+              <a:t>‹#›</a:t>
+            </a:fld>
+            <a:endParaRPr/>
+          </a:p>
+        </p:txBody>
+      </p:sp>
+      <p:sp>
+        <p:nvSpPr>
+          <p:cNvPr id="264" name="Google Shape;264;g326235a0562_0_70"/>
+          <p:cNvSpPr txBox="1"/>
+          <p:nvPr/>
+        </p:nvSpPr>
+        <p:spPr>
+          <a:xfrm>
+            <a:off x="687775" y="1578849"/>
+            <a:ext cx="10816500" cy="3664800"/>
+          </a:xfrm>
+          <a:prstGeom prst="rect">
+            <a:avLst/>
+          </a:prstGeom>
+          <a:noFill/>
+          <a:ln>
+            <a:noFill/>
+          </a:ln>
+        </p:spPr>
+        <p:txBody>
+          <a:bodyPr anchorCtr="0" anchor="t" bIns="45700" lIns="91425" spcFirstLastPara="1" rIns="91425" wrap="square" tIns="45700">
+            <a:spAutoFit/>
+          </a:bodyPr>
+          <a:lstStyle/>
+          <a:p>
+            <a:pPr indent="0" lvl="0" marL="0" rtl="0" algn="l">
+              <a:lnSpc>
+                <a:spcPct val="115000"/>
+              </a:lnSpc>
+              <a:spcBef>
+                <a:spcPts val="1200"/>
+              </a:spcBef>
+              <a:spcAft>
+                <a:spcPts val="0"/>
+              </a:spcAft>
+              <a:buClr>
+                <a:schemeClr val="dk1"/>
+              </a:buClr>
+              <a:buSzPts val="1100"/>
+              <a:buFont typeface="Arial"/>
+              <a:buNone/>
+            </a:pPr>
+            <a:r>
+              <a:rPr b="1" lang="en-US" sz="2200">
+                <a:solidFill>
+                  <a:schemeClr val="dk1"/>
+                </a:solidFill>
+              </a:rPr>
+              <a:t>Conclusion &amp; Future Work</a:t>
+            </a:r>
+            <a:endParaRPr b="1" sz="2200">
+              <a:solidFill>
+                <a:schemeClr val="dk1"/>
+              </a:solidFill>
+            </a:endParaRPr>
+          </a:p>
+          <a:p>
+            <a:pPr indent="-368300" lvl="0" marL="457200" rtl="0" algn="l">
+              <a:lnSpc>
+                <a:spcPct val="115000"/>
+              </a:lnSpc>
+              <a:spcBef>
+                <a:spcPts val="1200"/>
+              </a:spcBef>
+              <a:spcAft>
+                <a:spcPts val="0"/>
+              </a:spcAft>
+              <a:buClr>
+                <a:schemeClr val="dk1"/>
+              </a:buClr>
+              <a:buSzPts val="2200"/>
+              <a:buChar char="●"/>
+            </a:pPr>
+            <a:r>
+              <a:rPr b="1" lang="en-US" sz="2200">
+                <a:solidFill>
+                  <a:schemeClr val="dk1"/>
+                </a:solidFill>
+              </a:rPr>
+              <a:t>Conclusion:</a:t>
+            </a:r>
+            <a:r>
+              <a:rPr lang="en-US" sz="2200">
+                <a:solidFill>
+                  <a:schemeClr val="dk1"/>
+                </a:solidFill>
+              </a:rPr>
+              <a:t> SBRS effectively predicts session-based actions, enhancing personalization in e-commerce.</a:t>
+            </a:r>
+            <a:endParaRPr sz="2200">
+              <a:solidFill>
+                <a:schemeClr val="dk1"/>
+              </a:solidFill>
+            </a:endParaRPr>
+          </a:p>
+          <a:p>
+            <a:pPr indent="-368300" lvl="0" marL="457200" rtl="0" algn="l">
+              <a:lnSpc>
+                <a:spcPct val="115000"/>
+              </a:lnSpc>
+              <a:spcBef>
+                <a:spcPts val="0"/>
+              </a:spcBef>
+              <a:spcAft>
+                <a:spcPts val="0"/>
+              </a:spcAft>
+              <a:buClr>
+                <a:schemeClr val="dk1"/>
+              </a:buClr>
+              <a:buSzPts val="2200"/>
+              <a:buChar char="●"/>
+            </a:pPr>
+            <a:r>
+              <a:rPr b="1" lang="en-US" sz="2200">
+                <a:solidFill>
+                  <a:schemeClr val="dk1"/>
+                </a:solidFill>
+              </a:rPr>
+              <a:t>Future Work:</a:t>
+            </a:r>
+            <a:endParaRPr b="1" sz="2200">
+              <a:solidFill>
+                <a:schemeClr val="dk1"/>
+              </a:solidFill>
+            </a:endParaRPr>
+          </a:p>
+          <a:p>
+            <a:pPr indent="-368300" lvl="1" marL="914400" rtl="0" algn="l">
+              <a:lnSpc>
+                <a:spcPct val="115000"/>
+              </a:lnSpc>
+              <a:spcBef>
+                <a:spcPts val="0"/>
+              </a:spcBef>
+              <a:spcAft>
+                <a:spcPts val="0"/>
+              </a:spcAft>
+              <a:buClr>
+                <a:schemeClr val="dk1"/>
+              </a:buClr>
+              <a:buSzPts val="2200"/>
+              <a:buChar char="○"/>
+            </a:pPr>
+            <a:r>
+              <a:rPr lang="en-US" sz="2200">
+                <a:solidFill>
+                  <a:schemeClr val="dk1"/>
+                </a:solidFill>
+              </a:rPr>
+              <a:t>Incorporate Transformer-based embeddings.</a:t>
+            </a:r>
+            <a:endParaRPr sz="2200">
+              <a:solidFill>
+                <a:schemeClr val="dk1"/>
+              </a:solidFill>
+            </a:endParaRPr>
+          </a:p>
+          <a:p>
+            <a:pPr indent="-368300" lvl="1" marL="914400" rtl="0" algn="l">
+              <a:lnSpc>
+                <a:spcPct val="115000"/>
+              </a:lnSpc>
+              <a:spcBef>
+                <a:spcPts val="0"/>
+              </a:spcBef>
+              <a:spcAft>
+                <a:spcPts val="0"/>
+              </a:spcAft>
+              <a:buClr>
+                <a:schemeClr val="dk1"/>
+              </a:buClr>
+              <a:buSzPts val="2200"/>
+              <a:buChar char="○"/>
+            </a:pPr>
+            <a:r>
+              <a:rPr lang="en-US" sz="2200">
+                <a:solidFill>
+                  <a:schemeClr val="dk1"/>
+                </a:solidFill>
+              </a:rPr>
+              <a:t>Address cold-start problem with auxiliary data.</a:t>
+            </a:r>
+            <a:endParaRPr sz="2200">
+              <a:solidFill>
+                <a:schemeClr val="dk1"/>
+              </a:solidFill>
+            </a:endParaRPr>
+          </a:p>
+          <a:p>
+            <a:pPr indent="-368300" lvl="1" marL="914400" rtl="0" algn="l">
+              <a:lnSpc>
+                <a:spcPct val="115000"/>
+              </a:lnSpc>
+              <a:spcBef>
+                <a:spcPts val="0"/>
+              </a:spcBef>
+              <a:spcAft>
+                <a:spcPts val="0"/>
+              </a:spcAft>
+              <a:buClr>
+                <a:schemeClr val="dk1"/>
+              </a:buClr>
+              <a:buSzPts val="2200"/>
+              <a:buChar char="○"/>
+            </a:pPr>
+            <a:r>
+              <a:rPr lang="en-US" sz="2200">
+                <a:solidFill>
+                  <a:schemeClr val="dk1"/>
+                </a:solidFill>
+              </a:rPr>
+              <a:t>Perform hyperparameter tuning for ranking models.</a:t>
+            </a:r>
+            <a:endParaRPr sz="2200">
+              <a:solidFill>
+                <a:schemeClr val="dk1"/>
+              </a:solidFill>
+            </a:endParaRPr>
+          </a:p>
+          <a:p>
+            <a:pPr indent="0" lvl="0" marL="0" rtl="0" algn="just">
+              <a:spcBef>
+                <a:spcPts val="1200"/>
+              </a:spcBef>
+              <a:spcAft>
+                <a:spcPts val="0"/>
+              </a:spcAft>
+              <a:buSzPts val="1100"/>
+              <a:buNone/>
+            </a:pPr>
+            <a:r>
+              <a:t/>
+            </a:r>
+            <a:endParaRPr b="1" sz="3500">
+              <a:solidFill>
+                <a:schemeClr val="dk1"/>
+              </a:solidFill>
+            </a:endParaRPr>
+          </a:p>
+        </p:txBody>
+      </p:sp>
+    </p:spTree>
+  </p:cSld>
+  <p:clrMapOvr>
+    <a:masterClrMapping/>
+  </p:clrMapOvr>
+</p:sld>
+</file>
+
+<file path=ppt/slides/slide26.xml><?xml version="1.0" encoding="utf-8"?>
+<p:sld xmlns:a="http://schemas.openxmlformats.org/drawingml/2006/main" xmlns:r="http://schemas.openxmlformats.org/officeDocument/2006/relationships" xmlns:mc="http://schemas.openxmlformats.org/markup-compatibility/2006" xmlns:mv="urn:schemas-microsoft-com:mac:vml" xmlns:p="http://schemas.openxmlformats.org/presentationml/2006/main" xmlns:c="http://schemas.openxmlformats.org/drawingml/2006/chart" xmlns:dgm="http://schemas.openxmlformats.org/drawingml/2006/diagram" xmlns:o="urn:schemas-microsoft-com:office:office" xmlns:v="urn:schemas-microsoft-com:vml" xmlns:pvml="urn:schemas-microsoft-com:office:powerpoint" xmlns:com="http://schemas.openxmlformats.org/drawingml/2006/compatibility" xmlns:p14="http://schemas.microsoft.com/office/powerpoint/2010/main" xmlns:p15="http://schemas.microsoft.com/office/powerpoint/2012/main" xmlns:ahyp="http://schemas.microsoft.com/office/drawing/2018/hyperlinkcolor">
+  <p:cSld>
+    <p:spTree>
+      <p:nvGrpSpPr>
+        <p:cNvPr id="268" name="Shape 268"/>
+        <p:cNvGrpSpPr/>
+        <p:nvPr/>
+      </p:nvGrpSpPr>
+      <p:grpSpPr>
+        <a:xfrm>
+          <a:off x="0" y="0"/>
+          <a:ext cx="0" cy="0"/>
+          <a:chOff x="0" y="0"/>
+          <a:chExt cx="0" cy="0"/>
+        </a:xfrm>
+      </p:grpSpPr>
+      <p:sp>
+        <p:nvSpPr>
+          <p:cNvPr id="269" name="Google Shape;269;g32627264e13_0_127"/>
+          <p:cNvSpPr txBox="1"/>
+          <p:nvPr>
+            <p:ph type="title"/>
+          </p:nvPr>
+        </p:nvSpPr>
+        <p:spPr>
+          <a:xfrm>
+            <a:off x="3576000" y="2948250"/>
+            <a:ext cx="5868900" cy="961500"/>
+          </a:xfrm>
+          <a:prstGeom prst="rect">
+            <a:avLst/>
+          </a:prstGeom>
+          <a:noFill/>
+          <a:ln>
+            <a:noFill/>
+          </a:ln>
+        </p:spPr>
+        <p:txBody>
+          <a:bodyPr anchorCtr="0" anchor="t" bIns="45700" lIns="91425" spcFirstLastPara="1" rIns="91425" wrap="square" tIns="45700">
+            <a:noAutofit/>
+          </a:bodyPr>
+          <a:lstStyle/>
+          <a:p>
+            <a:pPr indent="0" lvl="0" marL="0" rtl="0" algn="ctr">
+              <a:lnSpc>
+                <a:spcPct val="90000"/>
+              </a:lnSpc>
+              <a:spcBef>
+                <a:spcPts val="0"/>
+              </a:spcBef>
+              <a:spcAft>
+                <a:spcPts val="0"/>
+              </a:spcAft>
+              <a:buClr>
+                <a:schemeClr val="lt1"/>
+              </a:buClr>
+              <a:buSzPts val="7200"/>
+              <a:buFont typeface="Lato"/>
+              <a:buNone/>
+            </a:pPr>
+            <a:r>
+              <a:rPr lang="en-US" sz="7200"/>
+              <a:t>Contribution</a:t>
+            </a:r>
+            <a:endParaRPr sz="7200"/>
+          </a:p>
+        </p:txBody>
+      </p:sp>
+    </p:spTree>
+  </p:cSld>
+  <p:clrMapOvr>
+    <a:masterClrMapping/>
+  </p:clrMapOvr>
+</p:sld>
+</file>
+
+<file path=ppt/slides/slide27.xml><?xml version="1.0" encoding="utf-8"?>
+<p:sld xmlns:a="http://schemas.openxmlformats.org/drawingml/2006/main" xmlns:r="http://schemas.openxmlformats.org/officeDocument/2006/relationships" xmlns:mc="http://schemas.openxmlformats.org/markup-compatibility/2006" xmlns:mv="urn:schemas-microsoft-com:mac:vml" xmlns:p="http://schemas.openxmlformats.org/presentationml/2006/main" xmlns:c="http://schemas.openxmlformats.org/drawingml/2006/chart" xmlns:dgm="http://schemas.openxmlformats.org/drawingml/2006/diagram" xmlns:o="urn:schemas-microsoft-com:office:office" xmlns:v="urn:schemas-microsoft-com:vml" xmlns:pvml="urn:schemas-microsoft-com:office:powerpoint" xmlns:com="http://schemas.openxmlformats.org/drawingml/2006/compatibility" xmlns:p14="http://schemas.microsoft.com/office/powerpoint/2010/main" xmlns:p15="http://schemas.microsoft.com/office/powerpoint/2012/main" xmlns:ahyp="http://schemas.microsoft.com/office/drawing/2018/hyperlinkcolor">
+  <p:cSld>
+    <p:spTree>
+      <p:nvGrpSpPr>
+        <p:cNvPr id="273" name="Shape 273"/>
+        <p:cNvGrpSpPr/>
+        <p:nvPr/>
+      </p:nvGrpSpPr>
+      <p:grpSpPr>
+        <a:xfrm>
+          <a:off x="0" y="0"/>
+          <a:ext cx="0" cy="0"/>
+          <a:chOff x="0" y="0"/>
+          <a:chExt cx="0" cy="0"/>
+        </a:xfrm>
+      </p:grpSpPr>
+      <p:sp>
+        <p:nvSpPr>
+          <p:cNvPr id="274" name="Google Shape;274;g32627264e13_0_131"/>
+          <p:cNvSpPr txBox="1"/>
+          <p:nvPr>
+            <p:ph type="title"/>
+          </p:nvPr>
+        </p:nvSpPr>
+        <p:spPr>
+          <a:xfrm>
+            <a:off x="338736" y="112543"/>
+            <a:ext cx="11514600" cy="436200"/>
+          </a:xfrm>
+          <a:prstGeom prst="rect">
+            <a:avLst/>
+          </a:prstGeom>
+          <a:noFill/>
+          <a:ln>
+            <a:noFill/>
+          </a:ln>
+        </p:spPr>
+        <p:txBody>
+          <a:bodyPr anchorCtr="0" anchor="t" bIns="45700" lIns="91425" spcFirstLastPara="1" rIns="91425" wrap="square" tIns="45700">
+            <a:noAutofit/>
+          </a:bodyPr>
+          <a:lstStyle/>
+          <a:p>
+            <a:pPr indent="0" lvl="0" marL="0" rtl="0" algn="l">
+              <a:lnSpc>
+                <a:spcPct val="90000"/>
+              </a:lnSpc>
+              <a:spcBef>
+                <a:spcPts val="0"/>
+              </a:spcBef>
+              <a:spcAft>
+                <a:spcPts val="0"/>
+              </a:spcAft>
+              <a:buClr>
+                <a:schemeClr val="lt1"/>
+              </a:buClr>
+              <a:buSzPts val="2800"/>
+              <a:buFont typeface="Lato"/>
+              <a:buNone/>
+            </a:pPr>
+            <a:r>
+              <a:rPr lang="en-US" sz="1700">
+                <a:solidFill>
+                  <a:schemeClr val="dk1"/>
+                </a:solidFill>
+                <a:latin typeface="Arial"/>
+                <a:ea typeface="Arial"/>
+                <a:cs typeface="Arial"/>
+                <a:sym typeface="Arial"/>
+              </a:rPr>
+              <a:t>Contribution</a:t>
+            </a:r>
+            <a:endParaRPr sz="3600"/>
+          </a:p>
+        </p:txBody>
+      </p:sp>
+      <p:sp>
+        <p:nvSpPr>
+          <p:cNvPr id="275" name="Google Shape;275;g32627264e13_0_131"/>
+          <p:cNvSpPr txBox="1"/>
+          <p:nvPr>
+            <p:ph idx="12" type="sldNum"/>
+          </p:nvPr>
+        </p:nvSpPr>
+        <p:spPr>
+          <a:xfrm>
+            <a:off x="9156511" y="6492875"/>
+            <a:ext cx="2743200" cy="365100"/>
+          </a:xfrm>
+          <a:prstGeom prst="rect">
+            <a:avLst/>
+          </a:prstGeom>
+          <a:noFill/>
+          <a:ln>
+            <a:noFill/>
+          </a:ln>
+        </p:spPr>
+        <p:txBody>
+          <a:bodyPr anchorCtr="0" anchor="t" bIns="45700" lIns="91425" spcFirstLastPara="1" rIns="91425" wrap="square" tIns="45700">
+            <a:noAutofit/>
+          </a:bodyPr>
+          <a:lstStyle/>
+          <a:p>
+            <a:pPr indent="0" lvl="0" marL="0" rtl="0" algn="r">
+              <a:spcBef>
+                <a:spcPts val="0"/>
+              </a:spcBef>
+              <a:spcAft>
+                <a:spcPts val="0"/>
+              </a:spcAft>
+              <a:buNone/>
+            </a:pPr>
+            <a:fld id="{00000000-1234-1234-1234-123412341234}" type="slidenum">
+              <a:rPr lang="en-US"/>
+              <a:t>‹#›</a:t>
+            </a:fld>
+            <a:endParaRPr/>
+          </a:p>
+        </p:txBody>
+      </p:sp>
+      <p:graphicFrame>
+        <p:nvGraphicFramePr>
+          <p:cNvPr id="276" name="Google Shape;276;g32627264e13_0_131"/>
+          <p:cNvGraphicFramePr/>
+          <p:nvPr/>
+        </p:nvGraphicFramePr>
+        <p:xfrm>
+          <a:off x="1887388" y="1050188"/>
+          <a:ext cx="3000000" cy="3000000"/>
+        </p:xfrm>
+        <a:graphic>
+          <a:graphicData uri="http://schemas.openxmlformats.org/drawingml/2006/table">
+            <a:tbl>
+              <a:tblPr>
+                <a:noFill/>
+                <a:tableStyleId>{39F48B42-18BF-4FEB-83C0-E6389B33C861}</a:tableStyleId>
+              </a:tblPr>
+              <a:tblGrid>
+                <a:gridCol w="1359825"/>
+                <a:gridCol w="5878925"/>
+                <a:gridCol w="1178525"/>
+              </a:tblGrid>
+              <a:tr h="509275">
+                <a:tc>
+                  <a:txBody>
+                    <a:bodyPr/>
+                    <a:lstStyle/>
+                    <a:p>
+                      <a:pPr indent="0" lvl="0" marL="0" rtl="0" algn="ctr">
+                        <a:lnSpc>
+                          <a:spcPct val="115000"/>
+                        </a:lnSpc>
+                        <a:spcBef>
+                          <a:spcPts val="300"/>
+                        </a:spcBef>
+                        <a:spcAft>
+                          <a:spcPts val="300"/>
+                        </a:spcAft>
+                        <a:buNone/>
+                      </a:pPr>
+                      <a:r>
+                        <a:rPr lang="en-US" sz="1000"/>
+                        <a:t>Member</a:t>
+                      </a:r>
+                      <a:endParaRPr sz="1000"/>
+                    </a:p>
+                  </a:txBody>
+                  <a:tcPr marT="63500" marB="63500" marR="63500" marL="63500" anchor="ctr"/>
+                </a:tc>
+                <a:tc>
+                  <a:txBody>
+                    <a:bodyPr/>
+                    <a:lstStyle/>
+                    <a:p>
+                      <a:pPr indent="0" lvl="0" marL="0" rtl="0" algn="ctr">
+                        <a:lnSpc>
+                          <a:spcPct val="115000"/>
+                        </a:lnSpc>
+                        <a:spcBef>
+                          <a:spcPts val="300"/>
+                        </a:spcBef>
+                        <a:spcAft>
+                          <a:spcPts val="300"/>
+                        </a:spcAft>
+                        <a:buNone/>
+                      </a:pPr>
+                      <a:r>
+                        <a:rPr lang="en-US" sz="1000"/>
+                        <a:t>Task</a:t>
+                      </a:r>
+                      <a:endParaRPr sz="1000"/>
+                    </a:p>
+                  </a:txBody>
+                  <a:tcPr marT="63500" marB="63500" marR="63500" marL="63500" anchor="ctr"/>
+                </a:tc>
+                <a:tc>
+                  <a:txBody>
+                    <a:bodyPr/>
+                    <a:lstStyle/>
+                    <a:p>
+                      <a:pPr indent="0" lvl="0" marL="0" rtl="0" algn="ctr">
+                        <a:lnSpc>
+                          <a:spcPct val="115000"/>
+                        </a:lnSpc>
+                        <a:spcBef>
+                          <a:spcPts val="300"/>
+                        </a:spcBef>
+                        <a:spcAft>
+                          <a:spcPts val="300"/>
+                        </a:spcAft>
+                        <a:buNone/>
+                      </a:pPr>
+                      <a:r>
+                        <a:rPr lang="en-US" sz="1000"/>
+                        <a:t>Workload</a:t>
+                      </a:r>
+                      <a:endParaRPr sz="1000"/>
+                    </a:p>
+                  </a:txBody>
+                  <a:tcPr marT="63500" marB="63500" marR="63500" marL="63500" anchor="ctr"/>
+                </a:tc>
+              </a:tr>
+              <a:tr h="896125">
+                <a:tc>
+                  <a:txBody>
+                    <a:bodyPr/>
+                    <a:lstStyle/>
+                    <a:p>
+                      <a:pPr indent="0" lvl="0" marL="0" rtl="0" algn="ctr">
+                        <a:lnSpc>
+                          <a:spcPct val="115000"/>
+                        </a:lnSpc>
+                        <a:spcBef>
+                          <a:spcPts val="300"/>
+                        </a:spcBef>
+                        <a:spcAft>
+                          <a:spcPts val="300"/>
+                        </a:spcAft>
+                        <a:buNone/>
+                      </a:pPr>
+                      <a:r>
+                        <a:rPr lang="en-US" sz="1000"/>
+                        <a:t>Võ Đình Đạt</a:t>
+                      </a:r>
+                      <a:endParaRPr sz="1000"/>
+                    </a:p>
+                  </a:txBody>
+                  <a:tcPr marT="63500" marB="63500" marR="63500" marL="63500" anchor="ctr"/>
+                </a:tc>
+                <a:tc>
+                  <a:txBody>
+                    <a:bodyPr/>
+                    <a:lstStyle/>
+                    <a:p>
+                      <a:pPr indent="-292100" lvl="0" marL="457200" rtl="0" algn="ctr">
+                        <a:lnSpc>
+                          <a:spcPct val="115000"/>
+                        </a:lnSpc>
+                        <a:spcBef>
+                          <a:spcPts val="300"/>
+                        </a:spcBef>
+                        <a:spcAft>
+                          <a:spcPts val="0"/>
+                        </a:spcAft>
+                        <a:buSzPts val="1000"/>
+                        <a:buChar char="-"/>
+                      </a:pPr>
+                      <a:r>
+                        <a:rPr lang="en-US" sz="1000"/>
+                        <a:t>Basic Co-visitation matrix generation.</a:t>
+                      </a:r>
+                      <a:endParaRPr sz="1000"/>
+                    </a:p>
+                    <a:p>
+                      <a:pPr indent="-292100" lvl="0" marL="457200" rtl="0" algn="ctr">
+                        <a:lnSpc>
+                          <a:spcPct val="115000"/>
+                        </a:lnSpc>
+                        <a:spcBef>
+                          <a:spcPts val="300"/>
+                        </a:spcBef>
+                        <a:spcAft>
+                          <a:spcPts val="0"/>
+                        </a:spcAft>
+                        <a:buSzPts val="1000"/>
+                        <a:buChar char="-"/>
+                      </a:pPr>
+                      <a:r>
+                        <a:rPr lang="en-US" sz="1000"/>
+                        <a:t>Generate candidates based on all the given models, embeddings and matrices.</a:t>
+                      </a:r>
+                      <a:endParaRPr sz="1000"/>
+                    </a:p>
+                    <a:p>
+                      <a:pPr indent="-292100" lvl="0" marL="457200" rtl="0" algn="ctr">
+                        <a:lnSpc>
+                          <a:spcPct val="115000"/>
+                        </a:lnSpc>
+                        <a:spcBef>
+                          <a:spcPts val="300"/>
+                        </a:spcBef>
+                        <a:spcAft>
+                          <a:spcPts val="300"/>
+                        </a:spcAft>
+                        <a:buSzPts val="1000"/>
+                        <a:buChar char="-"/>
+                      </a:pPr>
+                      <a:r>
+                        <a:rPr lang="en-US" sz="1000"/>
+                        <a:t>Implement the XGBoost Ranking model.</a:t>
+                      </a:r>
+                      <a:endParaRPr sz="1000"/>
+                    </a:p>
+                  </a:txBody>
+                  <a:tcPr marT="63500" marB="63500" marR="63500" marL="63500" anchor="ctr"/>
+                </a:tc>
+                <a:tc>
+                  <a:txBody>
+                    <a:bodyPr/>
+                    <a:lstStyle/>
+                    <a:p>
+                      <a:pPr indent="0" lvl="0" marL="0" rtl="0" algn="ctr">
+                        <a:lnSpc>
+                          <a:spcPct val="115000"/>
+                        </a:lnSpc>
+                        <a:spcBef>
+                          <a:spcPts val="300"/>
+                        </a:spcBef>
+                        <a:spcAft>
+                          <a:spcPts val="300"/>
+                        </a:spcAft>
+                        <a:buNone/>
+                      </a:pPr>
+                      <a:r>
+                        <a:rPr lang="en-US" sz="1000"/>
+                        <a:t>20%</a:t>
+                      </a:r>
+                      <a:endParaRPr sz="1000"/>
+                    </a:p>
+                  </a:txBody>
+                  <a:tcPr marT="63500" marB="63500" marR="63500" marL="63500" anchor="ctr"/>
+                </a:tc>
+              </a:tr>
+              <a:tr h="900125">
+                <a:tc>
+                  <a:txBody>
+                    <a:bodyPr/>
+                    <a:lstStyle/>
+                    <a:p>
+                      <a:pPr indent="0" lvl="0" marL="0" rtl="0" algn="ctr">
+                        <a:lnSpc>
+                          <a:spcPct val="115000"/>
+                        </a:lnSpc>
+                        <a:spcBef>
+                          <a:spcPts val="300"/>
+                        </a:spcBef>
+                        <a:spcAft>
+                          <a:spcPts val="0"/>
+                        </a:spcAft>
+                        <a:buNone/>
+                      </a:pPr>
+                      <a:r>
+                        <a:rPr lang="en-US" sz="1000"/>
+                        <a:t>Đoàn Ngọc Cường </a:t>
+                      </a:r>
+                      <a:endParaRPr sz="1000"/>
+                    </a:p>
+                    <a:p>
+                      <a:pPr indent="0" lvl="0" marL="0" rtl="0" algn="ctr">
+                        <a:lnSpc>
+                          <a:spcPct val="115000"/>
+                        </a:lnSpc>
+                        <a:spcBef>
+                          <a:spcPts val="300"/>
+                        </a:spcBef>
+                        <a:spcAft>
+                          <a:spcPts val="0"/>
+                        </a:spcAft>
+                        <a:buNone/>
+                      </a:pPr>
+                      <a:r>
+                        <a:t/>
+                      </a:r>
+                      <a:endParaRPr sz="1000"/>
+                    </a:p>
+                    <a:p>
+                      <a:pPr indent="0" lvl="0" marL="0" rtl="0" algn="ctr">
+                        <a:lnSpc>
+                          <a:spcPct val="115000"/>
+                        </a:lnSpc>
+                        <a:spcBef>
+                          <a:spcPts val="300"/>
+                        </a:spcBef>
+                        <a:spcAft>
+                          <a:spcPts val="300"/>
+                        </a:spcAft>
+                        <a:buNone/>
+                      </a:pPr>
+                      <a:r>
+                        <a:t/>
+                      </a:r>
+                      <a:endParaRPr sz="1000"/>
+                    </a:p>
+                  </a:txBody>
+                  <a:tcPr marT="63500" marB="63500" marR="63500" marL="63500" anchor="ctr"/>
+                </a:tc>
+                <a:tc>
+                  <a:txBody>
+                    <a:bodyPr/>
+                    <a:lstStyle/>
+                    <a:p>
+                      <a:pPr indent="-292100" lvl="0" marL="457200" rtl="0" algn="ctr">
+                        <a:lnSpc>
+                          <a:spcPct val="115000"/>
+                        </a:lnSpc>
+                        <a:spcBef>
+                          <a:spcPts val="300"/>
+                        </a:spcBef>
+                        <a:spcAft>
+                          <a:spcPts val="0"/>
+                        </a:spcAft>
+                        <a:buSzPts val="1000"/>
+                        <a:buChar char="-"/>
+                      </a:pPr>
+                      <a:r>
+                        <a:rPr lang="en-US" sz="1000"/>
+                        <a:t>Converting the dataset to a more optimal format (Parquet).</a:t>
+                      </a:r>
+                      <a:endParaRPr sz="1000"/>
+                    </a:p>
+                    <a:p>
+                      <a:pPr indent="-292100" lvl="0" marL="457200" rtl="0" algn="ctr">
+                        <a:lnSpc>
+                          <a:spcPct val="115000"/>
+                        </a:lnSpc>
+                        <a:spcBef>
+                          <a:spcPts val="300"/>
+                        </a:spcBef>
+                        <a:spcAft>
+                          <a:spcPts val="0"/>
+                        </a:spcAft>
+                        <a:buSzPts val="1000"/>
+                        <a:buChar char="-"/>
+                      </a:pPr>
+                      <a:r>
+                        <a:rPr lang="en-US" sz="1000"/>
+                        <a:t>Implement Matrix Factorization model and training code for the training session.</a:t>
+                      </a:r>
+                      <a:endParaRPr sz="1000"/>
+                    </a:p>
+                    <a:p>
+                      <a:pPr indent="-292100" lvl="0" marL="457200" rtl="0" algn="ctr">
+                        <a:lnSpc>
+                          <a:spcPct val="115000"/>
+                        </a:lnSpc>
+                        <a:spcBef>
+                          <a:spcPts val="300"/>
+                        </a:spcBef>
+                        <a:spcAft>
+                          <a:spcPts val="300"/>
+                        </a:spcAft>
+                        <a:buSzPts val="1000"/>
+                        <a:buChar char="-"/>
+                      </a:pPr>
+                      <a:r>
+                        <a:rPr lang="en-US" sz="1000"/>
+                        <a:t>Implement prediction pipeline.</a:t>
+                      </a:r>
+                      <a:endParaRPr sz="1000"/>
+                    </a:p>
+                  </a:txBody>
+                  <a:tcPr marT="63500" marB="63500" marR="63500" marL="63500" anchor="ctr"/>
+                </a:tc>
+                <a:tc>
+                  <a:txBody>
+                    <a:bodyPr/>
+                    <a:lstStyle/>
+                    <a:p>
+                      <a:pPr indent="0" lvl="0" marL="0" rtl="0" algn="ctr">
+                        <a:lnSpc>
+                          <a:spcPct val="115000"/>
+                        </a:lnSpc>
+                        <a:spcBef>
+                          <a:spcPts val="300"/>
+                        </a:spcBef>
+                        <a:spcAft>
+                          <a:spcPts val="300"/>
+                        </a:spcAft>
+                        <a:buNone/>
+                      </a:pPr>
+                      <a:r>
+                        <a:rPr lang="en-US" sz="1000"/>
+                        <a:t>20%</a:t>
+                      </a:r>
+                      <a:endParaRPr sz="1000"/>
+                    </a:p>
+                  </a:txBody>
+                  <a:tcPr marT="63500" marB="63500" marR="63500" marL="63500" anchor="ctr"/>
+                </a:tc>
+              </a:tr>
+              <a:tr h="740250">
+                <a:tc>
+                  <a:txBody>
+                    <a:bodyPr/>
+                    <a:lstStyle/>
+                    <a:p>
+                      <a:pPr indent="0" lvl="0" marL="0" rtl="0" algn="ctr">
+                        <a:lnSpc>
+                          <a:spcPct val="115000"/>
+                        </a:lnSpc>
+                        <a:spcBef>
+                          <a:spcPts val="300"/>
+                        </a:spcBef>
+                        <a:spcAft>
+                          <a:spcPts val="0"/>
+                        </a:spcAft>
+                        <a:buNone/>
+                      </a:pPr>
+                      <a:r>
+                        <a:t/>
+                      </a:r>
+                      <a:endParaRPr sz="1000"/>
+                    </a:p>
+                    <a:p>
+                      <a:pPr indent="0" lvl="0" marL="0" rtl="0" algn="ctr">
+                        <a:lnSpc>
+                          <a:spcPct val="115000"/>
+                        </a:lnSpc>
+                        <a:spcBef>
+                          <a:spcPts val="300"/>
+                        </a:spcBef>
+                        <a:spcAft>
+                          <a:spcPts val="300"/>
+                        </a:spcAft>
+                        <a:buNone/>
+                      </a:pPr>
+                      <a:r>
+                        <a:rPr lang="en-US" sz="1000"/>
+                        <a:t>Lê Trung Kiên</a:t>
+                      </a:r>
+                      <a:endParaRPr sz="1000"/>
+                    </a:p>
+                  </a:txBody>
+                  <a:tcPr marT="63500" marB="63500" marR="63500" marL="63500" anchor="ctr"/>
+                </a:tc>
+                <a:tc>
+                  <a:txBody>
+                    <a:bodyPr/>
+                    <a:lstStyle/>
+                    <a:p>
+                      <a:pPr indent="-292100" lvl="0" marL="457200" rtl="0" algn="ctr">
+                        <a:lnSpc>
+                          <a:spcPct val="115000"/>
+                        </a:lnSpc>
+                        <a:spcBef>
+                          <a:spcPts val="300"/>
+                        </a:spcBef>
+                        <a:spcAft>
+                          <a:spcPts val="0"/>
+                        </a:spcAft>
+                        <a:buSzPts val="1000"/>
+                        <a:buChar char="-"/>
+                      </a:pPr>
+                      <a:r>
+                        <a:rPr lang="en-US" sz="1000"/>
+                        <a:t>Implement Graph Neural Network.</a:t>
+                      </a:r>
+                      <a:endParaRPr sz="1000"/>
+                    </a:p>
+                    <a:p>
+                      <a:pPr indent="-292100" lvl="0" marL="457200" rtl="0" algn="ctr">
+                        <a:lnSpc>
+                          <a:spcPct val="115000"/>
+                        </a:lnSpc>
+                        <a:spcBef>
+                          <a:spcPts val="300"/>
+                        </a:spcBef>
+                        <a:spcAft>
+                          <a:spcPts val="0"/>
+                        </a:spcAft>
+                        <a:buSzPts val="1000"/>
+                        <a:buChar char="-"/>
+                      </a:pPr>
+                      <a:r>
+                        <a:rPr lang="en-US" sz="1000"/>
+                        <a:t>Start combining predictions from different models using ensembling methods.</a:t>
+                      </a:r>
+                      <a:endParaRPr sz="1000"/>
+                    </a:p>
+                    <a:p>
+                      <a:pPr indent="-292100" lvl="0" marL="457200" rtl="0" algn="ctr">
+                        <a:lnSpc>
+                          <a:spcPct val="115000"/>
+                        </a:lnSpc>
+                        <a:spcBef>
+                          <a:spcPts val="300"/>
+                        </a:spcBef>
+                        <a:spcAft>
+                          <a:spcPts val="300"/>
+                        </a:spcAft>
+                        <a:buSzPts val="1000"/>
+                        <a:buChar char="-"/>
+                      </a:pPr>
+                      <a:r>
+                        <a:rPr lang="en-US" sz="1000"/>
+                        <a:t>Validate and hyperparameter tuning for all methods.</a:t>
+                      </a:r>
+                      <a:endParaRPr sz="1000"/>
+                    </a:p>
+                  </a:txBody>
+                  <a:tcPr marT="63500" marB="63500" marR="63500" marL="63500" anchor="ctr"/>
+                </a:tc>
+                <a:tc>
+                  <a:txBody>
+                    <a:bodyPr/>
+                    <a:lstStyle/>
+                    <a:p>
+                      <a:pPr indent="0" lvl="0" marL="0" rtl="0" algn="ctr">
+                        <a:lnSpc>
+                          <a:spcPct val="115000"/>
+                        </a:lnSpc>
+                        <a:spcBef>
+                          <a:spcPts val="300"/>
+                        </a:spcBef>
+                        <a:spcAft>
+                          <a:spcPts val="300"/>
+                        </a:spcAft>
+                        <a:buNone/>
+                      </a:pPr>
+                      <a:r>
+                        <a:rPr lang="en-US" sz="1000"/>
+                        <a:t>20%</a:t>
+                      </a:r>
+                      <a:endParaRPr sz="1000"/>
+                    </a:p>
+                  </a:txBody>
+                  <a:tcPr marT="63500" marB="63500" marR="63500" marL="63500" anchor="ctr"/>
+                </a:tc>
+              </a:tr>
+              <a:tr h="864600">
+                <a:tc>
+                  <a:txBody>
+                    <a:bodyPr/>
+                    <a:lstStyle/>
+                    <a:p>
+                      <a:pPr indent="0" lvl="0" marL="0" rtl="0" algn="ctr">
+                        <a:lnSpc>
+                          <a:spcPct val="115000"/>
+                        </a:lnSpc>
+                        <a:spcBef>
+                          <a:spcPts val="300"/>
+                        </a:spcBef>
+                        <a:spcAft>
+                          <a:spcPts val="0"/>
+                        </a:spcAft>
+                        <a:buNone/>
+                      </a:pPr>
+                      <a:r>
+                        <a:rPr lang="en-US" sz="1000"/>
+                        <a:t>Phạm Quang Trung </a:t>
+                      </a:r>
+                      <a:endParaRPr sz="1000"/>
+                    </a:p>
+                    <a:p>
+                      <a:pPr indent="0" lvl="0" marL="0" rtl="0" algn="ctr">
+                        <a:lnSpc>
+                          <a:spcPct val="115000"/>
+                        </a:lnSpc>
+                        <a:spcBef>
+                          <a:spcPts val="300"/>
+                        </a:spcBef>
+                        <a:spcAft>
+                          <a:spcPts val="300"/>
+                        </a:spcAft>
+                        <a:buNone/>
+                      </a:pPr>
+                      <a:r>
+                        <a:t/>
+                      </a:r>
+                      <a:endParaRPr sz="1000"/>
+                    </a:p>
+                  </a:txBody>
+                  <a:tcPr marT="63500" marB="63500" marR="63500" marL="63500" anchor="ctr"/>
+                </a:tc>
+                <a:tc>
+                  <a:txBody>
+                    <a:bodyPr/>
+                    <a:lstStyle/>
+                    <a:p>
+                      <a:pPr indent="-292100" lvl="0" marL="457200" rtl="0" algn="ctr">
+                        <a:lnSpc>
+                          <a:spcPct val="115000"/>
+                        </a:lnSpc>
+                        <a:spcBef>
+                          <a:spcPts val="300"/>
+                        </a:spcBef>
+                        <a:spcAft>
+                          <a:spcPts val="0"/>
+                        </a:spcAft>
+                        <a:buSzPts val="1000"/>
+                        <a:buChar char="-"/>
+                      </a:pPr>
+                      <a:r>
+                        <a:rPr lang="en-US" sz="1000"/>
+                        <a:t>Clean and preprocess the dataset (handle missing values, data transformation).</a:t>
+                      </a:r>
+                      <a:endParaRPr sz="1000"/>
+                    </a:p>
+                    <a:p>
+                      <a:pPr indent="-292100" lvl="0" marL="457200" rtl="0" algn="ctr">
+                        <a:lnSpc>
+                          <a:spcPct val="115000"/>
+                        </a:lnSpc>
+                        <a:spcBef>
+                          <a:spcPts val="300"/>
+                        </a:spcBef>
+                        <a:spcAft>
+                          <a:spcPts val="0"/>
+                        </a:spcAft>
+                        <a:buSzPts val="1000"/>
+                        <a:buChar char="-"/>
+                      </a:pPr>
+                      <a:r>
+                        <a:rPr lang="en-US" sz="1000"/>
+                        <a:t>Weighted Co-visitation matrix generation.</a:t>
+                      </a:r>
+                      <a:endParaRPr sz="1000"/>
+                    </a:p>
+                    <a:p>
+                      <a:pPr indent="-292100" lvl="0" marL="457200" rtl="0" algn="ctr">
+                        <a:lnSpc>
+                          <a:spcPct val="115000"/>
+                        </a:lnSpc>
+                        <a:spcBef>
+                          <a:spcPts val="300"/>
+                        </a:spcBef>
+                        <a:spcAft>
+                          <a:spcPts val="300"/>
+                        </a:spcAft>
+                        <a:buSzPts val="1000"/>
+                        <a:buChar char="-"/>
+                      </a:pPr>
+                      <a:r>
+                        <a:rPr lang="en-US" sz="1000"/>
+                        <a:t>Feature engineering (session-level features, interaction types, time-based features).</a:t>
+                      </a:r>
+                      <a:endParaRPr sz="1000"/>
+                    </a:p>
+                  </a:txBody>
+                  <a:tcPr marT="63500" marB="63500" marR="63500" marL="63500" anchor="ctr"/>
+                </a:tc>
+                <a:tc>
+                  <a:txBody>
+                    <a:bodyPr/>
+                    <a:lstStyle/>
+                    <a:p>
+                      <a:pPr indent="0" lvl="0" marL="0" rtl="0" algn="ctr">
+                        <a:lnSpc>
+                          <a:spcPct val="115000"/>
+                        </a:lnSpc>
+                        <a:spcBef>
+                          <a:spcPts val="300"/>
+                        </a:spcBef>
+                        <a:spcAft>
+                          <a:spcPts val="300"/>
+                        </a:spcAft>
+                        <a:buNone/>
+                      </a:pPr>
+                      <a:r>
+                        <a:rPr lang="en-US" sz="1000"/>
+                        <a:t>20%</a:t>
+                      </a:r>
+                      <a:endParaRPr sz="1000"/>
+                    </a:p>
+                  </a:txBody>
+                  <a:tcPr marT="63500" marB="63500" marR="63500" marL="63500" anchor="ctr"/>
+                </a:tc>
+              </a:tr>
+              <a:tr h="740250">
+                <a:tc>
+                  <a:txBody>
+                    <a:bodyPr/>
+                    <a:lstStyle/>
+                    <a:p>
+                      <a:pPr indent="0" lvl="0" marL="0" rtl="0" algn="ctr">
+                        <a:lnSpc>
+                          <a:spcPct val="115000"/>
+                        </a:lnSpc>
+                        <a:spcBef>
+                          <a:spcPts val="300"/>
+                        </a:spcBef>
+                        <a:spcAft>
+                          <a:spcPts val="300"/>
+                        </a:spcAft>
+                        <a:buNone/>
+                      </a:pPr>
+                      <a:r>
+                        <a:rPr lang="en-US" sz="1000"/>
+                        <a:t>Đoàn Thế Vinh</a:t>
+                      </a:r>
+                      <a:endParaRPr sz="1000"/>
+                    </a:p>
+                  </a:txBody>
+                  <a:tcPr marT="63500" marB="63500" marR="63500" marL="63500" anchor="ctr"/>
+                </a:tc>
+                <a:tc>
+                  <a:txBody>
+                    <a:bodyPr/>
+                    <a:lstStyle/>
+                    <a:p>
+                      <a:pPr indent="-292100" lvl="0" marL="457200" rtl="0" algn="ctr">
+                        <a:lnSpc>
+                          <a:spcPct val="115000"/>
+                        </a:lnSpc>
+                        <a:spcBef>
+                          <a:spcPts val="300"/>
+                        </a:spcBef>
+                        <a:spcAft>
+                          <a:spcPts val="0"/>
+                        </a:spcAft>
+                        <a:buSzPts val="1000"/>
+                        <a:buChar char="-"/>
+                      </a:pPr>
+                      <a:r>
+                        <a:rPr lang="en-US" sz="1000"/>
+                        <a:t>Explore the OTTO dataset (understand data structure, distribution, event types).</a:t>
+                      </a:r>
+                      <a:endParaRPr sz="1000"/>
+                    </a:p>
+                    <a:p>
+                      <a:pPr indent="-292100" lvl="0" marL="457200" rtl="0" algn="ctr">
+                        <a:lnSpc>
+                          <a:spcPct val="115000"/>
+                        </a:lnSpc>
+                        <a:spcBef>
+                          <a:spcPts val="300"/>
+                        </a:spcBef>
+                        <a:spcAft>
+                          <a:spcPts val="0"/>
+                        </a:spcAft>
+                        <a:buSzPts val="1000"/>
+                        <a:buChar char="-"/>
+                      </a:pPr>
+                      <a:r>
+                        <a:rPr lang="en-US" sz="1000"/>
+                        <a:t>Implement the Word2Vec model and training code for the training session.</a:t>
+                      </a:r>
+                      <a:endParaRPr sz="1000"/>
+                    </a:p>
+                    <a:p>
+                      <a:pPr indent="-292100" lvl="0" marL="457200" rtl="0" algn="ctr">
+                        <a:lnSpc>
+                          <a:spcPct val="115000"/>
+                        </a:lnSpc>
+                        <a:spcBef>
+                          <a:spcPts val="300"/>
+                        </a:spcBef>
+                        <a:spcAft>
+                          <a:spcPts val="300"/>
+                        </a:spcAft>
+                        <a:buSzPts val="1000"/>
+                        <a:buChar char="-"/>
+                      </a:pPr>
+                      <a:r>
+                        <a:rPr lang="en-US" sz="1000"/>
+                        <a:t>Explore stacking or blending techniques for ensembling the models.</a:t>
+                      </a:r>
+                      <a:endParaRPr sz="1000"/>
+                    </a:p>
+                  </a:txBody>
+                  <a:tcPr marT="63500" marB="63500" marR="63500" marL="63500" anchor="ctr"/>
+                </a:tc>
+                <a:tc>
+                  <a:txBody>
+                    <a:bodyPr/>
+                    <a:lstStyle/>
+                    <a:p>
+                      <a:pPr indent="0" lvl="0" marL="0" rtl="0" algn="ctr">
+                        <a:lnSpc>
+                          <a:spcPct val="115000"/>
+                        </a:lnSpc>
+                        <a:spcBef>
+                          <a:spcPts val="300"/>
+                        </a:spcBef>
+                        <a:spcAft>
+                          <a:spcPts val="300"/>
+                        </a:spcAft>
+                        <a:buNone/>
+                      </a:pPr>
+                      <a:r>
+                        <a:rPr lang="en-US" sz="1000"/>
+                        <a:t>20%</a:t>
+                      </a:r>
+                      <a:endParaRPr sz="1000"/>
+                    </a:p>
+                  </a:txBody>
+                  <a:tcPr marT="63500" marB="63500" marR="63500" marL="63500" anchor="ctr"/>
+                </a:tc>
+              </a:tr>
+            </a:tbl>
+          </a:graphicData>
+        </a:graphic>
+      </p:graphicFrame>
+    </p:spTree>
+  </p:cSld>
+  <p:clrMapOvr>
+    <a:masterClrMapping/>
+  </p:clrMapOvr>
+</p:sld>
+</file>
+
+<file path=ppt/slides/slide28.xml><?xml version="1.0" encoding="utf-8"?>
+<p:sld xmlns:a="http://schemas.openxmlformats.org/drawingml/2006/main" xmlns:r="http://schemas.openxmlformats.org/officeDocument/2006/relationships" xmlns:mc="http://schemas.openxmlformats.org/markup-compatibility/2006" xmlns:mv="urn:schemas-microsoft-com:mac:vml" xmlns:p="http://schemas.openxmlformats.org/presentationml/2006/main" xmlns:c="http://schemas.openxmlformats.org/drawingml/2006/chart" xmlns:dgm="http://schemas.openxmlformats.org/drawingml/2006/diagram" xmlns:o="urn:schemas-microsoft-com:office:office" xmlns:v="urn:schemas-microsoft-com:vml" xmlns:pvml="urn:schemas-microsoft-com:office:powerpoint" xmlns:com="http://schemas.openxmlformats.org/drawingml/2006/compatibility" xmlns:p14="http://schemas.microsoft.com/office/powerpoint/2010/main" xmlns:p15="http://schemas.microsoft.com/office/powerpoint/2012/main" xmlns:ahyp="http://schemas.microsoft.com/office/drawing/2018/hyperlinkcolor">
+  <p:cSld>
+    <p:spTree>
+      <p:nvGrpSpPr>
+        <p:cNvPr id="280" name="Shape 280"/>
+        <p:cNvGrpSpPr/>
+        <p:nvPr/>
+      </p:nvGrpSpPr>
+      <p:grpSpPr>
+        <a:xfrm>
+          <a:off x="0" y="0"/>
+          <a:ext cx="0" cy="0"/>
+          <a:chOff x="0" y="0"/>
+          <a:chExt cx="0" cy="0"/>
+        </a:xfrm>
+      </p:grpSpPr>
+      <p:sp>
+        <p:nvSpPr>
+          <p:cNvPr id="281" name="Google Shape;281;p64"/>
+          <p:cNvSpPr txBox="1"/>
+          <p:nvPr>
+            <p:ph type="title"/>
+          </p:nvPr>
+        </p:nvSpPr>
+        <p:spPr>
+          <a:xfrm>
+            <a:off x="338736" y="112543"/>
+            <a:ext cx="11514528" cy="436098"/>
+          </a:xfrm>
+          <a:prstGeom prst="rect">
+            <a:avLst/>
+          </a:prstGeom>
+          <a:noFill/>
+          <a:ln>
+            <a:noFill/>
+          </a:ln>
+        </p:spPr>
+        <p:txBody>
+          <a:bodyPr anchorCtr="0" anchor="t" bIns="45700" lIns="91425" spcFirstLastPara="1" rIns="91425" wrap="square" tIns="45700">
+            <a:noAutofit/>
+          </a:bodyPr>
+          <a:lstStyle/>
+          <a:p>
+            <a:pPr indent="0" lvl="0" marL="0" rtl="0" algn="l">
+              <a:lnSpc>
+                <a:spcPct val="90000"/>
+              </a:lnSpc>
+              <a:spcBef>
+                <a:spcPts val="0"/>
+              </a:spcBef>
+              <a:spcAft>
+                <a:spcPts val="0"/>
+              </a:spcAft>
+              <a:buClr>
+                <a:schemeClr val="lt1"/>
+              </a:buClr>
+              <a:buSzPts val="2800"/>
+              <a:buFont typeface="Lato"/>
+              <a:buNone/>
+            </a:pPr>
+            <a:r>
+              <a:rPr lang="en-US"/>
+              <a:t>REFERENCES</a:t>
+            </a:r>
+            <a:endParaRPr/>
+          </a:p>
+        </p:txBody>
+      </p:sp>
+      <p:sp>
+        <p:nvSpPr>
+          <p:cNvPr id="282" name="Google Shape;282;p64"/>
+          <p:cNvSpPr txBox="1"/>
+          <p:nvPr>
+            <p:ph idx="12" type="sldNum"/>
+          </p:nvPr>
+        </p:nvSpPr>
+        <p:spPr>
+          <a:xfrm>
+            <a:off x="9156511" y="6492875"/>
+            <a:ext cx="2743200" cy="365125"/>
+          </a:xfrm>
+          <a:prstGeom prst="rect">
+            <a:avLst/>
+          </a:prstGeom>
+          <a:noFill/>
+          <a:ln>
+            <a:noFill/>
+          </a:ln>
+        </p:spPr>
+        <p:txBody>
+          <a:bodyPr anchorCtr="0" anchor="t" bIns="45700" lIns="91425" spcFirstLastPara="1" rIns="91425" wrap="square" tIns="45700">
+            <a:noAutofit/>
+          </a:bodyPr>
+          <a:lstStyle/>
+          <a:p>
+            <a:pPr indent="0" lvl="0" marL="0" rtl="0" algn="r">
+              <a:spcBef>
+                <a:spcPts val="0"/>
+              </a:spcBef>
+              <a:spcAft>
+                <a:spcPts val="0"/>
+              </a:spcAft>
+              <a:buNone/>
+            </a:pPr>
+            <a:fld id="{00000000-1234-1234-1234-123412341234}" type="slidenum">
+              <a:rPr lang="en-US"/>
+              <a:t>‹#›</a:t>
+            </a:fld>
+            <a:endParaRPr/>
+          </a:p>
+        </p:txBody>
+      </p:sp>
+      <p:sp>
+        <p:nvSpPr>
+          <p:cNvPr id="283" name="Google Shape;283;p64"/>
+          <p:cNvSpPr txBox="1"/>
+          <p:nvPr/>
+        </p:nvSpPr>
+        <p:spPr>
+          <a:xfrm>
+            <a:off x="338735" y="994002"/>
+            <a:ext cx="11560975" cy="4672505"/>
+          </a:xfrm>
+          <a:prstGeom prst="rect">
+            <a:avLst/>
+          </a:prstGeom>
+          <a:noFill/>
+          <a:ln>
+            <a:noFill/>
+          </a:ln>
+        </p:spPr>
+        <p:txBody>
+          <a:bodyPr anchorCtr="0" anchor="t" bIns="45700" lIns="91425" spcFirstLastPara="1" rIns="91425" wrap="square" tIns="45700">
+            <a:noAutofit/>
+          </a:bodyPr>
+          <a:lstStyle/>
+          <a:p>
+            <a:pPr indent="-368300" lvl="0" marL="457200" rtl="0" algn="l">
+              <a:lnSpc>
+                <a:spcPct val="90000"/>
+              </a:lnSpc>
+              <a:spcBef>
+                <a:spcPts val="1000"/>
+              </a:spcBef>
+              <a:spcAft>
+                <a:spcPts val="0"/>
+              </a:spcAft>
+              <a:buClr>
+                <a:schemeClr val="dk1"/>
+              </a:buClr>
+              <a:buSzPts val="2200"/>
+              <a:buChar char="•"/>
+            </a:pPr>
+            <a:r>
+              <a:rPr lang="en-US" sz="2200">
+                <a:solidFill>
+                  <a:schemeClr val="dk1"/>
+                </a:solidFill>
+                <a:latin typeface="Lato"/>
+                <a:ea typeface="Lato"/>
+                <a:cs typeface="Lato"/>
+                <a:sym typeface="Lato"/>
+              </a:rPr>
+              <a:t>Hamilton, W. L., Ying, Z., &amp; Leskovec, J. (2017). Inductive Representation Learning on Large Graphs. Advances in Neural Information Processing Systems, 30.</a:t>
+            </a:r>
+            <a:endParaRPr sz="2200">
+              <a:solidFill>
+                <a:schemeClr val="dk1"/>
+              </a:solidFill>
+              <a:latin typeface="Lato"/>
+              <a:ea typeface="Lato"/>
+              <a:cs typeface="Lato"/>
+              <a:sym typeface="Lato"/>
+            </a:endParaRPr>
+          </a:p>
+          <a:p>
+            <a:pPr indent="-368300" lvl="0" marL="457200" rtl="0" algn="l">
+              <a:lnSpc>
+                <a:spcPct val="90000"/>
+              </a:lnSpc>
+              <a:spcBef>
+                <a:spcPts val="1000"/>
+              </a:spcBef>
+              <a:spcAft>
+                <a:spcPts val="0"/>
+              </a:spcAft>
+              <a:buClr>
+                <a:schemeClr val="dk1"/>
+              </a:buClr>
+              <a:buSzPts val="2200"/>
+              <a:buChar char="•"/>
+            </a:pPr>
+            <a:r>
+              <a:rPr lang="en-US" sz="2200">
+                <a:solidFill>
+                  <a:schemeClr val="dk1"/>
+                </a:solidFill>
+                <a:latin typeface="Lato"/>
+                <a:ea typeface="Lato"/>
+                <a:cs typeface="Lato"/>
+                <a:sym typeface="Lato"/>
+              </a:rPr>
+              <a:t>Kaggle. (2024). OTTO Recommender Systems Challenge. [Online]. Available: https://www.kaggle.com/competitions/otto-recommender-system</a:t>
+            </a:r>
+            <a:endParaRPr sz="2200">
+              <a:solidFill>
+                <a:schemeClr val="dk1"/>
+              </a:solidFill>
+              <a:latin typeface="Lato"/>
+              <a:ea typeface="Lato"/>
+              <a:cs typeface="Lato"/>
+              <a:sym typeface="Lato"/>
+            </a:endParaRPr>
+          </a:p>
+          <a:p>
+            <a:pPr indent="-368300" lvl="0" marL="457200" rtl="0" algn="l">
+              <a:lnSpc>
+                <a:spcPct val="90000"/>
+              </a:lnSpc>
+              <a:spcBef>
+                <a:spcPts val="1000"/>
+              </a:spcBef>
+              <a:spcAft>
+                <a:spcPts val="0"/>
+              </a:spcAft>
+              <a:buClr>
+                <a:schemeClr val="dk1"/>
+              </a:buClr>
+              <a:buSzPts val="2200"/>
+              <a:buChar char="•"/>
+            </a:pPr>
+            <a:r>
+              <a:rPr lang="en-US" sz="2200">
+                <a:solidFill>
+                  <a:schemeClr val="dk1"/>
+                </a:solidFill>
+                <a:latin typeface="Lato"/>
+                <a:ea typeface="Lato"/>
+                <a:cs typeface="Lato"/>
+                <a:sym typeface="Lato"/>
+              </a:rPr>
+              <a:t>Koren, Y., Bell, R., &amp; Volinsky, C. (2009). Matrix Factorization Techniques for Recommender Systems. Computer, 42(8), 30-37.</a:t>
+            </a:r>
+            <a:endParaRPr sz="2200">
+              <a:solidFill>
+                <a:schemeClr val="dk1"/>
+              </a:solidFill>
+              <a:latin typeface="Lato"/>
+              <a:ea typeface="Lato"/>
+              <a:cs typeface="Lato"/>
+              <a:sym typeface="Lato"/>
+            </a:endParaRPr>
+          </a:p>
+          <a:p>
+            <a:pPr indent="-368300" lvl="0" marL="457200" rtl="0" algn="l">
+              <a:lnSpc>
+                <a:spcPct val="90000"/>
+              </a:lnSpc>
+              <a:spcBef>
+                <a:spcPts val="1000"/>
+              </a:spcBef>
+              <a:spcAft>
+                <a:spcPts val="0"/>
+              </a:spcAft>
+              <a:buClr>
+                <a:schemeClr val="dk1"/>
+              </a:buClr>
+              <a:buSzPts val="2200"/>
+              <a:buChar char="•"/>
+            </a:pPr>
+            <a:r>
+              <a:rPr lang="en-US" sz="2200">
+                <a:solidFill>
+                  <a:schemeClr val="dk1"/>
+                </a:solidFill>
+                <a:latin typeface="Lato"/>
+                <a:ea typeface="Lato"/>
+                <a:cs typeface="Lato"/>
+                <a:sym typeface="Lato"/>
+              </a:rPr>
+              <a:t>Mikolov, T., Chen, K., Corrado, G., &amp; Dean, J. (2013). Efficient Estimation of Word Representations in Vector Space. arXiv preprint arXiv:1301.3781.</a:t>
+            </a:r>
+            <a:endParaRPr sz="2200">
+              <a:solidFill>
+                <a:schemeClr val="dk1"/>
+              </a:solidFill>
+              <a:latin typeface="Lato"/>
+              <a:ea typeface="Lato"/>
+              <a:cs typeface="Lato"/>
+              <a:sym typeface="Lato"/>
+            </a:endParaRPr>
+          </a:p>
+          <a:p>
+            <a:pPr indent="-368300" lvl="0" marL="457200" rtl="0" algn="l">
+              <a:lnSpc>
+                <a:spcPct val="90000"/>
+              </a:lnSpc>
+              <a:spcBef>
+                <a:spcPts val="1000"/>
+              </a:spcBef>
+              <a:spcAft>
+                <a:spcPts val="0"/>
+              </a:spcAft>
+              <a:buClr>
+                <a:schemeClr val="dk1"/>
+              </a:buClr>
+              <a:buSzPts val="2200"/>
+              <a:buChar char="•"/>
+            </a:pPr>
+            <a:r>
+              <a:rPr lang="en-US" sz="2200">
+                <a:solidFill>
+                  <a:schemeClr val="dk1"/>
+                </a:solidFill>
+                <a:latin typeface="Lato"/>
+                <a:ea typeface="Lato"/>
+                <a:cs typeface="Lato"/>
+                <a:sym typeface="Lato"/>
+              </a:rPr>
+              <a:t>Roy, D., Dutta, M. A systematic review and research perspective on recommender systems. J Big Data 9, 59 (2022). </a:t>
+            </a:r>
+            <a:endParaRPr sz="2200">
+              <a:solidFill>
+                <a:schemeClr val="dk1"/>
+              </a:solidFill>
+              <a:latin typeface="Lato"/>
+              <a:ea typeface="Lato"/>
+              <a:cs typeface="Lato"/>
+              <a:sym typeface="Lato"/>
+            </a:endParaRPr>
+          </a:p>
+        </p:txBody>
+      </p:sp>
+    </p:spTree>
+  </p:cSld>
+  <p:clrMapOvr>
+    <a:masterClrMapping/>
+  </p:clrMapOvr>
+</p:sld>
+</file>
+
+<file path=ppt/slides/slide29.xml><?xml version="1.0" encoding="utf-8"?>
+<p:sld xmlns:a="http://schemas.openxmlformats.org/drawingml/2006/main" xmlns:r="http://schemas.openxmlformats.org/officeDocument/2006/relationships" xmlns:mc="http://schemas.openxmlformats.org/markup-compatibility/2006" xmlns:mv="urn:schemas-microsoft-com:mac:vml" xmlns:p="http://schemas.openxmlformats.org/presentationml/2006/main" xmlns:c="http://schemas.openxmlformats.org/drawingml/2006/chart" xmlns:dgm="http://schemas.openxmlformats.org/drawingml/2006/diagram" xmlns:o="urn:schemas-microsoft-com:office:office" xmlns:v="urn:schemas-microsoft-com:vml" xmlns:pvml="urn:schemas-microsoft-com:office:powerpoint" xmlns:com="http://schemas.openxmlformats.org/drawingml/2006/compatibility" xmlns:p14="http://schemas.microsoft.com/office/powerpoint/2010/main" xmlns:p15="http://schemas.microsoft.com/office/powerpoint/2012/main" xmlns:ahyp="http://schemas.microsoft.com/office/drawing/2018/hyperlinkcolor">
+  <p:cSld>
+    <p:spTree>
+      <p:nvGrpSpPr>
+        <p:cNvPr id="287" name="Shape 287"/>
+        <p:cNvGrpSpPr/>
+        <p:nvPr/>
+      </p:nvGrpSpPr>
+      <p:grpSpPr>
+        <a:xfrm>
+          <a:off x="0" y="0"/>
+          <a:ext cx="0" cy="0"/>
+          <a:chOff x="0" y="0"/>
+          <a:chExt cx="0" cy="0"/>
+        </a:xfrm>
+      </p:grpSpPr>
+      <p:sp>
+        <p:nvSpPr>
+          <p:cNvPr id="288" name="Google Shape;288;p66"/>
+          <p:cNvSpPr txBox="1"/>
+          <p:nvPr/>
+        </p:nvSpPr>
+        <p:spPr>
+          <a:xfrm>
+            <a:off x="5605763" y="2869457"/>
+            <a:ext cx="5422456" cy="971304"/>
+          </a:xfrm>
+          <a:prstGeom prst="rect">
+            <a:avLst/>
+          </a:prstGeom>
+          <a:noFill/>
+          <a:ln>
+            <a:noFill/>
+          </a:ln>
+        </p:spPr>
+        <p:txBody>
+          <a:bodyPr anchorCtr="0" anchor="t" bIns="45700" lIns="91425" spcFirstLastPara="1" rIns="91425" wrap="square" tIns="45700">
+            <a:noAutofit/>
+          </a:bodyPr>
+          <a:lstStyle/>
+          <a:p>
+            <a:pPr indent="0" lvl="0" marL="0" marR="0" rtl="0" algn="l">
+              <a:lnSpc>
+                <a:spcPct val="90000"/>
+              </a:lnSpc>
+              <a:spcBef>
+                <a:spcPts val="0"/>
+              </a:spcBef>
+              <a:spcAft>
+                <a:spcPts val="0"/>
+              </a:spcAft>
+              <a:buClr>
+                <a:srgbClr val="C00000"/>
+              </a:buClr>
+              <a:buSzPts val="6000"/>
+              <a:buFont typeface="Lato"/>
+              <a:buNone/>
+            </a:pPr>
+            <a:r>
+              <a:t/>
+            </a:r>
+            <a:endParaRPr b="1" sz="6000">
+              <a:solidFill>
+                <a:srgbClr val="C00000"/>
+              </a:solidFill>
+              <a:latin typeface="Lato"/>
+              <a:ea typeface="Lato"/>
+              <a:cs typeface="Lato"/>
+              <a:sym typeface="Lato"/>
+            </a:endParaRPr>
+          </a:p>
+        </p:txBody>
+      </p:sp>
     </p:spTree>
   </p:cSld>
   <p:clrMapOvr>
@@ -17523,7 +23103,7 @@
   <p:cSld>
     <p:spTree>
       <p:nvGrpSpPr>
-        <p:cNvPr id="97" name="Shape 97"/>
+        <p:cNvPr id="98" name="Shape 98"/>
         <p:cNvGrpSpPr/>
         <p:nvPr/>
       </p:nvGrpSpPr>
@@ -17537,7 +23117,7 @@
       </p:grpSpPr>
       <p:sp>
         <p:nvSpPr>
-          <p:cNvPr id="98" name="Google Shape;98;p3"/>
+          <p:cNvPr id="99" name="Google Shape;99;p3"/>
           <p:cNvSpPr txBox="1"/>
           <p:nvPr>
             <p:ph type="title"/>
@@ -17600,7 +23180,7 @@
   <p:cSld>
     <p:spTree>
       <p:nvGrpSpPr>
-        <p:cNvPr id="102" name="Shape 102"/>
+        <p:cNvPr id="103" name="Shape 103"/>
         <p:cNvGrpSpPr/>
         <p:nvPr/>
       </p:nvGrpSpPr>
@@ -17614,7 +23194,7 @@
       </p:grpSpPr>
       <p:sp>
         <p:nvSpPr>
-          <p:cNvPr id="103" name="Google Shape;103;p4"/>
+          <p:cNvPr id="104" name="Google Shape;104;p4"/>
           <p:cNvSpPr txBox="1"/>
           <p:nvPr>
             <p:ph type="title"/>
@@ -17671,7 +23251,7 @@
       </p:sp>
       <p:sp>
         <p:nvSpPr>
-          <p:cNvPr id="104" name="Google Shape;104;p4"/>
+          <p:cNvPr id="105" name="Google Shape;105;p4"/>
           <p:cNvSpPr txBox="1"/>
           <p:nvPr>
             <p:ph idx="12" type="sldNum"/>
@@ -17715,7 +23295,7 @@
       </p:sp>
       <p:sp>
         <p:nvSpPr>
-          <p:cNvPr id="105" name="Google Shape;105;p4"/>
+          <p:cNvPr id="106" name="Google Shape;106;p4"/>
           <p:cNvSpPr txBox="1"/>
           <p:nvPr/>
         </p:nvSpPr>
@@ -17883,7 +23463,7 @@
   <p:cSld>
     <p:spTree>
       <p:nvGrpSpPr>
-        <p:cNvPr id="109" name="Shape 109"/>
+        <p:cNvPr id="110" name="Shape 110"/>
         <p:cNvGrpSpPr/>
         <p:nvPr/>
       </p:nvGrpSpPr>
@@ -17897,7 +23477,7 @@
       </p:grpSpPr>
       <p:sp>
         <p:nvSpPr>
-          <p:cNvPr id="110" name="Google Shape;110;g326235a0562_0_3"/>
+          <p:cNvPr id="111" name="Google Shape;111;g326235a0562_0_3"/>
           <p:cNvSpPr txBox="1"/>
           <p:nvPr>
             <p:ph type="title"/>
@@ -17960,7 +23540,7 @@
   <p:cSld>
     <p:spTree>
       <p:nvGrpSpPr>
-        <p:cNvPr id="114" name="Shape 114"/>
+        <p:cNvPr id="115" name="Shape 115"/>
         <p:cNvGrpSpPr/>
         <p:nvPr/>
       </p:nvGrpSpPr>
@@ -17974,7 +23554,7 @@
       </p:grpSpPr>
       <p:sp>
         <p:nvSpPr>
-          <p:cNvPr id="115" name="Google Shape;115;g326235a0562_0_7"/>
+          <p:cNvPr id="116" name="Google Shape;116;g326235a0562_0_7"/>
           <p:cNvSpPr txBox="1"/>
           <p:nvPr>
             <p:ph type="title"/>
@@ -18026,7 +23606,7 @@
       </p:sp>
       <p:sp>
         <p:nvSpPr>
-          <p:cNvPr id="116" name="Google Shape;116;g326235a0562_0_7"/>
+          <p:cNvPr id="117" name="Google Shape;117;g326235a0562_0_7"/>
           <p:cNvSpPr txBox="1"/>
           <p:nvPr>
             <p:ph idx="1" type="body"/>
@@ -18074,7 +23654,16 @@
                 <a:cs typeface="Arial"/>
                 <a:sym typeface="Arial"/>
               </a:rPr>
-              <a:t>4. </a:t>
+              <a:t>2.1</a:t>
+            </a:r>
+            <a:r>
+              <a:rPr b="1" lang="en-US" sz="3200">
+                <a:latin typeface="Arial"/>
+                <a:ea typeface="Arial"/>
+                <a:cs typeface="Arial"/>
+                <a:sym typeface="Arial"/>
+              </a:rPr>
+              <a:t>. </a:t>
             </a:r>
             <a:r>
               <a:rPr b="1" lang="en-US" sz="3200">
@@ -18091,7 +23680,7 @@
       </p:sp>
       <p:sp>
         <p:nvSpPr>
-          <p:cNvPr id="117" name="Google Shape;117;g326235a0562_0_7"/>
+          <p:cNvPr id="118" name="Google Shape;118;g326235a0562_0_7"/>
           <p:cNvSpPr txBox="1"/>
           <p:nvPr>
             <p:ph idx="12" type="sldNum"/>
@@ -18135,7 +23724,7 @@
       </p:sp>
       <p:sp>
         <p:nvSpPr>
-          <p:cNvPr id="118" name="Google Shape;118;g326235a0562_0_7"/>
+          <p:cNvPr id="119" name="Google Shape;119;g326235a0562_0_7"/>
           <p:cNvSpPr txBox="1"/>
           <p:nvPr/>
         </p:nvSpPr>
@@ -18195,13 +23784,13 @@
       </p:sp>
       <p:sp>
         <p:nvSpPr>
-          <p:cNvPr id="119" name="Google Shape;119;g326235a0562_0_7"/>
+          <p:cNvPr id="120" name="Google Shape;120;g326235a0562_0_7"/>
           <p:cNvSpPr txBox="1"/>
           <p:nvPr/>
         </p:nvSpPr>
         <p:spPr>
           <a:xfrm>
-            <a:off x="741399" y="2216500"/>
+            <a:off x="741399" y="2441700"/>
             <a:ext cx="4329600" cy="2635200"/>
           </a:xfrm>
           <a:prstGeom prst="rect">
@@ -18362,13 +23951,13 @@
       </p:sp>
       <p:sp>
         <p:nvSpPr>
-          <p:cNvPr id="120" name="Google Shape;120;g326235a0562_0_7"/>
+          <p:cNvPr id="121" name="Google Shape;121;g326235a0562_0_7"/>
           <p:cNvSpPr txBox="1"/>
           <p:nvPr/>
         </p:nvSpPr>
         <p:spPr>
           <a:xfrm>
-            <a:off x="5919299" y="2293450"/>
+            <a:off x="5898824" y="2441700"/>
             <a:ext cx="4510200" cy="2481300"/>
           </a:xfrm>
           <a:prstGeom prst="rect">
@@ -18490,7 +24079,7 @@
   <p:cSld>
     <p:spTree>
       <p:nvGrpSpPr>
-        <p:cNvPr id="124" name="Shape 124"/>
+        <p:cNvPr id="125" name="Shape 125"/>
         <p:cNvGrpSpPr/>
         <p:nvPr/>
       </p:nvGrpSpPr>
@@ -18504,84 +24093,7 @@
       </p:grpSpPr>
       <p:sp>
         <p:nvSpPr>
-          <p:cNvPr id="125" name="Google Shape;125;p9"/>
-          <p:cNvSpPr txBox="1"/>
-          <p:nvPr>
-            <p:ph type="title"/>
-          </p:nvPr>
-        </p:nvSpPr>
-        <p:spPr>
-          <a:xfrm>
-            <a:off x="4362370" y="2948220"/>
-            <a:ext cx="3467260" cy="961559"/>
-          </a:xfrm>
-          <a:prstGeom prst="rect">
-            <a:avLst/>
-          </a:prstGeom>
-          <a:noFill/>
-          <a:ln>
-            <a:noFill/>
-          </a:ln>
-        </p:spPr>
-        <p:txBody>
-          <a:bodyPr anchorCtr="0" anchor="t" bIns="45700" lIns="91425" spcFirstLastPara="1" rIns="91425" wrap="square" tIns="45700">
-            <a:noAutofit/>
-          </a:bodyPr>
-          <a:lstStyle/>
-          <a:p>
-            <a:pPr indent="0" lvl="0" marL="0" rtl="0" algn="ctr">
-              <a:lnSpc>
-                <a:spcPct val="90000"/>
-              </a:lnSpc>
-              <a:spcBef>
-                <a:spcPts val="0"/>
-              </a:spcBef>
-              <a:spcAft>
-                <a:spcPts val="0"/>
-              </a:spcAft>
-              <a:buClr>
-                <a:schemeClr val="lt1"/>
-              </a:buClr>
-              <a:buSzPts val="7200"/>
-              <a:buFont typeface="Lato"/>
-              <a:buNone/>
-            </a:pPr>
-            <a:r>
-              <a:rPr lang="en-US" sz="7200"/>
-              <a:t>Method</a:t>
-            </a:r>
-            <a:endParaRPr sz="7200"/>
-          </a:p>
-        </p:txBody>
-      </p:sp>
-    </p:spTree>
-  </p:cSld>
-  <p:clrMapOvr>
-    <a:masterClrMapping/>
-  </p:clrMapOvr>
-</p:sld>
-</file>
-
-<file path=ppt/slides/slide8.xml><?xml version="1.0" encoding="utf-8"?>
-<p:sld xmlns:a="http://schemas.openxmlformats.org/drawingml/2006/main" xmlns:r="http://schemas.openxmlformats.org/officeDocument/2006/relationships" xmlns:mc="http://schemas.openxmlformats.org/markup-compatibility/2006" xmlns:mv="urn:schemas-microsoft-com:mac:vml" xmlns:p="http://schemas.openxmlformats.org/presentationml/2006/main" xmlns:c="http://schemas.openxmlformats.org/drawingml/2006/chart" xmlns:dgm="http://schemas.openxmlformats.org/drawingml/2006/diagram" xmlns:o="urn:schemas-microsoft-com:office:office" xmlns:v="urn:schemas-microsoft-com:vml" xmlns:pvml="urn:schemas-microsoft-com:office:powerpoint" xmlns:com="http://schemas.openxmlformats.org/drawingml/2006/compatibility" xmlns:p14="http://schemas.microsoft.com/office/powerpoint/2010/main" xmlns:p15="http://schemas.microsoft.com/office/powerpoint/2012/main" xmlns:ahyp="http://schemas.microsoft.com/office/drawing/2018/hyperlinkcolor">
-  <p:cSld>
-    <p:spTree>
-      <p:nvGrpSpPr>
-        <p:cNvPr id="129" name="Shape 129"/>
-        <p:cNvGrpSpPr/>
-        <p:nvPr/>
-      </p:nvGrpSpPr>
-      <p:grpSpPr>
-        <a:xfrm>
-          <a:off x="0" y="0"/>
-          <a:ext cx="0" cy="0"/>
-          <a:chOff x="0" y="0"/>
-          <a:chExt cx="0" cy="0"/>
-        </a:xfrm>
-      </p:grpSpPr>
-      <p:sp>
-        <p:nvSpPr>
-          <p:cNvPr id="130" name="Google Shape;130;g326235a0562_0_33"/>
+          <p:cNvPr id="126" name="Google Shape;126;g32627264e13_0_0"/>
           <p:cNvSpPr txBox="1"/>
           <p:nvPr>
             <p:ph type="title"/>
@@ -18625,7 +24137,7 @@
             </a:pPr>
             <a:r>
               <a:rPr lang="en-US" sz="3600"/>
-              <a:t>Method</a:t>
+              <a:t>Data</a:t>
             </a:r>
             <a:endParaRPr sz="3600"/>
           </a:p>
@@ -18633,7 +24145,7 @@
       </p:sp>
       <p:sp>
         <p:nvSpPr>
-          <p:cNvPr id="131" name="Google Shape;131;g326235a0562_0_33"/>
+          <p:cNvPr id="127" name="Google Shape;127;g32627264e13_0_0"/>
           <p:cNvSpPr txBox="1"/>
           <p:nvPr>
             <p:ph idx="1" type="body"/>
@@ -18641,7 +24153,7 @@
         </p:nvSpPr>
         <p:spPr>
           <a:xfrm>
-            <a:off x="338736" y="958689"/>
+            <a:off x="338711" y="876789"/>
             <a:ext cx="11514600" cy="436200"/>
           </a:xfrm>
           <a:prstGeom prst="rect">
@@ -18681,7 +24193,16 @@
                 <a:cs typeface="Arial"/>
                 <a:sym typeface="Arial"/>
               </a:rPr>
-              <a:t>Feature Engineering</a:t>
+              <a:t>2</a:t>
+            </a:r>
+            <a:r>
+              <a:rPr b="1" lang="en-US" sz="3200">
+                <a:latin typeface="Arial"/>
+                <a:ea typeface="Arial"/>
+                <a:cs typeface="Arial"/>
+                <a:sym typeface="Arial"/>
+              </a:rPr>
+              <a:t>.2 Data Format</a:t>
             </a:r>
             <a:endParaRPr sz="3600"/>
           </a:p>
@@ -18689,7 +24210,7 @@
       </p:sp>
       <p:sp>
         <p:nvSpPr>
-          <p:cNvPr id="132" name="Google Shape;132;g326235a0562_0_33"/>
+          <p:cNvPr id="128" name="Google Shape;128;g32627264e13_0_0"/>
           <p:cNvSpPr txBox="1"/>
           <p:nvPr>
             <p:ph idx="12" type="sldNum"/>
@@ -18731,16 +24252,24 @@
           </a:p>
         </p:txBody>
       </p:sp>
-      <p:sp>
-        <p:nvSpPr>
-          <p:cNvPr id="133" name="Google Shape;133;g326235a0562_0_33"/>
-          <p:cNvSpPr txBox="1"/>
+      <p:pic>
+        <p:nvPicPr>
+          <p:cNvPr id="129" name="Google Shape;129;g32627264e13_0_0"/>
+          <p:cNvPicPr preferRelativeResize="0"/>
           <p:nvPr/>
-        </p:nvSpPr>
+        </p:nvPicPr>
+        <p:blipFill>
+          <a:blip r:embed="rId3">
+            <a:alphaModFix/>
+          </a:blip>
+          <a:stretch>
+            <a:fillRect/>
+          </a:stretch>
+        </p:blipFill>
         <p:spPr>
           <a:xfrm>
-            <a:off x="687775" y="1578846"/>
-            <a:ext cx="10816500" cy="2327400"/>
+            <a:off x="2649017" y="1555775"/>
+            <a:ext cx="6893975" cy="3746450"/>
           </a:xfrm>
           <a:prstGeom prst="rect">
             <a:avLst/>
@@ -18750,182 +24279,7 @@
             <a:noFill/>
           </a:ln>
         </p:spPr>
-        <p:txBody>
-          <a:bodyPr anchorCtr="0" anchor="t" bIns="45700" lIns="91425" spcFirstLastPara="1" rIns="91425" wrap="square" tIns="45700">
-            <a:spAutoFit/>
-          </a:bodyPr>
-          <a:lstStyle/>
-          <a:p>
-            <a:pPr indent="0" lvl="0" marL="0" rtl="0" algn="l">
-              <a:lnSpc>
-                <a:spcPct val="115000"/>
-              </a:lnSpc>
-              <a:spcBef>
-                <a:spcPts val="1200"/>
-              </a:spcBef>
-              <a:spcAft>
-                <a:spcPts val="0"/>
-              </a:spcAft>
-              <a:buClr>
-                <a:schemeClr val="dk1"/>
-              </a:buClr>
-              <a:buSzPts val="1100"/>
-              <a:buFont typeface="Arial"/>
-              <a:buNone/>
-            </a:pPr>
-            <a:r>
-              <a:rPr b="1" lang="en-US" sz="2200">
-                <a:solidFill>
-                  <a:schemeClr val="dk1"/>
-                </a:solidFill>
-              </a:rPr>
-              <a:t>Feature Engineering</a:t>
-            </a:r>
-            <a:endParaRPr b="1" sz="2200">
-              <a:solidFill>
-                <a:schemeClr val="dk1"/>
-              </a:solidFill>
-            </a:endParaRPr>
-          </a:p>
-          <a:p>
-            <a:pPr indent="-368300" lvl="0" marL="457200" rtl="0" algn="l">
-              <a:lnSpc>
-                <a:spcPct val="115000"/>
-              </a:lnSpc>
-              <a:spcBef>
-                <a:spcPts val="1200"/>
-              </a:spcBef>
-              <a:spcAft>
-                <a:spcPts val="0"/>
-              </a:spcAft>
-              <a:buClr>
-                <a:schemeClr val="dk1"/>
-              </a:buClr>
-              <a:buSzPts val="2200"/>
-              <a:buChar char="●"/>
-            </a:pPr>
-            <a:r>
-              <a:rPr b="1" lang="en-US" sz="2200">
-                <a:solidFill>
-                  <a:schemeClr val="dk1"/>
-                </a:solidFill>
-              </a:rPr>
-              <a:t>Session Features:</a:t>
-            </a:r>
-            <a:r>
-              <a:rPr lang="en-US" sz="2200">
-                <a:solidFill>
-                  <a:schemeClr val="dk1"/>
-                </a:solidFill>
-              </a:rPr>
-              <a:t> Interaction counts, time-based metrics.</a:t>
-            </a:r>
-            <a:endParaRPr sz="2200">
-              <a:solidFill>
-                <a:schemeClr val="dk1"/>
-              </a:solidFill>
-            </a:endParaRPr>
-          </a:p>
-          <a:p>
-            <a:pPr indent="-368300" lvl="0" marL="457200" rtl="0" algn="l">
-              <a:lnSpc>
-                <a:spcPct val="115000"/>
-              </a:lnSpc>
-              <a:spcBef>
-                <a:spcPts val="0"/>
-              </a:spcBef>
-              <a:spcAft>
-                <a:spcPts val="0"/>
-              </a:spcAft>
-              <a:buClr>
-                <a:schemeClr val="dk1"/>
-              </a:buClr>
-              <a:buSzPts val="2200"/>
-              <a:buChar char="●"/>
-            </a:pPr>
-            <a:r>
-              <a:rPr b="1" lang="en-US" sz="2200">
-                <a:solidFill>
-                  <a:schemeClr val="dk1"/>
-                </a:solidFill>
-              </a:rPr>
-              <a:t>Item Features:</a:t>
-            </a:r>
-            <a:r>
-              <a:rPr lang="en-US" sz="2200">
-                <a:solidFill>
-                  <a:schemeClr val="dk1"/>
-                </a:solidFill>
-              </a:rPr>
-              <a:t> Co-occurrence stats, Word2Vec similarity.</a:t>
-            </a:r>
-            <a:endParaRPr sz="2200">
-              <a:solidFill>
-                <a:schemeClr val="dk1"/>
-              </a:solidFill>
-            </a:endParaRPr>
-          </a:p>
-          <a:p>
-            <a:pPr indent="-368300" lvl="0" marL="457200" rtl="0" algn="l">
-              <a:lnSpc>
-                <a:spcPct val="115000"/>
-              </a:lnSpc>
-              <a:spcBef>
-                <a:spcPts val="0"/>
-              </a:spcBef>
-              <a:spcAft>
-                <a:spcPts val="0"/>
-              </a:spcAft>
-              <a:buClr>
-                <a:schemeClr val="dk1"/>
-              </a:buClr>
-              <a:buSzPts val="2200"/>
-              <a:buChar char="●"/>
-            </a:pPr>
-            <a:r>
-              <a:rPr b="1" lang="en-US" sz="2200">
-                <a:solidFill>
-                  <a:schemeClr val="dk1"/>
-                </a:solidFill>
-              </a:rPr>
-              <a:t>Contextual Features:</a:t>
-            </a:r>
-            <a:r>
-              <a:rPr lang="en-US" sz="2200">
-                <a:solidFill>
-                  <a:schemeClr val="dk1"/>
-                </a:solidFill>
-              </a:rPr>
-              <a:t> Popularity rank within session clusters.</a:t>
-            </a:r>
-            <a:endParaRPr sz="2200">
-              <a:solidFill>
-                <a:schemeClr val="dk1"/>
-              </a:solidFill>
-            </a:endParaRPr>
-          </a:p>
-          <a:p>
-            <a:pPr indent="0" lvl="0" marL="0" rtl="0" algn="just">
-              <a:spcBef>
-                <a:spcPts val="1200"/>
-              </a:spcBef>
-              <a:spcAft>
-                <a:spcPts val="0"/>
-              </a:spcAft>
-              <a:buSzPts val="1100"/>
-              <a:buNone/>
-            </a:pPr>
-            <a:r>
-              <a:t/>
-            </a:r>
-            <a:endParaRPr b="1" sz="2400">
-              <a:solidFill>
-                <a:schemeClr val="dk1"/>
-              </a:solidFill>
-            </a:endParaRPr>
-          </a:p>
-        </p:txBody>
-      </p:sp>
+      </p:pic>
     </p:spTree>
   </p:cSld>
   <p:clrMapOvr>
@@ -18934,12 +24288,12 @@
 </p:sld>
 </file>
 
-<file path=ppt/slides/slide9.xml><?xml version="1.0" encoding="utf-8"?>
+<file path=ppt/slides/slide8.xml><?xml version="1.0" encoding="utf-8"?>
 <p:sld xmlns:a="http://schemas.openxmlformats.org/drawingml/2006/main" xmlns:r="http://schemas.openxmlformats.org/officeDocument/2006/relationships" xmlns:mc="http://schemas.openxmlformats.org/markup-compatibility/2006" xmlns:mv="urn:schemas-microsoft-com:mac:vml" xmlns:p="http://schemas.openxmlformats.org/presentationml/2006/main" xmlns:c="http://schemas.openxmlformats.org/drawingml/2006/chart" xmlns:dgm="http://schemas.openxmlformats.org/drawingml/2006/diagram" xmlns:o="urn:schemas-microsoft-com:office:office" xmlns:v="urn:schemas-microsoft-com:vml" xmlns:pvml="urn:schemas-microsoft-com:office:powerpoint" xmlns:com="http://schemas.openxmlformats.org/drawingml/2006/compatibility" xmlns:p14="http://schemas.microsoft.com/office/powerpoint/2010/main" xmlns:p15="http://schemas.microsoft.com/office/powerpoint/2012/main" xmlns:ahyp="http://schemas.microsoft.com/office/drawing/2018/hyperlinkcolor">
   <p:cSld>
     <p:spTree>
       <p:nvGrpSpPr>
-        <p:cNvPr id="137" name="Shape 137"/>
+        <p:cNvPr id="133" name="Shape 133"/>
         <p:cNvGrpSpPr/>
         <p:nvPr/>
       </p:nvGrpSpPr>
@@ -18953,7 +24307,7 @@
       </p:grpSpPr>
       <p:sp>
         <p:nvSpPr>
-          <p:cNvPr id="138" name="Google Shape;138;g326235a0562_0_22"/>
+          <p:cNvPr id="134" name="Google Shape;134;g32627264e13_0_11"/>
           <p:cNvSpPr txBox="1"/>
           <p:nvPr>
             <p:ph type="title"/>
@@ -18997,7 +24351,7 @@
             </a:pPr>
             <a:r>
               <a:rPr lang="en-US" sz="3600"/>
-              <a:t>Method</a:t>
+              <a:t>Data</a:t>
             </a:r>
             <a:endParaRPr sz="3600"/>
           </a:p>
@@ -19005,7 +24359,7 @@
       </p:sp>
       <p:sp>
         <p:nvSpPr>
-          <p:cNvPr id="139" name="Google Shape;139;g326235a0562_0_22"/>
+          <p:cNvPr id="135" name="Google Shape;135;g32627264e13_0_11"/>
           <p:cNvSpPr txBox="1"/>
           <p:nvPr>
             <p:ph idx="1" type="body"/>
@@ -19013,7 +24367,7 @@
         </p:nvSpPr>
         <p:spPr>
           <a:xfrm>
-            <a:off x="338736" y="958689"/>
+            <a:off x="338711" y="876789"/>
             <a:ext cx="11514600" cy="436200"/>
           </a:xfrm>
           <a:prstGeom prst="rect">
@@ -19053,7 +24407,7 @@
                 <a:cs typeface="Arial"/>
                 <a:sym typeface="Arial"/>
               </a:rPr>
-              <a:t>Methodology </a:t>
+              <a:t>2.3 Data Processing</a:t>
             </a:r>
             <a:r>
               <a:rPr b="1" lang="en-US" sz="3200">
@@ -19062,7 +24416,16 @@
                 <a:cs typeface="Arial"/>
                 <a:sym typeface="Arial"/>
               </a:rPr>
-              <a:t> Overview</a:t>
+              <a:t> </a:t>
+            </a:r>
+            <a:r>
+              <a:rPr b="1" lang="en-US" sz="3200">
+                <a:latin typeface="Arial"/>
+                <a:ea typeface="Arial"/>
+                <a:cs typeface="Arial"/>
+                <a:sym typeface="Arial"/>
+              </a:rPr>
+              <a:t> </a:t>
             </a:r>
             <a:endParaRPr sz="3600"/>
           </a:p>
@@ -19070,7 +24433,7 @@
       </p:sp>
       <p:sp>
         <p:nvSpPr>
-          <p:cNvPr id="140" name="Google Shape;140;g326235a0562_0_22"/>
+          <p:cNvPr id="136" name="Google Shape;136;g32627264e13_0_11"/>
           <p:cNvSpPr txBox="1"/>
           <p:nvPr>
             <p:ph idx="12" type="sldNum"/>
@@ -19112,16 +24475,46 @@
           </a:p>
         </p:txBody>
       </p:sp>
+      <p:pic>
+        <p:nvPicPr>
+          <p:cNvPr id="137" name="Google Shape;137;g32627264e13_0_11"/>
+          <p:cNvPicPr preferRelativeResize="0"/>
+          <p:nvPr/>
+        </p:nvPicPr>
+        <p:blipFill>
+          <a:blip r:embed="rId3">
+            <a:alphaModFix/>
+          </a:blip>
+          <a:stretch>
+            <a:fillRect/>
+          </a:stretch>
+        </p:blipFill>
+        <p:spPr>
+          <a:xfrm>
+            <a:off x="772175" y="2370375"/>
+            <a:ext cx="9203499" cy="2300875"/>
+          </a:xfrm>
+          <a:prstGeom prst="rect">
+            <a:avLst/>
+          </a:prstGeom>
+          <a:noFill/>
+          <a:ln>
+            <a:noFill/>
+          </a:ln>
+        </p:spPr>
+      </p:pic>
       <p:sp>
         <p:nvSpPr>
-          <p:cNvPr id="141" name="Google Shape;141;g326235a0562_0_22"/>
+          <p:cNvPr id="138" name="Google Shape;138;g32627264e13_0_11"/>
           <p:cNvSpPr txBox="1"/>
-          <p:nvPr/>
+          <p:nvPr>
+            <p:ph idx="1" type="body"/>
+          </p:nvPr>
         </p:nvSpPr>
         <p:spPr>
           <a:xfrm>
-            <a:off x="687775" y="1578846"/>
-            <a:ext cx="10816500" cy="4423800"/>
+            <a:off x="772181" y="1641050"/>
+            <a:ext cx="4850400" cy="436200"/>
           </a:xfrm>
           <a:prstGeom prst="rect">
             <a:avLst/>
@@ -19133,11 +24526,14 @@
         </p:spPr>
         <p:txBody>
           <a:bodyPr anchorCtr="0" anchor="t" bIns="45700" lIns="91425" spcFirstLastPara="1" rIns="91425" wrap="square" tIns="45700">
-            <a:spAutoFit/>
+            <a:noAutofit/>
           </a:bodyPr>
           <a:lstStyle/>
           <a:p>
-            <a:pPr indent="0" lvl="0" marL="0" rtl="0" algn="just">
+            <a:pPr indent="0" lvl="0" marL="0" rtl="0" algn="l">
+              <a:lnSpc>
+                <a:spcPct val="90000"/>
+              </a:lnSpc>
               <a:spcBef>
                 <a:spcPts val="0"/>
               </a:spcBef>
@@ -19147,39 +24543,132 @@
               <a:buClr>
                 <a:schemeClr val="dk1"/>
               </a:buClr>
-              <a:buSzPts val="1100"/>
-              <a:buFont typeface="Arial"/>
+              <a:buSzPts val="2400"/>
               <a:buNone/>
             </a:pPr>
             <a:r>
-              <a:rPr b="1" lang="en-US" sz="2200">
-                <a:solidFill>
-                  <a:schemeClr val="dk1"/>
-                </a:solidFill>
+              <a:rPr b="1" lang="en-US" sz="2700">
+                <a:latin typeface="Arial"/>
+                <a:ea typeface="Arial"/>
+                <a:cs typeface="Arial"/>
+                <a:sym typeface="Arial"/>
               </a:rPr>
-              <a:t>Approach:</a:t>
+              <a:t>2.3.1 Labels Generation </a:t>
             </a:r>
+            <a:endParaRPr sz="3100"/>
+          </a:p>
+        </p:txBody>
+      </p:sp>
+    </p:spTree>
+  </p:cSld>
+  <p:clrMapOvr>
+    <a:masterClrMapping/>
+  </p:clrMapOvr>
+</p:sld>
+</file>
+
+<file path=ppt/slides/slide9.xml><?xml version="1.0" encoding="utf-8"?>
+<p:sld xmlns:a="http://schemas.openxmlformats.org/drawingml/2006/main" xmlns:r="http://schemas.openxmlformats.org/officeDocument/2006/relationships" xmlns:mc="http://schemas.openxmlformats.org/markup-compatibility/2006" xmlns:mv="urn:schemas-microsoft-com:mac:vml" xmlns:p="http://schemas.openxmlformats.org/presentationml/2006/main" xmlns:c="http://schemas.openxmlformats.org/drawingml/2006/chart" xmlns:dgm="http://schemas.openxmlformats.org/drawingml/2006/diagram" xmlns:o="urn:schemas-microsoft-com:office:office" xmlns:v="urn:schemas-microsoft-com:vml" xmlns:pvml="urn:schemas-microsoft-com:office:powerpoint" xmlns:com="http://schemas.openxmlformats.org/drawingml/2006/compatibility" xmlns:p14="http://schemas.microsoft.com/office/powerpoint/2010/main" xmlns:p15="http://schemas.microsoft.com/office/powerpoint/2012/main" xmlns:ahyp="http://schemas.microsoft.com/office/drawing/2018/hyperlinkcolor">
+  <p:cSld>
+    <p:spTree>
+      <p:nvGrpSpPr>
+        <p:cNvPr id="142" name="Shape 142"/>
+        <p:cNvGrpSpPr/>
+        <p:nvPr/>
+      </p:nvGrpSpPr>
+      <p:grpSpPr>
+        <a:xfrm>
+          <a:off x="0" y="0"/>
+          <a:ext cx="0" cy="0"/>
+          <a:chOff x="0" y="0"/>
+          <a:chExt cx="0" cy="0"/>
+        </a:xfrm>
+      </p:grpSpPr>
+      <p:sp>
+        <p:nvSpPr>
+          <p:cNvPr id="143" name="Google Shape;143;g32627264e13_0_116"/>
+          <p:cNvSpPr txBox="1"/>
+          <p:nvPr>
+            <p:ph type="title"/>
+          </p:nvPr>
+        </p:nvSpPr>
+        <p:spPr>
+          <a:xfrm>
+            <a:off x="338736" y="112543"/>
+            <a:ext cx="11514600" cy="436200"/>
+          </a:xfrm>
+          <a:prstGeom prst="rect">
+            <a:avLst/>
+          </a:prstGeom>
+          <a:noFill/>
+          <a:ln>
+            <a:noFill/>
+          </a:ln>
+        </p:spPr>
+        <p:txBody>
+          <a:bodyPr anchorCtr="0" anchor="t" bIns="45700" lIns="91425" spcFirstLastPara="1" rIns="91425" wrap="square" tIns="45700">
+            <a:noAutofit/>
+          </a:bodyPr>
+          <a:lstStyle/>
+          <a:p>
+            <a:pPr indent="0" lvl="0" marL="0" rtl="0" algn="l">
+              <a:lnSpc>
+                <a:spcPct val="90000"/>
+              </a:lnSpc>
+              <a:spcBef>
+                <a:spcPts val="0"/>
+              </a:spcBef>
+              <a:spcAft>
+                <a:spcPts val="0"/>
+              </a:spcAft>
+              <a:buClr>
+                <a:schemeClr val="lt1"/>
+              </a:buClr>
+              <a:buSzPts val="2800"/>
+              <a:buFont typeface="Lato"/>
+              <a:buNone/>
+            </a:pPr>
             <a:r>
-              <a:rPr lang="en-US" sz="2200">
-                <a:solidFill>
-                  <a:schemeClr val="dk1"/>
-                </a:solidFill>
-              </a:rPr>
-              <a:t> Three methods explored.</a:t>
+              <a:rPr lang="en-US" sz="3600"/>
+              <a:t>Data</a:t>
             </a:r>
-            <a:endParaRPr sz="2200">
-              <a:solidFill>
-                <a:schemeClr val="dk1"/>
-              </a:solidFill>
-            </a:endParaRPr>
+            <a:endParaRPr sz="3600"/>
           </a:p>
+        </p:txBody>
+      </p:sp>
+      <p:sp>
+        <p:nvSpPr>
+          <p:cNvPr id="144" name="Google Shape;144;g32627264e13_0_116"/>
+          <p:cNvSpPr txBox="1"/>
+          <p:nvPr>
+            <p:ph idx="1" type="body"/>
+          </p:nvPr>
+        </p:nvSpPr>
+        <p:spPr>
+          <a:xfrm>
+            <a:off x="338711" y="876789"/>
+            <a:ext cx="11514600" cy="436200"/>
+          </a:xfrm>
+          <a:prstGeom prst="rect">
+            <a:avLst/>
+          </a:prstGeom>
+          <a:noFill/>
+          <a:ln>
+            <a:noFill/>
+          </a:ln>
+        </p:spPr>
+        <p:txBody>
+          <a:bodyPr anchorCtr="0" anchor="t" bIns="45700" lIns="91425" spcFirstLastPara="1" rIns="91425" wrap="square" tIns="45700">
+            <a:noAutofit/>
+          </a:bodyPr>
+          <a:lstStyle/>
           <a:p>
-            <a:pPr indent="-368300" lvl="0" marL="457200" rtl="0" algn="l">
+            <a:pPr indent="0" lvl="0" marL="0" rtl="0" algn="l">
               <a:lnSpc>
-                <a:spcPct val="115000"/>
+                <a:spcPct val="90000"/>
               </a:lnSpc>
               <a:spcBef>
-                <a:spcPts val="1200"/>
+                <a:spcPts val="0"/>
               </a:spcBef>
               <a:spcAft>
                 <a:spcPts val="0"/>
@@ -19187,27 +24676,130 @@
               <a:buClr>
                 <a:schemeClr val="dk1"/>
               </a:buClr>
-              <a:buSzPts val="2200"/>
-              <a:buAutoNum type="arabicPeriod"/>
+              <a:buSzPts val="2400"/>
+              <a:buNone/>
             </a:pPr>
             <a:r>
-              <a:rPr b="1" lang="en-US" sz="2200">
-                <a:solidFill>
-                  <a:schemeClr val="dk1"/>
-                </a:solidFill>
+              <a:rPr b="1" lang="en-US" sz="3200">
+                <a:latin typeface="Arial"/>
+                <a:ea typeface="Arial"/>
+                <a:cs typeface="Arial"/>
+                <a:sym typeface="Arial"/>
               </a:rPr>
-              <a:t>Method 1:</a:t>
+              <a:t>2.3 Data Processing  </a:t>
             </a:r>
-            <a:endParaRPr b="1" sz="2200">
-              <a:solidFill>
-                <a:schemeClr val="dk1"/>
-              </a:solidFill>
-            </a:endParaRPr>
+            <a:endParaRPr sz="3600"/>
           </a:p>
+        </p:txBody>
+      </p:sp>
+      <p:sp>
+        <p:nvSpPr>
+          <p:cNvPr id="145" name="Google Shape;145;g32627264e13_0_116"/>
+          <p:cNvSpPr txBox="1"/>
+          <p:nvPr>
+            <p:ph idx="12" type="sldNum"/>
+          </p:nvPr>
+        </p:nvSpPr>
+        <p:spPr>
+          <a:xfrm>
+            <a:off x="9156511" y="6492875"/>
+            <a:ext cx="2743200" cy="365100"/>
+          </a:xfrm>
+          <a:prstGeom prst="rect">
+            <a:avLst/>
+          </a:prstGeom>
+          <a:noFill/>
+          <a:ln>
+            <a:noFill/>
+          </a:ln>
+        </p:spPr>
+        <p:txBody>
+          <a:bodyPr anchorCtr="0" anchor="t" bIns="45700" lIns="91425" spcFirstLastPara="1" rIns="91425" wrap="square" tIns="45700">
+            <a:noAutofit/>
+          </a:bodyPr>
+          <a:lstStyle/>
           <a:p>
-            <a:pPr indent="-368300" lvl="1" marL="914400" rtl="0" algn="l">
+            <a:pPr indent="0" lvl="0" marL="0" rtl="0" algn="r">
+              <a:spcBef>
+                <a:spcPts val="0"/>
+              </a:spcBef>
+              <a:spcAft>
+                <a:spcPts val="0"/>
+              </a:spcAft>
+              <a:buNone/>
+            </a:pPr>
+            <a:fld id="{00000000-1234-1234-1234-123412341234}" type="slidenum">
+              <a:rPr lang="en-US"/>
+              <a:t>‹#›</a:t>
+            </a:fld>
+            <a:endParaRPr/>
+          </a:p>
+        </p:txBody>
+      </p:sp>
+      <p:pic>
+        <p:nvPicPr>
+          <p:cNvPr id="146" name="Google Shape;146;g32627264e13_0_116"/>
+          <p:cNvPicPr preferRelativeResize="0"/>
+          <p:nvPr/>
+        </p:nvPicPr>
+        <p:blipFill>
+          <a:blip r:embed="rId3">
+            <a:alphaModFix/>
+          </a:blip>
+          <a:stretch>
+            <a:fillRect/>
+          </a:stretch>
+        </p:blipFill>
+        <p:spPr>
+          <a:xfrm>
+            <a:off x="2306475" y="2402928"/>
+            <a:ext cx="7579049" cy="3000025"/>
+          </a:xfrm>
+          <a:prstGeom prst="rect">
+            <a:avLst/>
+          </a:prstGeom>
+          <a:noFill/>
+          <a:ln cap="flat" cmpd="sng" w="12700">
+            <a:solidFill>
+              <a:srgbClr val="000000"/>
+            </a:solidFill>
+            <a:prstDash val="solid"/>
+            <a:miter lim="8000"/>
+            <a:headEnd len="sm" w="sm" type="none"/>
+            <a:tailEnd len="sm" w="sm" type="none"/>
+          </a:ln>
+        </p:spPr>
+      </p:pic>
+      <p:sp>
+        <p:nvSpPr>
+          <p:cNvPr id="147" name="Google Shape;147;g32627264e13_0_116"/>
+          <p:cNvSpPr txBox="1"/>
+          <p:nvPr>
+            <p:ph idx="1" type="body"/>
+          </p:nvPr>
+        </p:nvSpPr>
+        <p:spPr>
+          <a:xfrm>
+            <a:off x="772181" y="1641050"/>
+            <a:ext cx="4850400" cy="436200"/>
+          </a:xfrm>
+          <a:prstGeom prst="rect">
+            <a:avLst/>
+          </a:prstGeom>
+          <a:noFill/>
+          <a:ln>
+            <a:noFill/>
+          </a:ln>
+        </p:spPr>
+        <p:txBody>
+          <a:bodyPr anchorCtr="0" anchor="t" bIns="45700" lIns="91425" spcFirstLastPara="1" rIns="91425" wrap="square" tIns="45700">
+            <a:noAutofit/>
+          </a:bodyPr>
+          <a:lstStyle/>
+          <a:p>
+            <a:pPr indent="0" lvl="0" marL="0" rtl="0" algn="l">
               <a:lnSpc>
-                <a:spcPct val="115000"/>
+                <a:spcPct val="90000"/>
               </a:lnSpc>
               <a:spcBef>
                 <a:spcPts val="0"/>
@@ -19218,228 +24810,28 @@
               <a:buClr>
                 <a:schemeClr val="dk1"/>
               </a:buClr>
-              <a:buSzPts val="2200"/>
-              <a:buChar char="○"/>
+              <a:buSzPts val="2400"/>
+              <a:buNone/>
             </a:pPr>
             <a:r>
-              <a:rPr lang="en-US" sz="2200">
-                <a:solidFill>
-                  <a:schemeClr val="dk1"/>
-                </a:solidFill>
+              <a:rPr b="1" lang="en-US" sz="2700">
+                <a:latin typeface="Arial"/>
+                <a:ea typeface="Arial"/>
+                <a:cs typeface="Arial"/>
+                <a:sym typeface="Arial"/>
               </a:rPr>
-              <a:t>Candidate generation (heuristics, Word2Vec, co-visitation).</a:t>
+              <a:t>2.3.2 Data </a:t>
             </a:r>
-            <a:endParaRPr sz="2200">
-              <a:solidFill>
-                <a:schemeClr val="dk1"/>
-              </a:solidFill>
-            </a:endParaRPr>
-          </a:p>
-          <a:p>
-            <a:pPr indent="-368300" lvl="1" marL="914400" rtl="0" algn="l">
-              <a:lnSpc>
-                <a:spcPct val="115000"/>
-              </a:lnSpc>
-              <a:spcBef>
-                <a:spcPts val="0"/>
-              </a:spcBef>
-              <a:spcAft>
-                <a:spcPts val="0"/>
-              </a:spcAft>
-              <a:buClr>
-                <a:schemeClr val="dk1"/>
-              </a:buClr>
-              <a:buSzPts val="2200"/>
-              <a:buChar char="○"/>
-            </a:pPr>
             <a:r>
-              <a:rPr lang="en-US" sz="2200">
-                <a:solidFill>
-                  <a:schemeClr val="dk1"/>
-                </a:solidFill>
+              <a:rPr b="1" lang="en-US" sz="2700">
+                <a:latin typeface="Arial"/>
+                <a:ea typeface="Arial"/>
+                <a:cs typeface="Arial"/>
+                <a:sym typeface="Arial"/>
               </a:rPr>
-              <a:t>Ranking with LightGBM.</a:t>
+              <a:t>Splitting</a:t>
             </a:r>
-            <a:endParaRPr sz="2200">
-              <a:solidFill>
-                <a:schemeClr val="dk1"/>
-              </a:solidFill>
-            </a:endParaRPr>
-          </a:p>
-          <a:p>
-            <a:pPr indent="-368300" lvl="0" marL="457200" rtl="0" algn="l">
-              <a:lnSpc>
-                <a:spcPct val="115000"/>
-              </a:lnSpc>
-              <a:spcBef>
-                <a:spcPts val="0"/>
-              </a:spcBef>
-              <a:spcAft>
-                <a:spcPts val="0"/>
-              </a:spcAft>
-              <a:buClr>
-                <a:schemeClr val="dk1"/>
-              </a:buClr>
-              <a:buSzPts val="2200"/>
-              <a:buAutoNum type="arabicPeriod"/>
-            </a:pPr>
-            <a:r>
-              <a:rPr b="1" lang="en-US" sz="2200">
-                <a:solidFill>
-                  <a:schemeClr val="dk1"/>
-                </a:solidFill>
-              </a:rPr>
-              <a:t>Method 2:</a:t>
-            </a:r>
-            <a:endParaRPr b="1" sz="2200">
-              <a:solidFill>
-                <a:schemeClr val="dk1"/>
-              </a:solidFill>
-            </a:endParaRPr>
-          </a:p>
-          <a:p>
-            <a:pPr indent="-368300" lvl="1" marL="914400" rtl="0" algn="l">
-              <a:lnSpc>
-                <a:spcPct val="115000"/>
-              </a:lnSpc>
-              <a:spcBef>
-                <a:spcPts val="0"/>
-              </a:spcBef>
-              <a:spcAft>
-                <a:spcPts val="0"/>
-              </a:spcAft>
-              <a:buClr>
-                <a:schemeClr val="dk1"/>
-              </a:buClr>
-              <a:buSzPts val="2200"/>
-              <a:buChar char="○"/>
-            </a:pPr>
-            <a:r>
-              <a:rPr lang="en-US" sz="2200">
-                <a:solidFill>
-                  <a:schemeClr val="dk1"/>
-                </a:solidFill>
-              </a:rPr>
-              <a:t>Collaborative filtering (Item CF, User CF).</a:t>
-            </a:r>
-            <a:endParaRPr sz="2200">
-              <a:solidFill>
-                <a:schemeClr val="dk1"/>
-              </a:solidFill>
-            </a:endParaRPr>
-          </a:p>
-          <a:p>
-            <a:pPr indent="-368300" lvl="1" marL="914400" rtl="0" algn="l">
-              <a:lnSpc>
-                <a:spcPct val="115000"/>
-              </a:lnSpc>
-              <a:spcBef>
-                <a:spcPts val="0"/>
-              </a:spcBef>
-              <a:spcAft>
-                <a:spcPts val="0"/>
-              </a:spcAft>
-              <a:buClr>
-                <a:schemeClr val="dk1"/>
-              </a:buClr>
-              <a:buSzPts val="2200"/>
-              <a:buChar char="○"/>
-            </a:pPr>
-            <a:r>
-              <a:rPr lang="en-US" sz="2200">
-                <a:solidFill>
-                  <a:schemeClr val="dk1"/>
-                </a:solidFill>
-              </a:rPr>
-              <a:t>Ranking with LightGBM and CatBoost.</a:t>
-            </a:r>
-            <a:endParaRPr sz="2200">
-              <a:solidFill>
-                <a:schemeClr val="dk1"/>
-              </a:solidFill>
-            </a:endParaRPr>
-          </a:p>
-          <a:p>
-            <a:pPr indent="-368300" lvl="0" marL="457200" rtl="0" algn="l">
-              <a:lnSpc>
-                <a:spcPct val="115000"/>
-              </a:lnSpc>
-              <a:spcBef>
-                <a:spcPts val="0"/>
-              </a:spcBef>
-              <a:spcAft>
-                <a:spcPts val="0"/>
-              </a:spcAft>
-              <a:buClr>
-                <a:schemeClr val="dk1"/>
-              </a:buClr>
-              <a:buSzPts val="2200"/>
-              <a:buAutoNum type="arabicPeriod"/>
-            </a:pPr>
-            <a:r>
-              <a:rPr b="1" lang="en-US" sz="2200">
-                <a:solidFill>
-                  <a:schemeClr val="dk1"/>
-                </a:solidFill>
-              </a:rPr>
-              <a:t>Method 3:</a:t>
-            </a:r>
-            <a:endParaRPr b="1" sz="2200">
-              <a:solidFill>
-                <a:schemeClr val="dk1"/>
-              </a:solidFill>
-            </a:endParaRPr>
-          </a:p>
-          <a:p>
-            <a:pPr indent="-368300" lvl="1" marL="914400" rtl="0" algn="l">
-              <a:lnSpc>
-                <a:spcPct val="115000"/>
-              </a:lnSpc>
-              <a:spcBef>
-                <a:spcPts val="0"/>
-              </a:spcBef>
-              <a:spcAft>
-                <a:spcPts val="0"/>
-              </a:spcAft>
-              <a:buClr>
-                <a:schemeClr val="dk1"/>
-              </a:buClr>
-              <a:buSzPts val="2200"/>
-              <a:buChar char="○"/>
-            </a:pPr>
-            <a:r>
-              <a:rPr lang="en-US" sz="2200">
-                <a:solidFill>
-                  <a:schemeClr val="dk1"/>
-                </a:solidFill>
-              </a:rPr>
-              <a:t>Graph Neural Network (GNN) for link prediction on heterogeneous graphs.</a:t>
-            </a:r>
-            <a:endParaRPr sz="2200">
-              <a:solidFill>
-                <a:schemeClr val="dk1"/>
-              </a:solidFill>
-            </a:endParaRPr>
-          </a:p>
-          <a:p>
-            <a:pPr indent="0" lvl="0" marL="0" rtl="0" algn="just">
-              <a:spcBef>
-                <a:spcPts val="1200"/>
-              </a:spcBef>
-              <a:spcAft>
-                <a:spcPts val="0"/>
-              </a:spcAft>
-              <a:buSzPts val="1100"/>
-              <a:buNone/>
-            </a:pPr>
-            <a:r>
-              <a:t/>
-            </a:r>
-            <a:endParaRPr b="1" sz="3700">
-              <a:solidFill>
-                <a:schemeClr val="dk1"/>
-              </a:solidFill>
-            </a:endParaRPr>
+            <a:endParaRPr sz="3100"/>
           </a:p>
         </p:txBody>
       </p:sp>
